--- a/Skin Cancer Final .pptx
+++ b/Skin Cancer Final .pptx
@@ -6,7 +6,7 @@
     <p:sldMasterId id="2147483680" r:id="rId2"/>
   </p:sldMasterIdLst>
   <p:notesMasterIdLst>
-    <p:notesMasterId r:id="rId19"/>
+    <p:notesMasterId r:id="rId18"/>
   </p:notesMasterIdLst>
   <p:sldIdLst>
     <p:sldId id="256" r:id="rId3"/>
@@ -14,45 +14,44 @@
     <p:sldId id="258" r:id="rId5"/>
     <p:sldId id="259" r:id="rId6"/>
     <p:sldId id="260" r:id="rId7"/>
-    <p:sldId id="261" r:id="rId8"/>
+    <p:sldId id="265" r:id="rId8"/>
     <p:sldId id="262" r:id="rId9"/>
     <p:sldId id="263" r:id="rId10"/>
-    <p:sldId id="264" r:id="rId11"/>
-    <p:sldId id="265" r:id="rId12"/>
-    <p:sldId id="266" r:id="rId13"/>
-    <p:sldId id="267" r:id="rId14"/>
-    <p:sldId id="268" r:id="rId15"/>
-    <p:sldId id="269" r:id="rId16"/>
-    <p:sldId id="270" r:id="rId17"/>
-    <p:sldId id="271" r:id="rId18"/>
+    <p:sldId id="266" r:id="rId11"/>
+    <p:sldId id="267" r:id="rId12"/>
+    <p:sldId id="268" r:id="rId13"/>
+    <p:sldId id="269" r:id="rId14"/>
+    <p:sldId id="272" r:id="rId15"/>
+    <p:sldId id="270" r:id="rId16"/>
+    <p:sldId id="271" r:id="rId17"/>
   </p:sldIdLst>
   <p:sldSz cx="24379238" cy="13716000"/>
   <p:notesSz cx="6858000" cy="9144000"/>
   <p:embeddedFontLst>
     <p:embeddedFont>
       <p:font typeface="Aharoni" panose="02010803020104030203" pitchFamily="2" charset="-79"/>
-      <p:bold r:id="rId20"/>
+      <p:bold r:id="rId19"/>
     </p:embeddedFont>
     <p:embeddedFont>
       <p:font typeface="Calibri" panose="020F0502020204030204" pitchFamily="34" charset="0"/>
-      <p:regular r:id="rId21"/>
-      <p:bold r:id="rId22"/>
-      <p:italic r:id="rId23"/>
-      <p:boldItalic r:id="rId24"/>
+      <p:regular r:id="rId20"/>
+      <p:bold r:id="rId21"/>
+      <p:italic r:id="rId22"/>
+      <p:boldItalic r:id="rId23"/>
     </p:embeddedFont>
     <p:embeddedFont>
       <p:font typeface="Open Sans" panose="020B0606030504020204" pitchFamily="34" charset="0"/>
-      <p:regular r:id="rId25"/>
-      <p:bold r:id="rId26"/>
-      <p:italic r:id="rId27"/>
-      <p:boldItalic r:id="rId28"/>
+      <p:regular r:id="rId24"/>
+      <p:bold r:id="rId25"/>
+      <p:italic r:id="rId26"/>
+      <p:boldItalic r:id="rId27"/>
     </p:embeddedFont>
     <p:embeddedFont>
       <p:font typeface="Poppins" panose="00000500000000000000" pitchFamily="2" charset="0"/>
-      <p:regular r:id="rId29"/>
-      <p:bold r:id="rId30"/>
-      <p:italic r:id="rId31"/>
-      <p:boldItalic r:id="rId32"/>
+      <p:regular r:id="rId28"/>
+      <p:bold r:id="rId29"/>
+      <p:italic r:id="rId30"/>
+      <p:boldItalic r:id="rId31"/>
     </p:embeddedFont>
   </p:embeddedFontLst>
   <p:defaultTextStyle>
@@ -285,8 +284,11 @@
     </a:lvl9pPr>
   </p:defaultTextStyle>
   <p:extLst>
+    <p:ext uri="{EFAFB233-063F-42B5-8137-9DF3F51BA10A}">
+      <p15:sldGuideLst xmlns:p15="http://schemas.microsoft.com/office/powerpoint/2012/main"/>
+    </p:ext>
     <p:ext uri="http://customooxmlschemas.google.com/">
-      <go:slidesCustomData xmlns:go="http://customooxmlschemas.google.com/" xmlns:ahyp="http://schemas.microsoft.com/office/drawing/2018/hyperlinkcolor" xmlns:p15="http://schemas.microsoft.com/office/powerpoint/2012/main" xmlns:p14="http://schemas.microsoft.com/office/powerpoint/2010/main" xmlns:com="http://schemas.openxmlformats.org/drawingml/2006/compatibility" xmlns:pvml="urn:schemas-microsoft-com:office:powerpoint" xmlns:v="urn:schemas-microsoft-com:vml" xmlns:o="urn:schemas-microsoft-com:office:office" xmlns:dgm="http://schemas.openxmlformats.org/drawingml/2006/diagram" xmlns:c="http://schemas.openxmlformats.org/drawingml/2006/chart" xmlns:mv="urn:schemas-microsoft-com:mac:vml" xmlns:mc="http://schemas.openxmlformats.org/markup-compatibility/2006" xmlns="" r:id="rId33" roundtripDataSignature="AMtx7mhDS6oW/+/drJV/QZXr6ZvkXz76Vg=="/>
+      <go:slidesCustomData xmlns="" xmlns:mc="http://schemas.openxmlformats.org/markup-compatibility/2006" xmlns:mv="urn:schemas-microsoft-com:mac:vml" xmlns:c="http://schemas.openxmlformats.org/drawingml/2006/chart" xmlns:dgm="http://schemas.openxmlformats.org/drawingml/2006/diagram" xmlns:o="urn:schemas-microsoft-com:office:office" xmlns:v="urn:schemas-microsoft-com:vml" xmlns:pvml="urn:schemas-microsoft-com:office:powerpoint" xmlns:com="http://schemas.openxmlformats.org/drawingml/2006/compatibility" xmlns:p14="http://schemas.microsoft.com/office/powerpoint/2010/main" xmlns:p15="http://schemas.microsoft.com/office/powerpoint/2012/main" xmlns:ahyp="http://schemas.microsoft.com/office/drawing/2018/hyperlinkcolor" xmlns:go="http://customooxmlschemas.google.com/" r:id="rId33" roundtripDataSignature="AMtx7mhDS6oW/+/drJV/QZXr6ZvkXz76Vg=="/>
     </p:ext>
   </p:extLst>
 </p:presentation>
@@ -1872,382 +1874,6 @@
   <p:cSld>
     <p:spTree>
       <p:nvGrpSpPr>
-        <p:cNvPr id="1" name="Shape 364"/>
-        <p:cNvGrpSpPr/>
-        <p:nvPr/>
-      </p:nvGrpSpPr>
-      <p:grpSpPr>
-        <a:xfrm>
-          <a:off x="0" y="0"/>
-          <a:ext cx="0" cy="0"/>
-          <a:chOff x="0" y="0"/>
-          <a:chExt cx="0" cy="0"/>
-        </a:xfrm>
-      </p:grpSpPr>
-      <p:sp>
-        <p:nvSpPr>
-          <p:cNvPr id="365" name="Google Shape;365;g11b9ec167ea_0_440:notes"/>
-          <p:cNvSpPr>
-            <a:spLocks noGrp="1" noRot="1" noChangeAspect="1"/>
-          </p:cNvSpPr>
-          <p:nvPr>
-            <p:ph type="sldImg" idx="2"/>
-          </p:nvPr>
-        </p:nvSpPr>
-        <p:spPr>
-          <a:xfrm>
-            <a:off x="685800" y="1143000"/>
-            <a:ext cx="5486400" cy="3086100"/>
-          </a:xfrm>
-          <a:custGeom>
-            <a:avLst/>
-            <a:gdLst/>
-            <a:ahLst/>
-            <a:cxnLst/>
-            <a:rect l="l" t="t" r="r" b="b"/>
-            <a:pathLst>
-              <a:path w="120000" h="120000" extrusionOk="0">
-                <a:moveTo>
-                  <a:pt x="0" y="0"/>
-                </a:moveTo>
-                <a:lnTo>
-                  <a:pt x="120000" y="0"/>
-                </a:lnTo>
-                <a:lnTo>
-                  <a:pt x="120000" y="120000"/>
-                </a:lnTo>
-                <a:lnTo>
-                  <a:pt x="0" y="120000"/>
-                </a:lnTo>
-                <a:close/>
-              </a:path>
-            </a:pathLst>
-          </a:custGeom>
-        </p:spPr>
-      </p:sp>
-      <p:sp>
-        <p:nvSpPr>
-          <p:cNvPr id="366" name="Google Shape;366;g11b9ec167ea_0_440:notes"/>
-          <p:cNvSpPr txBox="1">
-            <a:spLocks noGrp="1"/>
-          </p:cNvSpPr>
-          <p:nvPr>
-            <p:ph type="body" idx="1"/>
-          </p:nvPr>
-        </p:nvSpPr>
-        <p:spPr>
-          <a:xfrm>
-            <a:off x="685800" y="4400550"/>
-            <a:ext cx="5486400" cy="3600600"/>
-          </a:xfrm>
-          <a:prstGeom prst="rect">
-            <a:avLst/>
-          </a:prstGeom>
-        </p:spPr>
-        <p:txBody>
-          <a:bodyPr spcFirstLastPara="1" wrap="square" lIns="91425" tIns="45700" rIns="91425" bIns="45700" anchor="t" anchorCtr="0">
-            <a:noAutofit/>
-          </a:bodyPr>
-          <a:lstStyle/>
-          <a:p>
-            <a:pPr marL="457200" lvl="0" indent="0" algn="l" rtl="0">
-              <a:lnSpc>
-                <a:spcPct val="115000"/>
-              </a:lnSpc>
-              <a:spcBef>
-                <a:spcPts val="0"/>
-              </a:spcBef>
-              <a:spcAft>
-                <a:spcPts val="0"/>
-              </a:spcAft>
-              <a:buNone/>
-            </a:pPr>
-            <a:r>
-              <a:rPr lang="en-US" sz="1050">
-                <a:latin typeface="Arial"/>
-                <a:ea typeface="Arial"/>
-                <a:cs typeface="Arial"/>
-                <a:sym typeface="Arial"/>
-              </a:rPr>
-              <a:t>According to the data, Melanocytic nevi effect the majority of both men and women in all age groups except the over 80 age group. They are most affected by Benign keratosis.</a:t>
-            </a:r>
-            <a:endParaRPr sz="1050">
-              <a:latin typeface="Arial"/>
-              <a:ea typeface="Arial"/>
-              <a:cs typeface="Arial"/>
-              <a:sym typeface="Arial"/>
-            </a:endParaRPr>
-          </a:p>
-          <a:p>
-            <a:pPr marL="457200" lvl="0" indent="0" algn="l" rtl="0">
-              <a:lnSpc>
-                <a:spcPct val="115000"/>
-              </a:lnSpc>
-              <a:spcBef>
-                <a:spcPts val="700"/>
-              </a:spcBef>
-              <a:spcAft>
-                <a:spcPts val="0"/>
-              </a:spcAft>
-              <a:buNone/>
-            </a:pPr>
-            <a:endParaRPr sz="1050">
-              <a:latin typeface="Arial"/>
-              <a:ea typeface="Arial"/>
-              <a:cs typeface="Arial"/>
-              <a:sym typeface="Arial"/>
-            </a:endParaRPr>
-          </a:p>
-          <a:p>
-            <a:pPr marL="0" lvl="0" indent="0" algn="l" rtl="0">
-              <a:spcBef>
-                <a:spcPts val="700"/>
-              </a:spcBef>
-              <a:spcAft>
-                <a:spcPts val="0"/>
-              </a:spcAft>
-              <a:buNone/>
-            </a:pPr>
-            <a:endParaRPr/>
-          </a:p>
-        </p:txBody>
-      </p:sp>
-      <p:sp>
-        <p:nvSpPr>
-          <p:cNvPr id="367" name="Google Shape;367;g11b9ec167ea_0_440:notes"/>
-          <p:cNvSpPr txBox="1">
-            <a:spLocks noGrp="1"/>
-          </p:cNvSpPr>
-          <p:nvPr>
-            <p:ph type="sldNum" idx="12"/>
-          </p:nvPr>
-        </p:nvSpPr>
-        <p:spPr>
-          <a:xfrm>
-            <a:off x="3884613" y="8685213"/>
-            <a:ext cx="2971800" cy="458700"/>
-          </a:xfrm>
-          <a:prstGeom prst="rect">
-            <a:avLst/>
-          </a:prstGeom>
-        </p:spPr>
-        <p:txBody>
-          <a:bodyPr spcFirstLastPara="1" wrap="square" lIns="91425" tIns="45700" rIns="91425" bIns="45700" anchor="b" anchorCtr="0">
-            <a:noAutofit/>
-          </a:bodyPr>
-          <a:lstStyle/>
-          <a:p>
-            <a:pPr marL="0" lvl="0" indent="0" algn="r" rtl="0">
-              <a:spcBef>
-                <a:spcPts val="0"/>
-              </a:spcBef>
-              <a:spcAft>
-                <a:spcPts val="0"/>
-              </a:spcAft>
-              <a:buClr>
-                <a:srgbClr val="000000"/>
-              </a:buClr>
-              <a:buSzPts val="1200"/>
-              <a:buFont typeface="Arial"/>
-              <a:buNone/>
-            </a:pPr>
-            <a:fld id="{00000000-1234-1234-1234-123412341234}" type="slidenum">
-              <a:rPr lang="en-US"/>
-              <a:t>10</a:t>
-            </a:fld>
-            <a:endParaRPr/>
-          </a:p>
-        </p:txBody>
-      </p:sp>
-    </p:spTree>
-  </p:cSld>
-  <p:clrMapOvr>
-    <a:masterClrMapping/>
-  </p:clrMapOvr>
-</p:notes>
-</file>
-
-<file path=ppt/notesSlides/notesSlide11.xml><?xml version="1.0" encoding="utf-8"?>
-<p:notes xmlns:a="http://schemas.openxmlformats.org/drawingml/2006/main" xmlns:r="http://schemas.openxmlformats.org/officeDocument/2006/relationships" xmlns:p="http://schemas.openxmlformats.org/presentationml/2006/main" showMasterSp="0" showMasterPhAnim="0">
-  <p:cSld>
-    <p:spTree>
-      <p:nvGrpSpPr>
-        <p:cNvPr id="1" name="Shape 370"/>
-        <p:cNvGrpSpPr/>
-        <p:nvPr/>
-      </p:nvGrpSpPr>
-      <p:grpSpPr>
-        <a:xfrm>
-          <a:off x="0" y="0"/>
-          <a:ext cx="0" cy="0"/>
-          <a:chOff x="0" y="0"/>
-          <a:chExt cx="0" cy="0"/>
-        </a:xfrm>
-      </p:grpSpPr>
-      <p:sp>
-        <p:nvSpPr>
-          <p:cNvPr id="371" name="Google Shape;371;p6:notes"/>
-          <p:cNvSpPr>
-            <a:spLocks noGrp="1" noRot="1" noChangeAspect="1"/>
-          </p:cNvSpPr>
-          <p:nvPr>
-            <p:ph type="sldImg" idx="2"/>
-          </p:nvPr>
-        </p:nvSpPr>
-        <p:spPr>
-          <a:xfrm>
-            <a:off x="685800" y="1143000"/>
-            <a:ext cx="5486400" cy="3086100"/>
-          </a:xfrm>
-          <a:custGeom>
-            <a:avLst/>
-            <a:gdLst/>
-            <a:ahLst/>
-            <a:cxnLst/>
-            <a:rect l="l" t="t" r="r" b="b"/>
-            <a:pathLst>
-              <a:path w="120000" h="120000" extrusionOk="0">
-                <a:moveTo>
-                  <a:pt x="0" y="0"/>
-                </a:moveTo>
-                <a:lnTo>
-                  <a:pt x="120000" y="0"/>
-                </a:lnTo>
-                <a:lnTo>
-                  <a:pt x="120000" y="120000"/>
-                </a:lnTo>
-                <a:lnTo>
-                  <a:pt x="0" y="120000"/>
-                </a:lnTo>
-                <a:close/>
-              </a:path>
-            </a:pathLst>
-          </a:custGeom>
-          <a:noFill/>
-          <a:ln w="12700" cap="flat" cmpd="sng">
-            <a:solidFill>
-              <a:srgbClr val="000000"/>
-            </a:solidFill>
-            <a:prstDash val="solid"/>
-            <a:round/>
-            <a:headEnd type="none" w="sm" len="sm"/>
-            <a:tailEnd type="none" w="sm" len="sm"/>
-          </a:ln>
-        </p:spPr>
-      </p:sp>
-      <p:sp>
-        <p:nvSpPr>
-          <p:cNvPr id="372" name="Google Shape;372;p6:notes"/>
-          <p:cNvSpPr txBox="1">
-            <a:spLocks noGrp="1"/>
-          </p:cNvSpPr>
-          <p:nvPr>
-            <p:ph type="body" idx="1"/>
-          </p:nvPr>
-        </p:nvSpPr>
-        <p:spPr>
-          <a:xfrm>
-            <a:off x="685800" y="4400550"/>
-            <a:ext cx="5486400" cy="3600450"/>
-          </a:xfrm>
-          <a:prstGeom prst="rect">
-            <a:avLst/>
-          </a:prstGeom>
-          <a:noFill/>
-          <a:ln>
-            <a:noFill/>
-          </a:ln>
-        </p:spPr>
-        <p:txBody>
-          <a:bodyPr spcFirstLastPara="1" wrap="square" lIns="91425" tIns="45700" rIns="91425" bIns="45700" anchor="t" anchorCtr="0">
-            <a:noAutofit/>
-          </a:bodyPr>
-          <a:lstStyle/>
-          <a:p>
-            <a:pPr marL="0" lvl="0" indent="0" algn="l" rtl="0">
-              <a:lnSpc>
-                <a:spcPct val="100000"/>
-              </a:lnSpc>
-              <a:spcBef>
-                <a:spcPts val="0"/>
-              </a:spcBef>
-              <a:spcAft>
-                <a:spcPts val="0"/>
-              </a:spcAft>
-              <a:buSzPts val="1400"/>
-              <a:buNone/>
-            </a:pPr>
-            <a:r>
-              <a:rPr lang="en-US"/>
-              <a:t>skin cancer incompases the entire body, however when going through the data we determined that the top five most affected areas of the body the back at more that 2000 cases,  the lower extremities right at 2000, the trunk on a decline to roughly 1400 cases, the upper extremities around 1350 andthe abdomen around 1200. After analysing the data we notice a steep decline in areas of the body that received less uv rays. </a:t>
-            </a:r>
-            <a:endParaRPr/>
-          </a:p>
-        </p:txBody>
-      </p:sp>
-      <p:sp>
-        <p:nvSpPr>
-          <p:cNvPr id="373" name="Google Shape;373;p6:notes"/>
-          <p:cNvSpPr txBox="1">
-            <a:spLocks noGrp="1"/>
-          </p:cNvSpPr>
-          <p:nvPr>
-            <p:ph type="sldNum" idx="12"/>
-          </p:nvPr>
-        </p:nvSpPr>
-        <p:spPr>
-          <a:xfrm>
-            <a:off x="3884613" y="8685213"/>
-            <a:ext cx="2971800" cy="458787"/>
-          </a:xfrm>
-          <a:prstGeom prst="rect">
-            <a:avLst/>
-          </a:prstGeom>
-          <a:noFill/>
-          <a:ln>
-            <a:noFill/>
-          </a:ln>
-        </p:spPr>
-        <p:txBody>
-          <a:bodyPr spcFirstLastPara="1" wrap="square" lIns="91425" tIns="45700" rIns="91425" bIns="45700" anchor="b" anchorCtr="0">
-            <a:noAutofit/>
-          </a:bodyPr>
-          <a:lstStyle/>
-          <a:p>
-            <a:pPr marL="0" lvl="0" indent="0" algn="r" rtl="0">
-              <a:lnSpc>
-                <a:spcPct val="100000"/>
-              </a:lnSpc>
-              <a:spcBef>
-                <a:spcPts val="0"/>
-              </a:spcBef>
-              <a:spcAft>
-                <a:spcPts val="0"/>
-              </a:spcAft>
-              <a:buSzPts val="1400"/>
-              <a:buNone/>
-            </a:pPr>
-            <a:fld id="{00000000-1234-1234-1234-123412341234}" type="slidenum">
-              <a:rPr lang="en-US"/>
-              <a:t>11</a:t>
-            </a:fld>
-            <a:endParaRPr/>
-          </a:p>
-        </p:txBody>
-      </p:sp>
-    </p:spTree>
-  </p:cSld>
-  <p:clrMapOvr>
-    <a:masterClrMapping/>
-  </p:clrMapOvr>
-</p:notes>
-</file>
-
-<file path=ppt/notesSlides/notesSlide12.xml><?xml version="1.0" encoding="utf-8"?>
-<p:notes xmlns:a="http://schemas.openxmlformats.org/drawingml/2006/main" xmlns:r="http://schemas.openxmlformats.org/officeDocument/2006/relationships" xmlns:p="http://schemas.openxmlformats.org/presentationml/2006/main" showMasterSp="0" showMasterPhAnim="0">
-  <p:cSld>
-    <p:spTree>
-      <p:nvGrpSpPr>
         <p:cNvPr id="1" name="Shape 409"/>
         <p:cNvGrpSpPr/>
         <p:nvPr/>
@@ -2369,7 +1995,7 @@
 </p:notes>
 </file>
 
-<file path=ppt/notesSlides/notesSlide13.xml><?xml version="1.0" encoding="utf-8"?>
+<file path=ppt/notesSlides/notesSlide11.xml><?xml version="1.0" encoding="utf-8"?>
 <p:notes xmlns:a="http://schemas.openxmlformats.org/drawingml/2006/main" xmlns:r="http://schemas.openxmlformats.org/officeDocument/2006/relationships" xmlns:p="http://schemas.openxmlformats.org/presentationml/2006/main" showMasterSp="0" showMasterPhAnim="0">
   <p:cSld>
     <p:spTree>
@@ -2495,7 +2121,7 @@
 </p:notes>
 </file>
 
-<file path=ppt/notesSlides/notesSlide14.xml><?xml version="1.0" encoding="utf-8"?>
+<file path=ppt/notesSlides/notesSlide12.xml><?xml version="1.0" encoding="utf-8"?>
 <p:notes xmlns:a="http://schemas.openxmlformats.org/drawingml/2006/main" xmlns:r="http://schemas.openxmlformats.org/officeDocument/2006/relationships" xmlns:p="http://schemas.openxmlformats.org/presentationml/2006/main" showMasterSp="0" showMasterPhAnim="0">
   <p:cSld>
     <p:spTree>
@@ -2629,7 +2255,418 @@
 </p:notes>
 </file>
 
-<file path=ppt/notesSlides/notesSlide15.xml><?xml version="1.0" encoding="utf-8"?>
+<file path=ppt/notesSlides/notesSlide13.xml><?xml version="1.0" encoding="utf-8"?>
+<p:notes xmlns:a="http://schemas.openxmlformats.org/drawingml/2006/main" xmlns:r="http://schemas.openxmlformats.org/officeDocument/2006/relationships" xmlns:p="http://schemas.openxmlformats.org/presentationml/2006/main">
+  <p:cSld>
+    <p:spTree>
+      <p:nvGrpSpPr>
+        <p:cNvPr id="1" name=""/>
+        <p:cNvGrpSpPr/>
+        <p:nvPr/>
+      </p:nvGrpSpPr>
+      <p:grpSpPr>
+        <a:xfrm>
+          <a:off x="0" y="0"/>
+          <a:ext cx="0" cy="0"/>
+          <a:chOff x="0" y="0"/>
+          <a:chExt cx="0" cy="0"/>
+        </a:xfrm>
+      </p:grpSpPr>
+      <p:sp>
+        <p:nvSpPr>
+          <p:cNvPr id="2" name="Slide Image Placeholder 1"/>
+          <p:cNvSpPr>
+            <a:spLocks noGrp="1" noRot="1" noChangeAspect="1"/>
+          </p:cNvSpPr>
+          <p:nvPr>
+            <p:ph type="sldImg"/>
+          </p:nvPr>
+        </p:nvSpPr>
+        <p:spPr/>
+      </p:sp>
+      <p:sp>
+        <p:nvSpPr>
+          <p:cNvPr id="3" name="Notes Placeholder 2"/>
+          <p:cNvSpPr>
+            <a:spLocks noGrp="1"/>
+          </p:cNvSpPr>
+          <p:nvPr>
+            <p:ph type="body" idx="1"/>
+          </p:nvPr>
+        </p:nvSpPr>
+        <p:spPr/>
+        <p:txBody>
+          <a:bodyPr/>
+          <a:lstStyle/>
+          <a:p>
+            <a:r>
+              <a:rPr lang="en-US" dirty="0"/>
+              <a:t>This is the completion of the T test and Nova test for analyzing the sex and mean age at which they were diagnosed </a:t>
+            </a:r>
+          </a:p>
+          <a:p>
+            <a:endParaRPr lang="en-US" dirty="0"/>
+          </a:p>
+          <a:p>
+            <a:pPr marL="457200" marR="0" lvl="0" indent="-228600" algn="l" defTabSz="914400" rtl="0" eaLnBrk="1" fontAlgn="auto" latinLnBrk="0" hangingPunct="1">
+              <a:lnSpc>
+                <a:spcPct val="100000"/>
+              </a:lnSpc>
+              <a:spcBef>
+                <a:spcPts val="0"/>
+              </a:spcBef>
+              <a:spcAft>
+                <a:spcPts val="0"/>
+              </a:spcAft>
+              <a:buClr>
+                <a:srgbClr val="000000"/>
+              </a:buClr>
+              <a:buSzPts val="1400"/>
+              <a:buFont typeface="Arial"/>
+              <a:buNone/>
+              <a:tabLst/>
+              <a:defRPr/>
+            </a:pPr>
+            <a:r>
+              <a:rPr kumimoji="0" lang="en-US" altLang="en-US" sz="1200" b="1" i="0" u="none" strike="noStrike" cap="none" normalizeH="0" baseline="0" dirty="0">
+                <a:ln>
+                  <a:noFill/>
+                </a:ln>
+                <a:solidFill>
+                  <a:srgbClr val="1D1C1D"/>
+                </a:solidFill>
+                <a:effectLst/>
+                <a:latin typeface="Slack-Lato"/>
+              </a:rPr>
+              <a:t>P-value</a:t>
+            </a:r>
+            <a:br>
+              <a:rPr kumimoji="0" lang="en-US" altLang="en-US" sz="1200" b="0" i="0" u="none" strike="noStrike" cap="none" normalizeH="0" baseline="0" dirty="0">
+                <a:ln>
+                  <a:noFill/>
+                </a:ln>
+                <a:solidFill>
+                  <a:srgbClr val="1D1C1D"/>
+                </a:solidFill>
+                <a:effectLst/>
+                <a:latin typeface="Slack-Lato"/>
+              </a:rPr>
+            </a:br>
+            <a:r>
+              <a:rPr kumimoji="0" lang="en-US" altLang="en-US" sz="1200" b="1" i="0" u="none" strike="noStrike" cap="none" normalizeH="0" baseline="0" dirty="0">
+                <a:ln>
+                  <a:noFill/>
+                </a:ln>
+                <a:solidFill>
+                  <a:srgbClr val="1D1C1D"/>
+                </a:solidFill>
+                <a:effectLst/>
+                <a:latin typeface="Slack-Lato"/>
+              </a:rPr>
+              <a:t>Decision</a:t>
+            </a:r>
+            <a:br>
+              <a:rPr kumimoji="0" lang="en-US" altLang="en-US" sz="1200" b="0" i="0" u="none" strike="noStrike" cap="none" normalizeH="0" baseline="0" dirty="0">
+                <a:ln>
+                  <a:noFill/>
+                </a:ln>
+                <a:solidFill>
+                  <a:srgbClr val="1D1C1D"/>
+                </a:solidFill>
+                <a:effectLst/>
+                <a:latin typeface="Slack-Lato"/>
+              </a:rPr>
+            </a:br>
+            <a:r>
+              <a:rPr kumimoji="0" lang="en-US" altLang="en-US" sz="1200" b="0" i="0" u="none" strike="noStrike" cap="none" normalizeH="0" baseline="0" dirty="0">
+                <a:ln>
+                  <a:noFill/>
+                </a:ln>
+                <a:solidFill>
+                  <a:srgbClr val="1D1C1D"/>
+                </a:solidFill>
+                <a:effectLst/>
+                <a:latin typeface="Slack-Lato"/>
+              </a:rPr>
+              <a:t>P-value &gt; 0.05</a:t>
+            </a:r>
+            <a:br>
+              <a:rPr kumimoji="0" lang="en-US" altLang="en-US" sz="1200" b="0" i="0" u="none" strike="noStrike" cap="none" normalizeH="0" baseline="0" dirty="0">
+                <a:ln>
+                  <a:noFill/>
+                </a:ln>
+                <a:solidFill>
+                  <a:srgbClr val="1D1C1D"/>
+                </a:solidFill>
+                <a:effectLst/>
+                <a:latin typeface="Slack-Lato"/>
+              </a:rPr>
+            </a:br>
+            <a:r>
+              <a:rPr kumimoji="0" lang="en-US" altLang="en-US" sz="1200" b="0" i="0" u="none" strike="noStrike" cap="none" normalizeH="0" baseline="0" dirty="0">
+                <a:ln>
+                  <a:noFill/>
+                </a:ln>
+                <a:solidFill>
+                  <a:srgbClr val="1D1C1D"/>
+                </a:solidFill>
+                <a:effectLst/>
+                <a:latin typeface="Slack-Lato"/>
+              </a:rPr>
+              <a:t>The result is not statistically significant and hence don’t reject the null </a:t>
+            </a:r>
+            <a:r>
+              <a:rPr kumimoji="0" lang="en-US" altLang="en-US" sz="1200" b="0" i="0" u="none" strike="noStrike" cap="none" normalizeH="0" baseline="0" dirty="0" err="1">
+                <a:ln>
+                  <a:noFill/>
+                </a:ln>
+                <a:solidFill>
+                  <a:srgbClr val="1D1C1D"/>
+                </a:solidFill>
+                <a:effectLst/>
+                <a:latin typeface="Slack-Lato"/>
+              </a:rPr>
+              <a:t>hypothesis.P</a:t>
+            </a:r>
+            <a:r>
+              <a:rPr kumimoji="0" lang="en-US" altLang="en-US" sz="1200" b="0" i="0" u="none" strike="noStrike" cap="none" normalizeH="0" baseline="0" dirty="0">
+                <a:ln>
+                  <a:noFill/>
+                </a:ln>
+                <a:solidFill>
+                  <a:srgbClr val="1D1C1D"/>
+                </a:solidFill>
+                <a:effectLst/>
+                <a:latin typeface="Slack-Lato"/>
+              </a:rPr>
+              <a:t>-value &lt; 0.05</a:t>
+            </a:r>
+            <a:br>
+              <a:rPr kumimoji="0" lang="en-US" altLang="en-US" sz="1200" b="0" i="0" u="none" strike="noStrike" cap="none" normalizeH="0" baseline="0" dirty="0">
+                <a:ln>
+                  <a:noFill/>
+                </a:ln>
+                <a:solidFill>
+                  <a:srgbClr val="1D1C1D"/>
+                </a:solidFill>
+                <a:effectLst/>
+                <a:latin typeface="Slack-Lato"/>
+              </a:rPr>
+            </a:br>
+            <a:r>
+              <a:rPr kumimoji="0" lang="en-US" altLang="en-US" sz="1200" b="0" i="0" u="none" strike="noStrike" cap="none" normalizeH="0" baseline="0" dirty="0">
+                <a:ln>
+                  <a:noFill/>
+                </a:ln>
+                <a:solidFill>
+                  <a:srgbClr val="1D1C1D"/>
+                </a:solidFill>
+                <a:effectLst/>
+                <a:latin typeface="Slack-Lato"/>
+              </a:rPr>
+              <a:t>The result is statistically significant. Generally, reject the null hypothesis in </a:t>
+            </a:r>
+            <a:r>
+              <a:rPr kumimoji="0" lang="en-US" altLang="en-US" sz="1200" b="0" i="0" u="none" strike="noStrike" cap="none" normalizeH="0" baseline="0" dirty="0" err="1">
+                <a:ln>
+                  <a:noFill/>
+                </a:ln>
+                <a:solidFill>
+                  <a:srgbClr val="1D1C1D"/>
+                </a:solidFill>
+                <a:effectLst/>
+                <a:latin typeface="Slack-Lato"/>
+              </a:rPr>
+              <a:t>favour</a:t>
+            </a:r>
+            <a:r>
+              <a:rPr kumimoji="0" lang="en-US" altLang="en-US" sz="1200" b="0" i="0" u="none" strike="noStrike" cap="none" normalizeH="0" baseline="0" dirty="0">
+                <a:ln>
+                  <a:noFill/>
+                </a:ln>
+                <a:solidFill>
+                  <a:srgbClr val="1D1C1D"/>
+                </a:solidFill>
+                <a:effectLst/>
+                <a:latin typeface="Slack-Lato"/>
+              </a:rPr>
+              <a:t> of the alternative </a:t>
+            </a:r>
+            <a:r>
+              <a:rPr kumimoji="0" lang="en-US" altLang="en-US" sz="1200" b="0" i="0" u="none" strike="noStrike" cap="none" normalizeH="0" baseline="0" dirty="0" err="1">
+                <a:ln>
+                  <a:noFill/>
+                </a:ln>
+                <a:solidFill>
+                  <a:srgbClr val="1D1C1D"/>
+                </a:solidFill>
+                <a:effectLst/>
+                <a:latin typeface="Slack-Lato"/>
+              </a:rPr>
+              <a:t>hypothesis.P</a:t>
+            </a:r>
+            <a:r>
+              <a:rPr kumimoji="0" lang="en-US" altLang="en-US" sz="1200" b="0" i="0" u="none" strike="noStrike" cap="none" normalizeH="0" baseline="0" dirty="0">
+                <a:ln>
+                  <a:noFill/>
+                </a:ln>
+                <a:solidFill>
+                  <a:srgbClr val="1D1C1D"/>
+                </a:solidFill>
+                <a:effectLst/>
+                <a:latin typeface="Slack-Lato"/>
+              </a:rPr>
+              <a:t>-value &lt; 0.01</a:t>
+            </a:r>
+            <a:br>
+              <a:rPr kumimoji="0" lang="en-US" altLang="en-US" sz="1200" b="0" i="0" u="none" strike="noStrike" cap="none" normalizeH="0" baseline="0" dirty="0">
+                <a:ln>
+                  <a:noFill/>
+                </a:ln>
+                <a:solidFill>
+                  <a:srgbClr val="1D1C1D"/>
+                </a:solidFill>
+                <a:effectLst/>
+                <a:latin typeface="Slack-Lato"/>
+              </a:rPr>
+            </a:br>
+            <a:r>
+              <a:rPr kumimoji="0" lang="en-US" altLang="en-US" sz="1200" b="0" i="0" u="none" strike="noStrike" cap="none" normalizeH="0" baseline="0" dirty="0">
+                <a:ln>
+                  <a:noFill/>
+                </a:ln>
+                <a:solidFill>
+                  <a:srgbClr val="1D1C1D"/>
+                </a:solidFill>
+                <a:effectLst/>
+                <a:latin typeface="Slack-Lato"/>
+              </a:rPr>
+              <a:t>The result is highly statistically significant, and thus rejects the null hypothesis in </a:t>
+            </a:r>
+            <a:r>
+              <a:rPr kumimoji="0" lang="en-US" altLang="en-US" sz="1200" b="0" i="0" u="none" strike="noStrike" cap="none" normalizeH="0" baseline="0" dirty="0" err="1">
+                <a:ln>
+                  <a:noFill/>
+                </a:ln>
+                <a:solidFill>
+                  <a:srgbClr val="1D1C1D"/>
+                </a:solidFill>
+                <a:effectLst/>
+                <a:latin typeface="Slack-Lato"/>
+              </a:rPr>
+              <a:t>favour</a:t>
+            </a:r>
+            <a:r>
+              <a:rPr kumimoji="0" lang="en-US" altLang="en-US" sz="1200" b="0" i="0" u="none" strike="noStrike" cap="none" normalizeH="0" baseline="0" dirty="0">
+                <a:ln>
+                  <a:noFill/>
+                </a:ln>
+                <a:solidFill>
+                  <a:srgbClr val="1D1C1D"/>
+                </a:solidFill>
+                <a:effectLst/>
+                <a:latin typeface="Slack-Lato"/>
+              </a:rPr>
+              <a:t> of the alternative hypothesis.</a:t>
+            </a:r>
+            <a:br>
+              <a:rPr kumimoji="0" lang="en-US" altLang="en-US" sz="1200" b="0" i="0" u="none" strike="noStrike" cap="none" normalizeH="0" baseline="0" dirty="0">
+                <a:ln>
+                  <a:noFill/>
+                </a:ln>
+                <a:solidFill>
+                  <a:srgbClr val="1D1C1D"/>
+                </a:solidFill>
+                <a:effectLst/>
+                <a:latin typeface="Slack-Lato"/>
+              </a:rPr>
+            </a:br>
+            <a:endParaRPr kumimoji="0" lang="en-US" altLang="en-US" sz="1200" b="0" i="0" u="none" strike="noStrike" cap="none" normalizeH="0" baseline="0" dirty="0">
+              <a:ln>
+                <a:noFill/>
+              </a:ln>
+              <a:solidFill>
+                <a:srgbClr val="1D1C1D"/>
+              </a:solidFill>
+              <a:effectLst/>
+              <a:latin typeface="Monaco"/>
+            </a:endParaRPr>
+          </a:p>
+          <a:p>
+            <a:endParaRPr lang="en-US" dirty="0"/>
+          </a:p>
+        </p:txBody>
+      </p:sp>
+      <p:sp>
+        <p:nvSpPr>
+          <p:cNvPr id="4" name="Slide Number Placeholder 3"/>
+          <p:cNvSpPr>
+            <a:spLocks noGrp="1"/>
+          </p:cNvSpPr>
+          <p:nvPr>
+            <p:ph type="sldNum" idx="12"/>
+          </p:nvPr>
+        </p:nvSpPr>
+        <p:spPr/>
+        <p:txBody>
+          <a:bodyPr/>
+          <a:lstStyle/>
+          <a:p>
+            <a:pPr marL="0" marR="0" lvl="0" indent="0" algn="r" rtl="0">
+              <a:lnSpc>
+                <a:spcPct val="100000"/>
+              </a:lnSpc>
+              <a:spcBef>
+                <a:spcPts val="0"/>
+              </a:spcBef>
+              <a:spcAft>
+                <a:spcPts val="0"/>
+              </a:spcAft>
+              <a:buClr>
+                <a:srgbClr val="000000"/>
+              </a:buClr>
+              <a:buSzPts val="1200"/>
+              <a:buFont typeface="Arial"/>
+              <a:buNone/>
+            </a:pPr>
+            <a:fld id="{00000000-1234-1234-1234-123412341234}" type="slidenum">
+              <a:rPr lang="en-US" sz="1200" b="0" i="0" u="none" strike="noStrike" cap="none" smtClean="0">
+                <a:solidFill>
+                  <a:schemeClr val="dk1"/>
+                </a:solidFill>
+                <a:latin typeface="Calibri"/>
+                <a:ea typeface="Calibri"/>
+                <a:cs typeface="Calibri"/>
+                <a:sym typeface="Calibri"/>
+              </a:rPr>
+              <a:t>13</a:t>
+            </a:fld>
+            <a:endParaRPr lang="en-US" sz="1200" b="0" i="0" u="none" strike="noStrike" cap="none">
+              <a:solidFill>
+                <a:schemeClr val="dk1"/>
+              </a:solidFill>
+              <a:latin typeface="Calibri"/>
+              <a:ea typeface="Calibri"/>
+              <a:cs typeface="Calibri"/>
+              <a:sym typeface="Calibri"/>
+            </a:endParaRPr>
+          </a:p>
+        </p:txBody>
+      </p:sp>
+    </p:spTree>
+    <p:extLst>
+      <p:ext uri="{BB962C8B-B14F-4D97-AF65-F5344CB8AC3E}">
+        <p14:creationId xmlns:p14="http://schemas.microsoft.com/office/powerpoint/2010/main" val="2057729637"/>
+      </p:ext>
+    </p:extLst>
+  </p:cSld>
+  <p:clrMapOvr>
+    <a:masterClrMapping/>
+  </p:clrMapOvr>
+</p:notes>
+</file>
+
+<file path=ppt/notesSlides/notesSlide14.xml><?xml version="1.0" encoding="utf-8"?>
 <p:notes xmlns:a="http://schemas.openxmlformats.org/drawingml/2006/main" xmlns:r="http://schemas.openxmlformats.org/officeDocument/2006/relationships" xmlns:p="http://schemas.openxmlformats.org/presentationml/2006/main" showMasterSp="0" showMasterPhAnim="0">
   <p:cSld>
     <p:spTree>
@@ -2789,7 +2826,7 @@
 </p:notes>
 </file>
 
-<file path=ppt/notesSlides/notesSlide16.xml><?xml version="1.0" encoding="utf-8"?>
+<file path=ppt/notesSlides/notesSlide15.xml><?xml version="1.0" encoding="utf-8"?>
 <p:notes xmlns:a="http://schemas.openxmlformats.org/drawingml/2006/main" xmlns:r="http://schemas.openxmlformats.org/officeDocument/2006/relationships" xmlns:p="http://schemas.openxmlformats.org/presentationml/2006/main" showMasterSp="0" showMasterPhAnim="0">
   <p:cSld>
     <p:spTree>
@@ -3320,7 +3357,7 @@
               </a:spcAft>
               <a:buNone/>
             </a:pPr>
-            <a:endParaRPr/>
+            <a:endParaRPr dirty="0"/>
           </a:p>
         </p:txBody>
       </p:sp>
@@ -3438,10 +3475,10 @@
               <a:buNone/>
             </a:pPr>
             <a:r>
-              <a:rPr lang="en-US"/>
+              <a:rPr lang="en-US" dirty="0"/>
               <a:t>Null : There is no relationship between the sex of the patient and the age at which they are diagnosed with skin cancer</a:t>
             </a:r>
-            <a:endParaRPr>
+            <a:endParaRPr dirty="0">
               <a:latin typeface="Arial"/>
               <a:ea typeface="Arial"/>
               <a:cs typeface="Arial"/>
@@ -3463,10 +3500,10 @@
               <a:buNone/>
             </a:pPr>
             <a:r>
-              <a:rPr lang="en-US"/>
+              <a:rPr lang="en-US" dirty="0"/>
               <a:t>Alternate : There is a relationship between the sex of a patient and the age at which they are diagnosed with skin cancer.</a:t>
             </a:r>
-            <a:endParaRPr>
+            <a:endParaRPr dirty="0">
               <a:latin typeface="Arial"/>
               <a:ea typeface="Arial"/>
               <a:cs typeface="Arial"/>
@@ -3488,7 +3525,7 @@
               <a:buNone/>
             </a:pPr>
             <a:r>
-              <a:rPr lang="en-US">
+              <a:rPr lang="en-US" dirty="0">
                 <a:latin typeface="Arial"/>
                 <a:ea typeface="Arial"/>
                 <a:cs typeface="Arial"/>
@@ -3497,10 +3534,10 @@
               <a:t>-</a:t>
             </a:r>
             <a:r>
-              <a:rPr lang="en-US"/>
+              <a:rPr lang="en-US" dirty="0"/>
               <a:t>Females are more likely to be diagnosed with skin cancer at an earlier age than males.</a:t>
             </a:r>
-            <a:endParaRPr>
+            <a:endParaRPr dirty="0">
               <a:latin typeface="Arial"/>
               <a:ea typeface="Arial"/>
               <a:cs typeface="Arial"/>
@@ -3521,7 +3558,7 @@
               <a:buSzPts val="1400"/>
               <a:buNone/>
             </a:pPr>
-            <a:endParaRPr/>
+            <a:endParaRPr dirty="0"/>
           </a:p>
         </p:txBody>
       </p:sp>
@@ -3589,7 +3626,7 @@
   <p:cSld>
     <p:spTree>
       <p:nvGrpSpPr>
-        <p:cNvPr id="1" name="Shape 336"/>
+        <p:cNvPr id="1" name="Shape 364"/>
         <p:cNvGrpSpPr/>
         <p:nvPr/>
       </p:nvGrpSpPr>
@@ -3603,7 +3640,7 @@
       </p:grpSpPr>
       <p:sp>
         <p:nvSpPr>
-          <p:cNvPr id="337" name="Google Shape;337;g11b9ec167ea_0_10:notes"/>
+          <p:cNvPr id="365" name="Google Shape;365;g11b9ec167ea_0_440:notes"/>
           <p:cNvSpPr>
             <a:spLocks noGrp="1" noRot="1" noChangeAspect="1"/>
           </p:cNvSpPr>
@@ -3644,7 +3681,7 @@
       </p:sp>
       <p:sp>
         <p:nvSpPr>
-          <p:cNvPr id="338" name="Google Shape;338;g11b9ec167ea_0_10:notes"/>
+          <p:cNvPr id="366" name="Google Shape;366;g11b9ec167ea_0_440:notes"/>
           <p:cNvSpPr txBox="1">
             <a:spLocks noGrp="1"/>
           </p:cNvSpPr>
@@ -3667,7 +3704,10 @@
           </a:bodyPr>
           <a:lstStyle/>
           <a:p>
-            <a:pPr marL="0" lvl="0" indent="0" algn="l" rtl="0">
+            <a:pPr marL="457200" lvl="0" indent="0" algn="l" rtl="0">
+              <a:lnSpc>
+                <a:spcPct val="115000"/>
+              </a:lnSpc>
               <a:spcBef>
                 <a:spcPts val="0"/>
               </a:spcBef>
@@ -3676,13 +3716,59 @@
               </a:spcAft>
               <a:buNone/>
             </a:pPr>
-            <a:endParaRPr/>
+            <a:r>
+              <a:rPr lang="en-US" sz="1050" dirty="0">
+                <a:latin typeface="Arial"/>
+                <a:ea typeface="Arial"/>
+                <a:cs typeface="Arial"/>
+                <a:sym typeface="Arial"/>
+              </a:rPr>
+              <a:t>According to the data, Melanocytic nevi effect the majority of both men and women in all age groups except the over 80 age group. They are most affected by Benign keratosis.</a:t>
+            </a:r>
+            <a:endParaRPr sz="1050" dirty="0">
+              <a:latin typeface="Arial"/>
+              <a:ea typeface="Arial"/>
+              <a:cs typeface="Arial"/>
+              <a:sym typeface="Arial"/>
+            </a:endParaRPr>
+          </a:p>
+          <a:p>
+            <a:pPr marL="457200" lvl="0" indent="0" algn="l" rtl="0">
+              <a:lnSpc>
+                <a:spcPct val="115000"/>
+              </a:lnSpc>
+              <a:spcBef>
+                <a:spcPts val="700"/>
+              </a:spcBef>
+              <a:spcAft>
+                <a:spcPts val="0"/>
+              </a:spcAft>
+              <a:buNone/>
+            </a:pPr>
+            <a:endParaRPr sz="1050" dirty="0">
+              <a:latin typeface="Arial"/>
+              <a:ea typeface="Arial"/>
+              <a:cs typeface="Arial"/>
+              <a:sym typeface="Arial"/>
+            </a:endParaRPr>
+          </a:p>
+          <a:p>
+            <a:pPr marL="0" lvl="0" indent="0" algn="l" rtl="0">
+              <a:spcBef>
+                <a:spcPts val="700"/>
+              </a:spcBef>
+              <a:spcAft>
+                <a:spcPts val="0"/>
+              </a:spcAft>
+              <a:buNone/>
+            </a:pPr>
+            <a:endParaRPr dirty="0"/>
           </a:p>
         </p:txBody>
       </p:sp>
       <p:sp>
         <p:nvSpPr>
-          <p:cNvPr id="339" name="Google Shape;339;g11b9ec167ea_0_10:notes"/>
+          <p:cNvPr id="367" name="Google Shape;367;g11b9ec167ea_0_440:notes"/>
           <p:cNvSpPr txBox="1">
             <a:spLocks noGrp="1"/>
           </p:cNvSpPr>
@@ -3795,10 +3881,10 @@
               <a:buNone/>
             </a:pPr>
             <a:r>
-              <a:rPr lang="en-US"/>
-              <a:t>So let take a look at ages. within the data, included was a wide range of ages. When analysing the data we noticed that the under 40 categories were minute so we decided to group that data together to create cleaner, more readable data.  We can now identify that the under 40 age group accounts for the highest affected cases. while individuals in their 40 are less than a point difference. Alternatively, individuals over 80 is the smallest group affected,. Now lets break this down a bit further. </a:t>
+              <a:rPr lang="en-US" dirty="0"/>
+              <a:t>So let take a look at ages. within the data, included was a wide range of ages. When analyzing the data we noticed that the under 40 categories were minute so we decided to group that data together to create cleaner, more readable data.  We can now identify that the under 40 age group accounts for the highest affected cases. while individuals in their 40 are less than a point difference. Alternatively, individuals over 80 is the smallest group affected,. Now lets break this down a bit further. </a:t>
             </a:r>
-            <a:endParaRPr/>
+            <a:endParaRPr dirty="0"/>
           </a:p>
         </p:txBody>
       </p:sp>
@@ -3972,10 +4058,10 @@
               <a:buNone/>
             </a:pPr>
             <a:r>
-              <a:rPr lang="en-US"/>
+              <a:rPr lang="en-US" dirty="0"/>
               <a:t>The graph of Age vs. Sex shows a decrease in counts as age increases.</a:t>
             </a:r>
-            <a:endParaRPr/>
+            <a:endParaRPr dirty="0"/>
           </a:p>
           <a:p>
             <a:pPr marL="0" lvl="0" indent="0" algn="l" rtl="0">
@@ -3992,10 +4078,10 @@
               <a:buNone/>
             </a:pPr>
             <a:r>
-              <a:rPr lang="en-US"/>
+              <a:rPr lang="en-US" dirty="0"/>
               <a:t>Other than the younger groups of under forty and forties, females seem to have a higher count than males.</a:t>
             </a:r>
-            <a:endParaRPr/>
+            <a:endParaRPr dirty="0"/>
           </a:p>
           <a:p>
             <a:pPr marL="0" marR="0" lvl="0" indent="0" algn="l" rtl="0">
@@ -4015,7 +4101,7 @@
               <a:buFont typeface="Calibri"/>
               <a:buNone/>
             </a:pPr>
-            <a:endParaRPr/>
+            <a:endParaRPr dirty="0"/>
           </a:p>
         </p:txBody>
       </p:sp>
@@ -4082,7 +4168,7 @@
   <p:cSld>
     <p:spTree>
       <p:nvGrpSpPr>
-        <p:cNvPr id="1" name="Shape 357"/>
+        <p:cNvPr id="1" name="Shape 370"/>
         <p:cNvGrpSpPr/>
         <p:nvPr/>
       </p:nvGrpSpPr>
@@ -4096,7 +4182,7 @@
       </p:grpSpPr>
       <p:sp>
         <p:nvSpPr>
-          <p:cNvPr id="358" name="Google Shape;358;p9:notes"/>
+          <p:cNvPr id="371" name="Google Shape;371;p6:notes"/>
           <p:cNvSpPr>
             <a:spLocks noGrp="1" noRot="1" noChangeAspect="1"/>
           </p:cNvSpPr>
@@ -4147,7 +4233,7 @@
       </p:sp>
       <p:sp>
         <p:nvSpPr>
-          <p:cNvPr id="359" name="Google Shape;359;p9:notes"/>
+          <p:cNvPr id="372" name="Google Shape;372;p6:notes"/>
           <p:cNvSpPr txBox="1">
             <a:spLocks noGrp="1"/>
           </p:cNvSpPr>
@@ -4174,7 +4260,7 @@
           </a:bodyPr>
           <a:lstStyle/>
           <a:p>
-            <a:pPr marL="0" marR="0" lvl="0" indent="0" algn="l" rtl="0">
+            <a:pPr marL="0" lvl="0" indent="0" algn="l" rtl="0">
               <a:lnSpc>
                 <a:spcPct val="100000"/>
               </a:lnSpc>
@@ -4184,24 +4270,28 @@
               <a:spcAft>
                 <a:spcPts val="0"/>
               </a:spcAft>
-              <a:buClr>
-                <a:schemeClr val="dk1"/>
-              </a:buClr>
-              <a:buSzPts val="1200"/>
-              <a:buFont typeface="Calibri"/>
+              <a:buSzPts val="1400"/>
               <a:buNone/>
             </a:pPr>
             <a:r>
-              <a:rPr lang="en-US"/>
-              <a:t>One of the susuquestial questions that arose when analysing the data was the link between diagnosis type and the sex of the patients. While in the previous chart we saw that more females were diagnosed than males, this chart is a stark difference. When analysing the types of skin cancer the data shows that males are more likely to </a:t>
+              <a:rPr lang="en-US" dirty="0"/>
+              <a:t>skin cancer encompasses the entire body, however when going through the data we determined that the top five most affected areas of the body the back at more that 2000 cases,  the lower extremities right at 2000, the trunk on a decline to roughly 1400 cases, the upper extremities around 1350 and the abdomen around 1200. After analyzing the data we notice a steep decline in areas of the body that received less </a:t>
             </a:r>
-            <a:endParaRPr/>
+            <a:r>
+              <a:rPr lang="en-US" dirty="0" err="1"/>
+              <a:t>uv</a:t>
+            </a:r>
+            <a:r>
+              <a:rPr lang="en-US" dirty="0"/>
+              <a:t> rays. </a:t>
+            </a:r>
+            <a:endParaRPr dirty="0"/>
           </a:p>
         </p:txBody>
       </p:sp>
       <p:sp>
         <p:nvSpPr>
-          <p:cNvPr id="360" name="Google Shape;360;p9:notes"/>
+          <p:cNvPr id="373" name="Google Shape;373;p6:notes"/>
           <p:cNvSpPr txBox="1">
             <a:spLocks noGrp="1"/>
           </p:cNvSpPr>
@@ -16482,1984 +16572,6 @@
 <file path=ppt/slides/slide10.xml><?xml version="1.0" encoding="utf-8"?>
 <p:sld xmlns:a="http://schemas.openxmlformats.org/drawingml/2006/main" xmlns:r="http://schemas.openxmlformats.org/officeDocument/2006/relationships" xmlns:p="http://schemas.openxmlformats.org/presentationml/2006/main">
   <p:cSld>
-    <p:spTree>
-      <p:nvGrpSpPr>
-        <p:cNvPr id="1" name="Shape 368"/>
-        <p:cNvGrpSpPr/>
-        <p:nvPr/>
-      </p:nvGrpSpPr>
-      <p:grpSpPr>
-        <a:xfrm>
-          <a:off x="0" y="0"/>
-          <a:ext cx="0" cy="0"/>
-          <a:chOff x="0" y="0"/>
-          <a:chExt cx="0" cy="0"/>
-        </a:xfrm>
-      </p:grpSpPr>
-      <p:pic>
-        <p:nvPicPr>
-          <p:cNvPr id="369" name="Google Shape;369;g11b9ec167ea_0_440"/>
-          <p:cNvPicPr preferRelativeResize="0"/>
-          <p:nvPr/>
-        </p:nvPicPr>
-        <p:blipFill>
-          <a:blip r:embed="rId3">
-            <a:alphaModFix/>
-          </a:blip>
-          <a:stretch>
-            <a:fillRect/>
-          </a:stretch>
-        </p:blipFill>
-        <p:spPr>
-          <a:xfrm>
-            <a:off x="2435225" y="652125"/>
-            <a:ext cx="18288001" cy="12411749"/>
-          </a:xfrm>
-          <a:prstGeom prst="rect">
-            <a:avLst/>
-          </a:prstGeom>
-          <a:noFill/>
-          <a:ln>
-            <a:noFill/>
-          </a:ln>
-        </p:spPr>
-      </p:pic>
-    </p:spTree>
-  </p:cSld>
-  <p:clrMapOvr>
-    <a:masterClrMapping/>
-  </p:clrMapOvr>
-</p:sld>
-</file>
-
-<file path=ppt/slides/slide11.xml><?xml version="1.0" encoding="utf-8"?>
-<p:sld xmlns:a="http://schemas.openxmlformats.org/drawingml/2006/main" xmlns:r="http://schemas.openxmlformats.org/officeDocument/2006/relationships" xmlns:p="http://schemas.openxmlformats.org/presentationml/2006/main">
-  <p:cSld>
-    <p:spTree>
-      <p:nvGrpSpPr>
-        <p:cNvPr id="1" name="Shape 374"/>
-        <p:cNvGrpSpPr/>
-        <p:nvPr/>
-      </p:nvGrpSpPr>
-      <p:grpSpPr>
-        <a:xfrm>
-          <a:off x="0" y="0"/>
-          <a:ext cx="0" cy="0"/>
-          <a:chOff x="0" y="0"/>
-          <a:chExt cx="0" cy="0"/>
-        </a:xfrm>
-      </p:grpSpPr>
-      <p:grpSp>
-        <p:nvGrpSpPr>
-          <p:cNvPr id="375" name="Google Shape;375;p6"/>
-          <p:cNvGrpSpPr/>
-          <p:nvPr/>
-        </p:nvGrpSpPr>
-        <p:grpSpPr>
-          <a:xfrm>
-            <a:off x="14204190" y="1688356"/>
-            <a:ext cx="7846639" cy="10339287"/>
-            <a:chOff x="5441332" y="989296"/>
-            <a:chExt cx="4055686" cy="5344059"/>
-          </a:xfrm>
-        </p:grpSpPr>
-        <p:sp>
-          <p:nvSpPr>
-            <p:cNvPr id="376" name="Google Shape;376;p6"/>
-            <p:cNvSpPr/>
-            <p:nvPr/>
-          </p:nvSpPr>
-          <p:spPr>
-            <a:xfrm>
-              <a:off x="5441332" y="989296"/>
-              <a:ext cx="1784911" cy="5344059"/>
-            </a:xfrm>
-            <a:custGeom>
-              <a:avLst/>
-              <a:gdLst/>
-              <a:ahLst/>
-              <a:cxnLst/>
-              <a:rect l="l" t="t" r="r" b="b"/>
-              <a:pathLst>
-                <a:path w="282" h="845" extrusionOk="0">
-                  <a:moveTo>
-                    <a:pt x="282" y="441"/>
-                  </a:moveTo>
-                  <a:cubicBezTo>
-                    <a:pt x="282" y="445"/>
-                    <a:pt x="278" y="455"/>
-                    <a:pt x="277" y="461"/>
-                  </a:cubicBezTo>
-                  <a:cubicBezTo>
-                    <a:pt x="276" y="467"/>
-                    <a:pt x="274" y="472"/>
-                    <a:pt x="273" y="473"/>
-                  </a:cubicBezTo>
-                  <a:cubicBezTo>
-                    <a:pt x="272" y="475"/>
-                    <a:pt x="259" y="488"/>
-                    <a:pt x="256" y="493"/>
-                  </a:cubicBezTo>
-                  <a:cubicBezTo>
-                    <a:pt x="252" y="497"/>
-                    <a:pt x="252" y="492"/>
-                    <a:pt x="252" y="489"/>
-                  </a:cubicBezTo>
-                  <a:cubicBezTo>
-                    <a:pt x="252" y="486"/>
-                    <a:pt x="260" y="473"/>
-                    <a:pt x="260" y="472"/>
-                  </a:cubicBezTo>
-                  <a:cubicBezTo>
-                    <a:pt x="261" y="470"/>
-                    <a:pt x="262" y="463"/>
-                    <a:pt x="261" y="460"/>
-                  </a:cubicBezTo>
-                  <a:cubicBezTo>
-                    <a:pt x="261" y="458"/>
-                    <a:pt x="259" y="452"/>
-                    <a:pt x="259" y="452"/>
-                  </a:cubicBezTo>
-                  <a:cubicBezTo>
-                    <a:pt x="259" y="452"/>
-                    <a:pt x="254" y="462"/>
-                    <a:pt x="254" y="464"/>
-                  </a:cubicBezTo>
-                  <a:cubicBezTo>
-                    <a:pt x="254" y="465"/>
-                    <a:pt x="253" y="477"/>
-                    <a:pt x="250" y="479"/>
-                  </a:cubicBezTo>
-                  <a:cubicBezTo>
-                    <a:pt x="246" y="482"/>
-                    <a:pt x="246" y="479"/>
-                    <a:pt x="246" y="475"/>
-                  </a:cubicBezTo>
-                  <a:cubicBezTo>
-                    <a:pt x="246" y="470"/>
-                    <a:pt x="245" y="463"/>
-                    <a:pt x="246" y="460"/>
-                  </a:cubicBezTo>
-                  <a:cubicBezTo>
-                    <a:pt x="247" y="458"/>
-                    <a:pt x="248" y="445"/>
-                    <a:pt x="248" y="442"/>
-                  </a:cubicBezTo>
-                  <a:cubicBezTo>
-                    <a:pt x="248" y="438"/>
-                    <a:pt x="257" y="416"/>
-                    <a:pt x="257" y="414"/>
-                  </a:cubicBezTo>
-                  <a:cubicBezTo>
-                    <a:pt x="257" y="412"/>
-                    <a:pt x="249" y="375"/>
-                    <a:pt x="241" y="358"/>
-                  </a:cubicBezTo>
-                  <a:cubicBezTo>
-                    <a:pt x="234" y="342"/>
-                    <a:pt x="231" y="327"/>
-                    <a:pt x="231" y="314"/>
-                  </a:cubicBezTo>
-                  <a:cubicBezTo>
-                    <a:pt x="231" y="300"/>
-                    <a:pt x="231" y="295"/>
-                    <a:pt x="230" y="294"/>
-                  </a:cubicBezTo>
-                  <a:cubicBezTo>
-                    <a:pt x="230" y="292"/>
-                    <a:pt x="224" y="273"/>
-                    <a:pt x="221" y="264"/>
-                  </a:cubicBezTo>
-                  <a:cubicBezTo>
-                    <a:pt x="219" y="255"/>
-                    <a:pt x="215" y="239"/>
-                    <a:pt x="215" y="239"/>
-                  </a:cubicBezTo>
-                  <a:cubicBezTo>
-                    <a:pt x="215" y="239"/>
-                    <a:pt x="206" y="273"/>
-                    <a:pt x="204" y="282"/>
-                  </a:cubicBezTo>
-                  <a:cubicBezTo>
-                    <a:pt x="201" y="290"/>
-                    <a:pt x="200" y="305"/>
-                    <a:pt x="200" y="313"/>
-                  </a:cubicBezTo>
-                  <a:cubicBezTo>
-                    <a:pt x="200" y="321"/>
-                    <a:pt x="200" y="345"/>
-                    <a:pt x="201" y="350"/>
-                  </a:cubicBezTo>
-                  <a:cubicBezTo>
-                    <a:pt x="201" y="355"/>
-                    <a:pt x="206" y="373"/>
-                    <a:pt x="207" y="378"/>
-                  </a:cubicBezTo>
-                  <a:cubicBezTo>
-                    <a:pt x="209" y="383"/>
-                    <a:pt x="216" y="421"/>
-                    <a:pt x="217" y="435"/>
-                  </a:cubicBezTo>
-                  <a:cubicBezTo>
-                    <a:pt x="218" y="449"/>
-                    <a:pt x="222" y="484"/>
-                    <a:pt x="216" y="523"/>
-                  </a:cubicBezTo>
-                  <a:cubicBezTo>
-                    <a:pt x="209" y="563"/>
-                    <a:pt x="208" y="578"/>
-                    <a:pt x="207" y="585"/>
-                  </a:cubicBezTo>
-                  <a:cubicBezTo>
-                    <a:pt x="205" y="593"/>
-                    <a:pt x="207" y="612"/>
-                    <a:pt x="206" y="618"/>
-                  </a:cubicBezTo>
-                  <a:cubicBezTo>
-                    <a:pt x="206" y="625"/>
-                    <a:pt x="207" y="642"/>
-                    <a:pt x="211" y="661"/>
-                  </a:cubicBezTo>
-                  <a:cubicBezTo>
-                    <a:pt x="214" y="680"/>
-                    <a:pt x="210" y="707"/>
-                    <a:pt x="206" y="728"/>
-                  </a:cubicBezTo>
-                  <a:cubicBezTo>
-                    <a:pt x="202" y="750"/>
-                    <a:pt x="196" y="776"/>
-                    <a:pt x="196" y="782"/>
-                  </a:cubicBezTo>
-                  <a:cubicBezTo>
-                    <a:pt x="196" y="788"/>
-                    <a:pt x="198" y="797"/>
-                    <a:pt x="197" y="801"/>
-                  </a:cubicBezTo>
-                  <a:cubicBezTo>
-                    <a:pt x="197" y="804"/>
-                    <a:pt x="197" y="810"/>
-                    <a:pt x="199" y="817"/>
-                  </a:cubicBezTo>
-                  <a:cubicBezTo>
-                    <a:pt x="201" y="823"/>
-                    <a:pt x="208" y="832"/>
-                    <a:pt x="208" y="833"/>
-                  </a:cubicBezTo>
-                  <a:cubicBezTo>
-                    <a:pt x="208" y="835"/>
-                    <a:pt x="206" y="838"/>
-                    <a:pt x="206" y="838"/>
-                  </a:cubicBezTo>
-                  <a:cubicBezTo>
-                    <a:pt x="206" y="838"/>
-                    <a:pt x="205" y="840"/>
-                    <a:pt x="199" y="842"/>
-                  </a:cubicBezTo>
-                  <a:cubicBezTo>
-                    <a:pt x="193" y="844"/>
-                    <a:pt x="177" y="845"/>
-                    <a:pt x="174" y="845"/>
-                  </a:cubicBezTo>
-                  <a:cubicBezTo>
-                    <a:pt x="171" y="845"/>
-                    <a:pt x="167" y="843"/>
-                    <a:pt x="167" y="843"/>
-                  </a:cubicBezTo>
-                  <a:cubicBezTo>
-                    <a:pt x="167" y="843"/>
-                    <a:pt x="161" y="843"/>
-                    <a:pt x="159" y="841"/>
-                  </a:cubicBezTo>
-                  <a:cubicBezTo>
-                    <a:pt x="157" y="839"/>
-                    <a:pt x="157" y="832"/>
-                    <a:pt x="159" y="828"/>
-                  </a:cubicBezTo>
-                  <a:cubicBezTo>
-                    <a:pt x="161" y="825"/>
-                    <a:pt x="159" y="822"/>
-                    <a:pt x="160" y="817"/>
-                  </a:cubicBezTo>
-                  <a:cubicBezTo>
-                    <a:pt x="161" y="812"/>
-                    <a:pt x="164" y="797"/>
-                    <a:pt x="164" y="794"/>
-                  </a:cubicBezTo>
-                  <a:cubicBezTo>
-                    <a:pt x="164" y="791"/>
-                    <a:pt x="163" y="784"/>
-                    <a:pt x="165" y="780"/>
-                  </a:cubicBezTo>
-                  <a:cubicBezTo>
-                    <a:pt x="166" y="777"/>
-                    <a:pt x="167" y="744"/>
-                    <a:pt x="162" y="717"/>
-                  </a:cubicBezTo>
-                  <a:cubicBezTo>
-                    <a:pt x="157" y="689"/>
-                    <a:pt x="154" y="673"/>
-                    <a:pt x="157" y="660"/>
-                  </a:cubicBezTo>
-                  <a:cubicBezTo>
-                    <a:pt x="159" y="646"/>
-                    <a:pt x="161" y="627"/>
-                    <a:pt x="161" y="623"/>
-                  </a:cubicBezTo>
-                  <a:cubicBezTo>
-                    <a:pt x="161" y="619"/>
-                    <a:pt x="158" y="603"/>
-                    <a:pt x="159" y="595"/>
-                  </a:cubicBezTo>
-                  <a:cubicBezTo>
-                    <a:pt x="159" y="586"/>
-                    <a:pt x="159" y="585"/>
-                    <a:pt x="159" y="581"/>
-                  </a:cubicBezTo>
-                  <a:cubicBezTo>
-                    <a:pt x="159" y="577"/>
-                    <a:pt x="151" y="539"/>
-                    <a:pt x="149" y="523"/>
-                  </a:cubicBezTo>
-                  <a:cubicBezTo>
-                    <a:pt x="146" y="507"/>
-                    <a:pt x="141" y="457"/>
-                    <a:pt x="141" y="457"/>
-                  </a:cubicBezTo>
-                  <a:cubicBezTo>
-                    <a:pt x="141" y="457"/>
-                    <a:pt x="137" y="507"/>
-                    <a:pt x="134" y="523"/>
-                  </a:cubicBezTo>
-                  <a:cubicBezTo>
-                    <a:pt x="131" y="539"/>
-                    <a:pt x="124" y="577"/>
-                    <a:pt x="124" y="581"/>
-                  </a:cubicBezTo>
-                  <a:cubicBezTo>
-                    <a:pt x="124" y="585"/>
-                    <a:pt x="124" y="586"/>
-                    <a:pt x="124" y="595"/>
-                  </a:cubicBezTo>
-                  <a:cubicBezTo>
-                    <a:pt x="124" y="603"/>
-                    <a:pt x="122" y="619"/>
-                    <a:pt x="121" y="623"/>
-                  </a:cubicBezTo>
-                  <a:cubicBezTo>
-                    <a:pt x="121" y="627"/>
-                    <a:pt x="124" y="646"/>
-                    <a:pt x="126" y="660"/>
-                  </a:cubicBezTo>
-                  <a:cubicBezTo>
-                    <a:pt x="128" y="673"/>
-                    <a:pt x="126" y="689"/>
-                    <a:pt x="120" y="717"/>
-                  </a:cubicBezTo>
-                  <a:cubicBezTo>
-                    <a:pt x="115" y="744"/>
-                    <a:pt x="116" y="777"/>
-                    <a:pt x="118" y="780"/>
-                  </a:cubicBezTo>
-                  <a:cubicBezTo>
-                    <a:pt x="119" y="784"/>
-                    <a:pt x="119" y="791"/>
-                    <a:pt x="119" y="794"/>
-                  </a:cubicBezTo>
-                  <a:cubicBezTo>
-                    <a:pt x="119" y="797"/>
-                    <a:pt x="121" y="812"/>
-                    <a:pt x="122" y="817"/>
-                  </a:cubicBezTo>
-                  <a:cubicBezTo>
-                    <a:pt x="123" y="822"/>
-                    <a:pt x="122" y="825"/>
-                    <a:pt x="124" y="828"/>
-                  </a:cubicBezTo>
-                  <a:cubicBezTo>
-                    <a:pt x="125" y="832"/>
-                    <a:pt x="125" y="839"/>
-                    <a:pt x="123" y="841"/>
-                  </a:cubicBezTo>
-                  <a:cubicBezTo>
-                    <a:pt x="122" y="843"/>
-                    <a:pt x="115" y="843"/>
-                    <a:pt x="115" y="843"/>
-                  </a:cubicBezTo>
-                  <a:cubicBezTo>
-                    <a:pt x="115" y="843"/>
-                    <a:pt x="111" y="845"/>
-                    <a:pt x="108" y="845"/>
-                  </a:cubicBezTo>
-                  <a:cubicBezTo>
-                    <a:pt x="105" y="845"/>
-                    <a:pt x="90" y="844"/>
-                    <a:pt x="84" y="842"/>
-                  </a:cubicBezTo>
-                  <a:cubicBezTo>
-                    <a:pt x="77" y="840"/>
-                    <a:pt x="77" y="838"/>
-                    <a:pt x="77" y="838"/>
-                  </a:cubicBezTo>
-                  <a:cubicBezTo>
-                    <a:pt x="77" y="838"/>
-                    <a:pt x="74" y="835"/>
-                    <a:pt x="74" y="833"/>
-                  </a:cubicBezTo>
-                  <a:cubicBezTo>
-                    <a:pt x="74" y="832"/>
-                    <a:pt x="82" y="823"/>
-                    <a:pt x="84" y="817"/>
-                  </a:cubicBezTo>
-                  <a:cubicBezTo>
-                    <a:pt x="86" y="810"/>
-                    <a:pt x="86" y="804"/>
-                    <a:pt x="85" y="801"/>
-                  </a:cubicBezTo>
-                  <a:cubicBezTo>
-                    <a:pt x="85" y="797"/>
-                    <a:pt x="87" y="788"/>
-                    <a:pt x="87" y="782"/>
-                  </a:cubicBezTo>
-                  <a:cubicBezTo>
-                    <a:pt x="87" y="776"/>
-                    <a:pt x="81" y="750"/>
-                    <a:pt x="77" y="728"/>
-                  </a:cubicBezTo>
-                  <a:cubicBezTo>
-                    <a:pt x="72" y="707"/>
-                    <a:pt x="69" y="680"/>
-                    <a:pt x="72" y="661"/>
-                  </a:cubicBezTo>
-                  <a:cubicBezTo>
-                    <a:pt x="75" y="642"/>
-                    <a:pt x="77" y="625"/>
-                    <a:pt x="76" y="618"/>
-                  </a:cubicBezTo>
-                  <a:cubicBezTo>
-                    <a:pt x="76" y="612"/>
-                    <a:pt x="77" y="593"/>
-                    <a:pt x="76" y="585"/>
-                  </a:cubicBezTo>
-                  <a:cubicBezTo>
-                    <a:pt x="75" y="578"/>
-                    <a:pt x="73" y="563"/>
-                    <a:pt x="67" y="523"/>
-                  </a:cubicBezTo>
-                  <a:cubicBezTo>
-                    <a:pt x="60" y="484"/>
-                    <a:pt x="65" y="449"/>
-                    <a:pt x="66" y="435"/>
-                  </a:cubicBezTo>
-                  <a:cubicBezTo>
-                    <a:pt x="67" y="421"/>
-                    <a:pt x="74" y="383"/>
-                    <a:pt x="75" y="378"/>
-                  </a:cubicBezTo>
-                  <a:cubicBezTo>
-                    <a:pt x="77" y="373"/>
-                    <a:pt x="82" y="355"/>
-                    <a:pt x="82" y="350"/>
-                  </a:cubicBezTo>
-                  <a:cubicBezTo>
-                    <a:pt x="82" y="345"/>
-                    <a:pt x="82" y="321"/>
-                    <a:pt x="82" y="313"/>
-                  </a:cubicBezTo>
-                  <a:cubicBezTo>
-                    <a:pt x="82" y="305"/>
-                    <a:pt x="81" y="290"/>
-                    <a:pt x="79" y="282"/>
-                  </a:cubicBezTo>
-                  <a:cubicBezTo>
-                    <a:pt x="76" y="273"/>
-                    <a:pt x="68" y="239"/>
-                    <a:pt x="68" y="239"/>
-                  </a:cubicBezTo>
-                  <a:cubicBezTo>
-                    <a:pt x="68" y="239"/>
-                    <a:pt x="64" y="255"/>
-                    <a:pt x="61" y="264"/>
-                  </a:cubicBezTo>
-                  <a:cubicBezTo>
-                    <a:pt x="59" y="273"/>
-                    <a:pt x="53" y="292"/>
-                    <a:pt x="52" y="294"/>
-                  </a:cubicBezTo>
-                  <a:cubicBezTo>
-                    <a:pt x="52" y="295"/>
-                    <a:pt x="51" y="300"/>
-                    <a:pt x="51" y="314"/>
-                  </a:cubicBezTo>
-                  <a:cubicBezTo>
-                    <a:pt x="51" y="327"/>
-                    <a:pt x="49" y="342"/>
-                    <a:pt x="41" y="358"/>
-                  </a:cubicBezTo>
-                  <a:cubicBezTo>
-                    <a:pt x="34" y="375"/>
-                    <a:pt x="25" y="412"/>
-                    <a:pt x="25" y="414"/>
-                  </a:cubicBezTo>
-                  <a:cubicBezTo>
-                    <a:pt x="25" y="416"/>
-                    <a:pt x="34" y="438"/>
-                    <a:pt x="34" y="442"/>
-                  </a:cubicBezTo>
-                  <a:cubicBezTo>
-                    <a:pt x="35" y="445"/>
-                    <a:pt x="35" y="458"/>
-                    <a:pt x="36" y="460"/>
-                  </a:cubicBezTo>
-                  <a:cubicBezTo>
-                    <a:pt x="37" y="463"/>
-                    <a:pt x="37" y="470"/>
-                    <a:pt x="37" y="475"/>
-                  </a:cubicBezTo>
-                  <a:cubicBezTo>
-                    <a:pt x="36" y="479"/>
-                    <a:pt x="36" y="482"/>
-                    <a:pt x="33" y="479"/>
-                  </a:cubicBezTo>
-                  <a:cubicBezTo>
-                    <a:pt x="30" y="477"/>
-                    <a:pt x="29" y="465"/>
-                    <a:pt x="29" y="464"/>
-                  </a:cubicBezTo>
-                  <a:cubicBezTo>
-                    <a:pt x="29" y="462"/>
-                    <a:pt x="24" y="452"/>
-                    <a:pt x="24" y="452"/>
-                  </a:cubicBezTo>
-                  <a:cubicBezTo>
-                    <a:pt x="24" y="452"/>
-                    <a:pt x="22" y="458"/>
-                    <a:pt x="21" y="460"/>
-                  </a:cubicBezTo>
-                  <a:cubicBezTo>
-                    <a:pt x="21" y="463"/>
-                    <a:pt x="22" y="470"/>
-                    <a:pt x="22" y="472"/>
-                  </a:cubicBezTo>
-                  <a:cubicBezTo>
-                    <a:pt x="23" y="473"/>
-                    <a:pt x="31" y="486"/>
-                    <a:pt x="31" y="489"/>
-                  </a:cubicBezTo>
-                  <a:cubicBezTo>
-                    <a:pt x="31" y="492"/>
-                    <a:pt x="30" y="497"/>
-                    <a:pt x="27" y="493"/>
-                  </a:cubicBezTo>
-                  <a:cubicBezTo>
-                    <a:pt x="23" y="488"/>
-                    <a:pt x="11" y="475"/>
-                    <a:pt x="10" y="473"/>
-                  </a:cubicBezTo>
-                  <a:cubicBezTo>
-                    <a:pt x="9" y="472"/>
-                    <a:pt x="6" y="467"/>
-                    <a:pt x="5" y="461"/>
-                  </a:cubicBezTo>
-                  <a:cubicBezTo>
-                    <a:pt x="4" y="455"/>
-                    <a:pt x="0" y="445"/>
-                    <a:pt x="0" y="441"/>
-                  </a:cubicBezTo>
-                  <a:cubicBezTo>
-                    <a:pt x="1" y="437"/>
-                    <a:pt x="2" y="416"/>
-                    <a:pt x="2" y="414"/>
-                  </a:cubicBezTo>
-                  <a:cubicBezTo>
-                    <a:pt x="2" y="411"/>
-                    <a:pt x="2" y="406"/>
-                    <a:pt x="4" y="398"/>
-                  </a:cubicBezTo>
-                  <a:cubicBezTo>
-                    <a:pt x="5" y="390"/>
-                    <a:pt x="8" y="333"/>
-                    <a:pt x="9" y="319"/>
-                  </a:cubicBezTo>
-                  <a:cubicBezTo>
-                    <a:pt x="10" y="306"/>
-                    <a:pt x="15" y="298"/>
-                    <a:pt x="18" y="290"/>
-                  </a:cubicBezTo>
-                  <a:cubicBezTo>
-                    <a:pt x="21" y="282"/>
-                    <a:pt x="24" y="277"/>
-                    <a:pt x="24" y="264"/>
-                  </a:cubicBezTo>
-                  <a:cubicBezTo>
-                    <a:pt x="25" y="250"/>
-                    <a:pt x="28" y="224"/>
-                    <a:pt x="29" y="220"/>
-                  </a:cubicBezTo>
-                  <a:cubicBezTo>
-                    <a:pt x="30" y="215"/>
-                    <a:pt x="30" y="210"/>
-                    <a:pt x="31" y="193"/>
-                  </a:cubicBezTo>
-                  <a:cubicBezTo>
-                    <a:pt x="32" y="175"/>
-                    <a:pt x="42" y="160"/>
-                    <a:pt x="49" y="154"/>
-                  </a:cubicBezTo>
-                  <a:cubicBezTo>
-                    <a:pt x="56" y="147"/>
-                    <a:pt x="69" y="146"/>
-                    <a:pt x="69" y="146"/>
-                  </a:cubicBezTo>
-                  <a:cubicBezTo>
-                    <a:pt x="69" y="146"/>
-                    <a:pt x="108" y="126"/>
-                    <a:pt x="109" y="125"/>
-                  </a:cubicBezTo>
-                  <a:cubicBezTo>
-                    <a:pt x="110" y="124"/>
-                    <a:pt x="113" y="117"/>
-                    <a:pt x="114" y="112"/>
-                  </a:cubicBezTo>
-                  <a:cubicBezTo>
-                    <a:pt x="115" y="107"/>
-                    <a:pt x="115" y="93"/>
-                    <a:pt x="115" y="93"/>
-                  </a:cubicBezTo>
-                  <a:cubicBezTo>
-                    <a:pt x="115" y="93"/>
-                    <a:pt x="112" y="89"/>
-                    <a:pt x="112" y="85"/>
-                  </a:cubicBezTo>
-                  <a:cubicBezTo>
-                    <a:pt x="111" y="81"/>
-                    <a:pt x="110" y="74"/>
-                    <a:pt x="110" y="74"/>
-                  </a:cubicBezTo>
-                  <a:cubicBezTo>
-                    <a:pt x="110" y="74"/>
-                    <a:pt x="108" y="74"/>
-                    <a:pt x="106" y="72"/>
-                  </a:cubicBezTo>
-                  <a:cubicBezTo>
-                    <a:pt x="105" y="71"/>
-                    <a:pt x="104" y="67"/>
-                    <a:pt x="104" y="64"/>
-                  </a:cubicBezTo>
-                  <a:cubicBezTo>
-                    <a:pt x="104" y="61"/>
-                    <a:pt x="103" y="56"/>
-                    <a:pt x="102" y="52"/>
-                  </a:cubicBezTo>
-                  <a:cubicBezTo>
-                    <a:pt x="102" y="48"/>
-                    <a:pt x="106" y="49"/>
-                    <a:pt x="106" y="49"/>
-                  </a:cubicBezTo>
-                  <a:cubicBezTo>
-                    <a:pt x="106" y="49"/>
-                    <a:pt x="103" y="33"/>
-                    <a:pt x="103" y="27"/>
-                  </a:cubicBezTo>
-                  <a:cubicBezTo>
-                    <a:pt x="104" y="21"/>
-                    <a:pt x="112" y="8"/>
-                    <a:pt x="124" y="4"/>
-                  </a:cubicBezTo>
-                  <a:cubicBezTo>
-                    <a:pt x="136" y="0"/>
-                    <a:pt x="141" y="4"/>
-                    <a:pt x="141" y="4"/>
-                  </a:cubicBezTo>
-                  <a:cubicBezTo>
-                    <a:pt x="141" y="4"/>
-                    <a:pt x="146" y="0"/>
-                    <a:pt x="158" y="4"/>
-                  </a:cubicBezTo>
-                  <a:cubicBezTo>
-                    <a:pt x="170" y="8"/>
-                    <a:pt x="179" y="21"/>
-                    <a:pt x="179" y="27"/>
-                  </a:cubicBezTo>
-                  <a:cubicBezTo>
-                    <a:pt x="180" y="33"/>
-                    <a:pt x="177" y="49"/>
-                    <a:pt x="177" y="49"/>
-                  </a:cubicBezTo>
-                  <a:cubicBezTo>
-                    <a:pt x="177" y="49"/>
-                    <a:pt x="181" y="48"/>
-                    <a:pt x="180" y="52"/>
-                  </a:cubicBezTo>
-                  <a:cubicBezTo>
-                    <a:pt x="180" y="56"/>
-                    <a:pt x="178" y="61"/>
-                    <a:pt x="178" y="64"/>
-                  </a:cubicBezTo>
-                  <a:cubicBezTo>
-                    <a:pt x="178" y="67"/>
-                    <a:pt x="177" y="71"/>
-                    <a:pt x="176" y="72"/>
-                  </a:cubicBezTo>
-                  <a:cubicBezTo>
-                    <a:pt x="175" y="74"/>
-                    <a:pt x="172" y="74"/>
-                    <a:pt x="172" y="74"/>
-                  </a:cubicBezTo>
-                  <a:cubicBezTo>
-                    <a:pt x="172" y="74"/>
-                    <a:pt x="171" y="81"/>
-                    <a:pt x="171" y="85"/>
-                  </a:cubicBezTo>
-                  <a:cubicBezTo>
-                    <a:pt x="170" y="89"/>
-                    <a:pt x="168" y="93"/>
-                    <a:pt x="168" y="93"/>
-                  </a:cubicBezTo>
-                  <a:cubicBezTo>
-                    <a:pt x="168" y="93"/>
-                    <a:pt x="168" y="107"/>
-                    <a:pt x="169" y="112"/>
-                  </a:cubicBezTo>
-                  <a:cubicBezTo>
-                    <a:pt x="170" y="117"/>
-                    <a:pt x="172" y="124"/>
-                    <a:pt x="173" y="125"/>
-                  </a:cubicBezTo>
-                  <a:cubicBezTo>
-                    <a:pt x="174" y="126"/>
-                    <a:pt x="213" y="146"/>
-                    <a:pt x="213" y="146"/>
-                  </a:cubicBezTo>
-                  <a:cubicBezTo>
-                    <a:pt x="213" y="146"/>
-                    <a:pt x="226" y="147"/>
-                    <a:pt x="234" y="154"/>
-                  </a:cubicBezTo>
-                  <a:cubicBezTo>
-                    <a:pt x="241" y="160"/>
-                    <a:pt x="251" y="175"/>
-                    <a:pt x="251" y="193"/>
-                  </a:cubicBezTo>
-                  <a:cubicBezTo>
-                    <a:pt x="252" y="210"/>
-                    <a:pt x="252" y="215"/>
-                    <a:pt x="254" y="220"/>
-                  </a:cubicBezTo>
-                  <a:cubicBezTo>
-                    <a:pt x="255" y="224"/>
-                    <a:pt x="258" y="250"/>
-                    <a:pt x="258" y="264"/>
-                  </a:cubicBezTo>
-                  <a:cubicBezTo>
-                    <a:pt x="259" y="277"/>
-                    <a:pt x="262" y="282"/>
-                    <a:pt x="265" y="290"/>
-                  </a:cubicBezTo>
-                  <a:cubicBezTo>
-                    <a:pt x="268" y="298"/>
-                    <a:pt x="273" y="306"/>
-                    <a:pt x="274" y="319"/>
-                  </a:cubicBezTo>
-                  <a:cubicBezTo>
-                    <a:pt x="274" y="333"/>
-                    <a:pt x="277" y="390"/>
-                    <a:pt x="279" y="398"/>
-                  </a:cubicBezTo>
-                  <a:cubicBezTo>
-                    <a:pt x="281" y="406"/>
-                    <a:pt x="281" y="411"/>
-                    <a:pt x="281" y="414"/>
-                  </a:cubicBezTo>
-                  <a:cubicBezTo>
-                    <a:pt x="281" y="416"/>
-                    <a:pt x="282" y="437"/>
-                    <a:pt x="282" y="441"/>
-                  </a:cubicBezTo>
-                  <a:close/>
-                </a:path>
-              </a:pathLst>
-            </a:custGeom>
-            <a:solidFill>
-              <a:schemeClr val="dk2"/>
-            </a:solidFill>
-            <a:ln>
-              <a:noFill/>
-            </a:ln>
-          </p:spPr>
-          <p:txBody>
-            <a:bodyPr spcFirstLastPara="1" wrap="square" lIns="91425" tIns="45700" rIns="91425" bIns="45700" anchor="t" anchorCtr="0">
-              <a:noAutofit/>
-            </a:bodyPr>
-            <a:lstStyle/>
-            <a:p>
-              <a:pPr marL="0" marR="0" lvl="0" indent="0" algn="l" rtl="0">
-                <a:lnSpc>
-                  <a:spcPct val="100000"/>
-                </a:lnSpc>
-                <a:spcBef>
-                  <a:spcPts val="0"/>
-                </a:spcBef>
-                <a:spcAft>
-                  <a:spcPts val="0"/>
-                </a:spcAft>
-                <a:buClr>
-                  <a:srgbClr val="000000"/>
-                </a:buClr>
-                <a:buSzPts val="1801"/>
-                <a:buFont typeface="Arial"/>
-                <a:buNone/>
-              </a:pPr>
-              <a:endParaRPr sz="1801" b="0" i="0" u="none" strike="noStrike" cap="none">
-                <a:solidFill>
-                  <a:schemeClr val="dk1"/>
-                </a:solidFill>
-                <a:latin typeface="Calibri"/>
-                <a:ea typeface="Calibri"/>
-                <a:cs typeface="Calibri"/>
-                <a:sym typeface="Calibri"/>
-              </a:endParaRPr>
-            </a:p>
-          </p:txBody>
-        </p:sp>
-        <p:sp>
-          <p:nvSpPr>
-            <p:cNvPr id="377" name="Google Shape;377;p6"/>
-            <p:cNvSpPr/>
-            <p:nvPr/>
-          </p:nvSpPr>
-          <p:spPr>
-            <a:xfrm>
-              <a:off x="8068267" y="1006454"/>
-              <a:ext cx="1428751" cy="837114"/>
-            </a:xfrm>
-            <a:prstGeom prst="roundRect">
-              <a:avLst>
-                <a:gd name="adj" fmla="val 16667"/>
-              </a:avLst>
-            </a:prstGeom>
-            <a:solidFill>
-              <a:schemeClr val="accent6"/>
-            </a:solidFill>
-            <a:ln>
-              <a:noFill/>
-            </a:ln>
-          </p:spPr>
-          <p:txBody>
-            <a:bodyPr spcFirstLastPara="1" wrap="square" lIns="91425" tIns="45700" rIns="91425" bIns="45700" anchor="ctr" anchorCtr="0">
-              <a:noAutofit/>
-            </a:bodyPr>
-            <a:lstStyle/>
-            <a:p>
-              <a:pPr marL="0" marR="0" lvl="0" indent="0" algn="ctr" rtl="0">
-                <a:lnSpc>
-                  <a:spcPct val="100000"/>
-                </a:lnSpc>
-                <a:spcBef>
-                  <a:spcPts val="0"/>
-                </a:spcBef>
-                <a:spcAft>
-                  <a:spcPts val="0"/>
-                </a:spcAft>
-                <a:buClr>
-                  <a:srgbClr val="000000"/>
-                </a:buClr>
-                <a:buSzPts val="1801"/>
-                <a:buFont typeface="Arial"/>
-                <a:buNone/>
-              </a:pPr>
-              <a:endParaRPr sz="1801" b="0" i="0" u="none" strike="noStrike" cap="none">
-                <a:solidFill>
-                  <a:schemeClr val="lt1"/>
-                </a:solidFill>
-                <a:latin typeface="Calibri"/>
-                <a:ea typeface="Calibri"/>
-                <a:cs typeface="Calibri"/>
-                <a:sym typeface="Calibri"/>
-              </a:endParaRPr>
-            </a:p>
-          </p:txBody>
-        </p:sp>
-        <p:sp>
-          <p:nvSpPr>
-            <p:cNvPr id="378" name="Google Shape;378;p6"/>
-            <p:cNvSpPr/>
-            <p:nvPr/>
-          </p:nvSpPr>
-          <p:spPr>
-            <a:xfrm>
-              <a:off x="8068267" y="2115150"/>
-              <a:ext cx="1428751" cy="837114"/>
-            </a:xfrm>
-            <a:prstGeom prst="roundRect">
-              <a:avLst>
-                <a:gd name="adj" fmla="val 16667"/>
-              </a:avLst>
-            </a:prstGeom>
-            <a:solidFill>
-              <a:schemeClr val="accent2"/>
-            </a:solidFill>
-            <a:ln>
-              <a:noFill/>
-            </a:ln>
-          </p:spPr>
-          <p:txBody>
-            <a:bodyPr spcFirstLastPara="1" wrap="square" lIns="91425" tIns="45700" rIns="91425" bIns="45700" anchor="ctr" anchorCtr="0">
-              <a:noAutofit/>
-            </a:bodyPr>
-            <a:lstStyle/>
-            <a:p>
-              <a:pPr marL="0" marR="0" lvl="0" indent="0" algn="ctr" rtl="0">
-                <a:lnSpc>
-                  <a:spcPct val="100000"/>
-                </a:lnSpc>
-                <a:spcBef>
-                  <a:spcPts val="0"/>
-                </a:spcBef>
-                <a:spcAft>
-                  <a:spcPts val="0"/>
-                </a:spcAft>
-                <a:buClr>
-                  <a:srgbClr val="000000"/>
-                </a:buClr>
-                <a:buSzPts val="1801"/>
-                <a:buFont typeface="Arial"/>
-                <a:buNone/>
-              </a:pPr>
-              <a:endParaRPr sz="1801" b="0" i="0" u="none" strike="noStrike" cap="none">
-                <a:solidFill>
-                  <a:schemeClr val="lt1"/>
-                </a:solidFill>
-                <a:latin typeface="Calibri"/>
-                <a:ea typeface="Calibri"/>
-                <a:cs typeface="Calibri"/>
-                <a:sym typeface="Calibri"/>
-              </a:endParaRPr>
-            </a:p>
-          </p:txBody>
-        </p:sp>
-        <p:sp>
-          <p:nvSpPr>
-            <p:cNvPr id="379" name="Google Shape;379;p6"/>
-            <p:cNvSpPr/>
-            <p:nvPr/>
-          </p:nvSpPr>
-          <p:spPr>
-            <a:xfrm>
-              <a:off x="8068267" y="3223849"/>
-              <a:ext cx="1428751" cy="837114"/>
-            </a:xfrm>
-            <a:prstGeom prst="roundRect">
-              <a:avLst>
-                <a:gd name="adj" fmla="val 16667"/>
-              </a:avLst>
-            </a:prstGeom>
-            <a:solidFill>
-              <a:schemeClr val="accent3"/>
-            </a:solidFill>
-            <a:ln>
-              <a:noFill/>
-            </a:ln>
-          </p:spPr>
-          <p:txBody>
-            <a:bodyPr spcFirstLastPara="1" wrap="square" lIns="91425" tIns="45700" rIns="91425" bIns="45700" anchor="ctr" anchorCtr="0">
-              <a:noAutofit/>
-            </a:bodyPr>
-            <a:lstStyle/>
-            <a:p>
-              <a:pPr marL="0" marR="0" lvl="0" indent="0" algn="ctr" rtl="0">
-                <a:lnSpc>
-                  <a:spcPct val="100000"/>
-                </a:lnSpc>
-                <a:spcBef>
-                  <a:spcPts val="0"/>
-                </a:spcBef>
-                <a:spcAft>
-                  <a:spcPts val="0"/>
-                </a:spcAft>
-                <a:buClr>
-                  <a:srgbClr val="000000"/>
-                </a:buClr>
-                <a:buSzPts val="1801"/>
-                <a:buFont typeface="Arial"/>
-                <a:buNone/>
-              </a:pPr>
-              <a:endParaRPr sz="1801" b="0" i="0" u="none" strike="noStrike" cap="none">
-                <a:solidFill>
-                  <a:schemeClr val="lt1"/>
-                </a:solidFill>
-                <a:latin typeface="Calibri"/>
-                <a:ea typeface="Calibri"/>
-                <a:cs typeface="Calibri"/>
-                <a:sym typeface="Calibri"/>
-              </a:endParaRPr>
-            </a:p>
-          </p:txBody>
-        </p:sp>
-        <p:sp>
-          <p:nvSpPr>
-            <p:cNvPr id="380" name="Google Shape;380;p6"/>
-            <p:cNvSpPr/>
-            <p:nvPr/>
-          </p:nvSpPr>
-          <p:spPr>
-            <a:xfrm>
-              <a:off x="8068267" y="4332546"/>
-              <a:ext cx="1428751" cy="837114"/>
-            </a:xfrm>
-            <a:prstGeom prst="roundRect">
-              <a:avLst>
-                <a:gd name="adj" fmla="val 16667"/>
-              </a:avLst>
-            </a:prstGeom>
-            <a:solidFill>
-              <a:schemeClr val="accent4"/>
-            </a:solidFill>
-            <a:ln>
-              <a:noFill/>
-            </a:ln>
-          </p:spPr>
-          <p:txBody>
-            <a:bodyPr spcFirstLastPara="1" wrap="square" lIns="91425" tIns="45700" rIns="91425" bIns="45700" anchor="ctr" anchorCtr="0">
-              <a:noAutofit/>
-            </a:bodyPr>
-            <a:lstStyle/>
-            <a:p>
-              <a:pPr marL="0" marR="0" lvl="0" indent="0" algn="ctr" rtl="0">
-                <a:lnSpc>
-                  <a:spcPct val="100000"/>
-                </a:lnSpc>
-                <a:spcBef>
-                  <a:spcPts val="0"/>
-                </a:spcBef>
-                <a:spcAft>
-                  <a:spcPts val="0"/>
-                </a:spcAft>
-                <a:buClr>
-                  <a:srgbClr val="000000"/>
-                </a:buClr>
-                <a:buSzPts val="1801"/>
-                <a:buFont typeface="Arial"/>
-                <a:buNone/>
-              </a:pPr>
-              <a:endParaRPr sz="1801" b="0" i="0" u="none" strike="noStrike" cap="none">
-                <a:solidFill>
-                  <a:schemeClr val="lt1"/>
-                </a:solidFill>
-                <a:latin typeface="Calibri"/>
-                <a:ea typeface="Calibri"/>
-                <a:cs typeface="Calibri"/>
-                <a:sym typeface="Calibri"/>
-              </a:endParaRPr>
-            </a:p>
-          </p:txBody>
-        </p:sp>
-        <p:sp>
-          <p:nvSpPr>
-            <p:cNvPr id="381" name="Google Shape;381;p6"/>
-            <p:cNvSpPr/>
-            <p:nvPr/>
-          </p:nvSpPr>
-          <p:spPr>
-            <a:xfrm>
-              <a:off x="8068267" y="5441245"/>
-              <a:ext cx="1428751" cy="837114"/>
-            </a:xfrm>
-            <a:prstGeom prst="roundRect">
-              <a:avLst>
-                <a:gd name="adj" fmla="val 16667"/>
-              </a:avLst>
-            </a:prstGeom>
-            <a:solidFill>
-              <a:schemeClr val="accent5"/>
-            </a:solidFill>
-            <a:ln>
-              <a:noFill/>
-            </a:ln>
-          </p:spPr>
-          <p:txBody>
-            <a:bodyPr spcFirstLastPara="1" wrap="square" lIns="91425" tIns="45700" rIns="91425" bIns="45700" anchor="ctr" anchorCtr="0">
-              <a:noAutofit/>
-            </a:bodyPr>
-            <a:lstStyle/>
-            <a:p>
-              <a:pPr marL="0" marR="0" lvl="0" indent="0" algn="ctr" rtl="0">
-                <a:lnSpc>
-                  <a:spcPct val="100000"/>
-                </a:lnSpc>
-                <a:spcBef>
-                  <a:spcPts val="0"/>
-                </a:spcBef>
-                <a:spcAft>
-                  <a:spcPts val="0"/>
-                </a:spcAft>
-                <a:buClr>
-                  <a:srgbClr val="000000"/>
-                </a:buClr>
-                <a:buSzPts val="1801"/>
-                <a:buFont typeface="Arial"/>
-                <a:buNone/>
-              </a:pPr>
-              <a:endParaRPr sz="1801" b="0" i="0" u="none" strike="noStrike" cap="none">
-                <a:solidFill>
-                  <a:schemeClr val="lt1"/>
-                </a:solidFill>
-                <a:latin typeface="Calibri"/>
-                <a:ea typeface="Calibri"/>
-                <a:cs typeface="Calibri"/>
-                <a:sym typeface="Calibri"/>
-              </a:endParaRPr>
-            </a:p>
-          </p:txBody>
-        </p:sp>
-        <p:grpSp>
-          <p:nvGrpSpPr>
-            <p:cNvPr id="382" name="Google Shape;382;p6"/>
-            <p:cNvGrpSpPr/>
-            <p:nvPr/>
-          </p:nvGrpSpPr>
-          <p:grpSpPr>
-            <a:xfrm>
-              <a:off x="7225306" y="1363440"/>
-              <a:ext cx="856907" cy="1170003"/>
-              <a:chOff x="6973632" y="1363437"/>
-              <a:chExt cx="856906" cy="2608396"/>
-            </a:xfrm>
-          </p:grpSpPr>
-          <p:cxnSp>
-            <p:nvCxnSpPr>
-              <p:cNvPr id="383" name="Google Shape;383;p6"/>
-              <p:cNvCxnSpPr/>
-              <p:nvPr/>
-            </p:nvCxnSpPr>
-            <p:spPr>
-              <a:xfrm rot="10800000">
-                <a:off x="7402721" y="1363437"/>
-                <a:ext cx="427817" cy="0"/>
-              </a:xfrm>
-              <a:prstGeom prst="straightConnector1">
-                <a:avLst/>
-              </a:prstGeom>
-              <a:noFill/>
-              <a:ln w="19050" cap="flat" cmpd="sng">
-                <a:solidFill>
-                  <a:schemeClr val="accent6"/>
-                </a:solidFill>
-                <a:prstDash val="dot"/>
-                <a:miter lim="800000"/>
-                <a:headEnd type="none" w="sm" len="sm"/>
-                <a:tailEnd type="none" w="sm" len="sm"/>
-              </a:ln>
-            </p:spPr>
-          </p:cxnSp>
-          <p:cxnSp>
-            <p:nvCxnSpPr>
-              <p:cNvPr id="384" name="Google Shape;384;p6"/>
-              <p:cNvCxnSpPr/>
-              <p:nvPr/>
-            </p:nvCxnSpPr>
-            <p:spPr>
-              <a:xfrm>
-                <a:off x="7402721" y="1373486"/>
-                <a:ext cx="0" cy="2598347"/>
-              </a:xfrm>
-              <a:prstGeom prst="straightConnector1">
-                <a:avLst/>
-              </a:prstGeom>
-              <a:noFill/>
-              <a:ln w="19050" cap="flat" cmpd="sng">
-                <a:solidFill>
-                  <a:schemeClr val="accent6"/>
-                </a:solidFill>
-                <a:prstDash val="dot"/>
-                <a:miter lim="800000"/>
-                <a:headEnd type="none" w="sm" len="sm"/>
-                <a:tailEnd type="none" w="sm" len="sm"/>
-              </a:ln>
-            </p:spPr>
-          </p:cxnSp>
-          <p:cxnSp>
-            <p:nvCxnSpPr>
-              <p:cNvPr id="385" name="Google Shape;385;p6"/>
-              <p:cNvCxnSpPr/>
-              <p:nvPr/>
-            </p:nvCxnSpPr>
-            <p:spPr>
-              <a:xfrm rot="10800000">
-                <a:off x="6973632" y="3971833"/>
-                <a:ext cx="429089" cy="0"/>
-              </a:xfrm>
-              <a:prstGeom prst="straightConnector1">
-                <a:avLst/>
-              </a:prstGeom>
-              <a:noFill/>
-              <a:ln w="19050" cap="flat" cmpd="sng">
-                <a:solidFill>
-                  <a:schemeClr val="accent6"/>
-                </a:solidFill>
-                <a:prstDash val="dot"/>
-                <a:miter lim="800000"/>
-                <a:headEnd type="none" w="sm" len="sm"/>
-                <a:tailEnd type="oval" w="med" len="med"/>
-              </a:ln>
-            </p:spPr>
-          </p:cxnSp>
-        </p:grpSp>
-        <p:grpSp>
-          <p:nvGrpSpPr>
-            <p:cNvPr id="386" name="Google Shape;386;p6"/>
-            <p:cNvGrpSpPr/>
-            <p:nvPr/>
-          </p:nvGrpSpPr>
-          <p:grpSpPr>
-            <a:xfrm>
-              <a:off x="7225306" y="3215551"/>
-              <a:ext cx="856907" cy="446160"/>
-              <a:chOff x="6973632" y="2531318"/>
-              <a:chExt cx="856906" cy="1130392"/>
-            </a:xfrm>
-          </p:grpSpPr>
-          <p:cxnSp>
-            <p:nvCxnSpPr>
-              <p:cNvPr id="387" name="Google Shape;387;p6"/>
-              <p:cNvCxnSpPr/>
-              <p:nvPr/>
-            </p:nvCxnSpPr>
-            <p:spPr>
-              <a:xfrm rot="10800000">
-                <a:off x="7267219" y="3661710"/>
-                <a:ext cx="563319" cy="0"/>
-              </a:xfrm>
-              <a:prstGeom prst="straightConnector1">
-                <a:avLst/>
-              </a:prstGeom>
-              <a:noFill/>
-              <a:ln w="19050" cap="flat" cmpd="sng">
-                <a:solidFill>
-                  <a:schemeClr val="accent3"/>
-                </a:solidFill>
-                <a:prstDash val="dot"/>
-                <a:miter lim="800000"/>
-                <a:headEnd type="none" w="sm" len="sm"/>
-                <a:tailEnd type="none" w="sm" len="sm"/>
-              </a:ln>
-            </p:spPr>
-          </p:cxnSp>
-          <p:cxnSp>
-            <p:nvCxnSpPr>
-              <p:cNvPr id="388" name="Google Shape;388;p6"/>
-              <p:cNvCxnSpPr/>
-              <p:nvPr/>
-            </p:nvCxnSpPr>
-            <p:spPr>
-              <a:xfrm rot="10800000">
-                <a:off x="7267219" y="2531318"/>
-                <a:ext cx="0" cy="1130392"/>
-              </a:xfrm>
-              <a:prstGeom prst="straightConnector1">
-                <a:avLst/>
-              </a:prstGeom>
-              <a:noFill/>
-              <a:ln w="19050" cap="flat" cmpd="sng">
-                <a:solidFill>
-                  <a:schemeClr val="accent3"/>
-                </a:solidFill>
-                <a:prstDash val="dot"/>
-                <a:miter lim="800000"/>
-                <a:headEnd type="none" w="sm" len="sm"/>
-                <a:tailEnd type="none" w="sm" len="sm"/>
-              </a:ln>
-            </p:spPr>
-          </p:cxnSp>
-          <p:cxnSp>
-            <p:nvCxnSpPr>
-              <p:cNvPr id="389" name="Google Shape;389;p6"/>
-              <p:cNvCxnSpPr/>
-              <p:nvPr/>
-            </p:nvCxnSpPr>
-            <p:spPr>
-              <a:xfrm rot="10800000">
-                <a:off x="6973632" y="2537145"/>
-                <a:ext cx="293587" cy="0"/>
-              </a:xfrm>
-              <a:prstGeom prst="straightConnector1">
-                <a:avLst/>
-              </a:prstGeom>
-              <a:noFill/>
-              <a:ln w="19050" cap="flat" cmpd="sng">
-                <a:solidFill>
-                  <a:schemeClr val="accent3"/>
-                </a:solidFill>
-                <a:prstDash val="dot"/>
-                <a:miter lim="800000"/>
-                <a:headEnd type="none" w="sm" len="sm"/>
-                <a:tailEnd type="oval" w="med" len="med"/>
-              </a:ln>
-            </p:spPr>
-          </p:cxnSp>
-        </p:grpSp>
-        <p:grpSp>
-          <p:nvGrpSpPr>
-            <p:cNvPr id="390" name="Google Shape;390;p6"/>
-            <p:cNvGrpSpPr/>
-            <p:nvPr/>
-          </p:nvGrpSpPr>
-          <p:grpSpPr>
-            <a:xfrm>
-              <a:off x="7225306" y="2531320"/>
-              <a:ext cx="856907" cy="1433667"/>
-              <a:chOff x="6973632" y="2531318"/>
-              <a:chExt cx="856906" cy="673347"/>
-            </a:xfrm>
-          </p:grpSpPr>
-          <p:cxnSp>
-            <p:nvCxnSpPr>
-              <p:cNvPr id="391" name="Google Shape;391;p6"/>
-              <p:cNvCxnSpPr/>
-              <p:nvPr/>
-            </p:nvCxnSpPr>
-            <p:spPr>
-              <a:xfrm rot="10800000">
-                <a:off x="7600781" y="2533666"/>
-                <a:ext cx="229757" cy="0"/>
-              </a:xfrm>
-              <a:prstGeom prst="straightConnector1">
-                <a:avLst/>
-              </a:prstGeom>
-              <a:noFill/>
-              <a:ln w="19050" cap="flat" cmpd="sng">
-                <a:solidFill>
-                  <a:schemeClr val="accent2"/>
-                </a:solidFill>
-                <a:prstDash val="dot"/>
-                <a:miter lim="800000"/>
-                <a:headEnd type="none" w="sm" len="sm"/>
-                <a:tailEnd type="none" w="sm" len="sm"/>
-              </a:ln>
-            </p:spPr>
-          </p:cxnSp>
-          <p:cxnSp>
-            <p:nvCxnSpPr>
-              <p:cNvPr id="392" name="Google Shape;392;p6"/>
-              <p:cNvCxnSpPr/>
-              <p:nvPr/>
-            </p:nvCxnSpPr>
-            <p:spPr>
-              <a:xfrm>
-                <a:off x="7600781" y="2531318"/>
-                <a:ext cx="0" cy="673347"/>
-              </a:xfrm>
-              <a:prstGeom prst="straightConnector1">
-                <a:avLst/>
-              </a:prstGeom>
-              <a:noFill/>
-              <a:ln w="19050" cap="flat" cmpd="sng">
-                <a:solidFill>
-                  <a:schemeClr val="accent2"/>
-                </a:solidFill>
-                <a:prstDash val="dot"/>
-                <a:miter lim="800000"/>
-                <a:headEnd type="none" w="sm" len="sm"/>
-                <a:tailEnd type="none" w="sm" len="sm"/>
-              </a:ln>
-            </p:spPr>
-          </p:cxnSp>
-          <p:cxnSp>
-            <p:nvCxnSpPr>
-              <p:cNvPr id="393" name="Google Shape;393;p6"/>
-              <p:cNvCxnSpPr/>
-              <p:nvPr/>
-            </p:nvCxnSpPr>
-            <p:spPr>
-              <a:xfrm rot="10800000">
-                <a:off x="6973632" y="3204665"/>
-                <a:ext cx="627149" cy="0"/>
-              </a:xfrm>
-              <a:prstGeom prst="straightConnector1">
-                <a:avLst/>
-              </a:prstGeom>
-              <a:noFill/>
-              <a:ln w="19050" cap="flat" cmpd="sng">
-                <a:solidFill>
-                  <a:schemeClr val="accent2"/>
-                </a:solidFill>
-                <a:prstDash val="dot"/>
-                <a:miter lim="800000"/>
-                <a:headEnd type="none" w="sm" len="sm"/>
-                <a:tailEnd type="oval" w="med" len="med"/>
-              </a:ln>
-            </p:spPr>
-          </p:cxnSp>
-        </p:grpSp>
-        <p:grpSp>
-          <p:nvGrpSpPr>
-            <p:cNvPr id="394" name="Google Shape;394;p6"/>
-            <p:cNvGrpSpPr/>
-            <p:nvPr/>
-          </p:nvGrpSpPr>
-          <p:grpSpPr>
-            <a:xfrm rot="10800000">
-              <a:off x="7225306" y="4761395"/>
-              <a:ext cx="856907" cy="277364"/>
-              <a:chOff x="9304518" y="4428879"/>
-              <a:chExt cx="856906" cy="1417405"/>
-            </a:xfrm>
-          </p:grpSpPr>
-          <p:cxnSp>
-            <p:nvCxnSpPr>
-              <p:cNvPr id="395" name="Google Shape;395;p6"/>
-              <p:cNvCxnSpPr/>
-              <p:nvPr/>
-            </p:nvCxnSpPr>
-            <p:spPr>
-              <a:xfrm>
-                <a:off x="9304518" y="5846284"/>
-                <a:ext cx="229757" cy="0"/>
-              </a:xfrm>
-              <a:prstGeom prst="straightConnector1">
-                <a:avLst/>
-              </a:prstGeom>
-              <a:noFill/>
-              <a:ln w="19050" cap="flat" cmpd="sng">
-                <a:solidFill>
-                  <a:schemeClr val="accent4"/>
-                </a:solidFill>
-                <a:prstDash val="dot"/>
-                <a:miter lim="800000"/>
-                <a:headEnd type="none" w="sm" len="sm"/>
-                <a:tailEnd type="none" w="sm" len="sm"/>
-              </a:ln>
-            </p:spPr>
-          </p:cxnSp>
-          <p:cxnSp>
-            <p:nvCxnSpPr>
-              <p:cNvPr id="396" name="Google Shape;396;p6"/>
-              <p:cNvCxnSpPr/>
-              <p:nvPr/>
-            </p:nvCxnSpPr>
-            <p:spPr>
-              <a:xfrm rot="10800000">
-                <a:off x="9534275" y="4428879"/>
-                <a:ext cx="0" cy="1416233"/>
-              </a:xfrm>
-              <a:prstGeom prst="straightConnector1">
-                <a:avLst/>
-              </a:prstGeom>
-              <a:noFill/>
-              <a:ln w="19050" cap="flat" cmpd="sng">
-                <a:solidFill>
-                  <a:schemeClr val="accent4"/>
-                </a:solidFill>
-                <a:prstDash val="dot"/>
-                <a:miter lim="800000"/>
-                <a:headEnd type="none" w="sm" len="sm"/>
-                <a:tailEnd type="none" w="sm" len="sm"/>
-              </a:ln>
-            </p:spPr>
-          </p:cxnSp>
-          <p:cxnSp>
-            <p:nvCxnSpPr>
-              <p:cNvPr id="397" name="Google Shape;397;p6"/>
-              <p:cNvCxnSpPr/>
-              <p:nvPr/>
-            </p:nvCxnSpPr>
-            <p:spPr>
-              <a:xfrm>
-                <a:off x="9534275" y="4428879"/>
-                <a:ext cx="627149" cy="0"/>
-              </a:xfrm>
-              <a:prstGeom prst="straightConnector1">
-                <a:avLst/>
-              </a:prstGeom>
-              <a:noFill/>
-              <a:ln w="19050" cap="flat" cmpd="sng">
-                <a:solidFill>
-                  <a:schemeClr val="accent4"/>
-                </a:solidFill>
-                <a:prstDash val="dot"/>
-                <a:miter lim="800000"/>
-                <a:headEnd type="none" w="sm" len="sm"/>
-                <a:tailEnd type="oval" w="med" len="med"/>
-              </a:ln>
-            </p:spPr>
-          </p:cxnSp>
-        </p:grpSp>
-        <p:grpSp>
-          <p:nvGrpSpPr>
-            <p:cNvPr id="398" name="Google Shape;398;p6"/>
-            <p:cNvGrpSpPr/>
-            <p:nvPr/>
-          </p:nvGrpSpPr>
-          <p:grpSpPr>
-            <a:xfrm rot="10800000">
-              <a:off x="7225306" y="4408843"/>
-              <a:ext cx="856907" cy="1394168"/>
-              <a:chOff x="9304518" y="1660617"/>
-              <a:chExt cx="856906" cy="2608396"/>
-            </a:xfrm>
-          </p:grpSpPr>
-          <p:cxnSp>
-            <p:nvCxnSpPr>
-              <p:cNvPr id="399" name="Google Shape;399;p6"/>
-              <p:cNvCxnSpPr/>
-              <p:nvPr/>
-            </p:nvCxnSpPr>
-            <p:spPr>
-              <a:xfrm>
-                <a:off x="9304518" y="1660617"/>
-                <a:ext cx="427817" cy="0"/>
-              </a:xfrm>
-              <a:prstGeom prst="straightConnector1">
-                <a:avLst/>
-              </a:prstGeom>
-              <a:noFill/>
-              <a:ln w="19050" cap="flat" cmpd="sng">
-                <a:solidFill>
-                  <a:schemeClr val="accent5"/>
-                </a:solidFill>
-                <a:prstDash val="dot"/>
-                <a:miter lim="800000"/>
-                <a:headEnd type="none" w="sm" len="sm"/>
-                <a:tailEnd type="none" w="sm" len="sm"/>
-              </a:ln>
-            </p:spPr>
-          </p:cxnSp>
-          <p:grpSp>
-            <p:nvGrpSpPr>
-              <p:cNvPr id="400" name="Google Shape;400;p6"/>
-              <p:cNvGrpSpPr/>
-              <p:nvPr/>
-            </p:nvGrpSpPr>
-            <p:grpSpPr>
-              <a:xfrm>
-                <a:off x="9732335" y="1670666"/>
-                <a:ext cx="429089" cy="2598347"/>
-                <a:chOff x="9732335" y="1373486"/>
-                <a:chExt cx="429089" cy="2975487"/>
-              </a:xfrm>
-            </p:grpSpPr>
-            <p:cxnSp>
-              <p:nvCxnSpPr>
-                <p:cNvPr id="401" name="Google Shape;401;p6"/>
-                <p:cNvCxnSpPr/>
-                <p:nvPr/>
-              </p:nvCxnSpPr>
-              <p:spPr>
-                <a:xfrm>
-                  <a:off x="9732335" y="1373486"/>
-                  <a:ext cx="0" cy="2975487"/>
-                </a:xfrm>
-                <a:prstGeom prst="straightConnector1">
-                  <a:avLst/>
-                </a:prstGeom>
-                <a:noFill/>
-                <a:ln w="19050" cap="flat" cmpd="sng">
-                  <a:solidFill>
-                    <a:schemeClr val="accent5"/>
-                  </a:solidFill>
-                  <a:prstDash val="dot"/>
-                  <a:miter lim="800000"/>
-                  <a:headEnd type="none" w="sm" len="sm"/>
-                  <a:tailEnd type="none" w="sm" len="sm"/>
-                </a:ln>
-              </p:spPr>
-            </p:cxnSp>
-            <p:cxnSp>
-              <p:nvCxnSpPr>
-                <p:cNvPr id="402" name="Google Shape;402;p6"/>
-                <p:cNvCxnSpPr/>
-                <p:nvPr/>
-              </p:nvCxnSpPr>
-              <p:spPr>
-                <a:xfrm>
-                  <a:off x="9732335" y="4348973"/>
-                  <a:ext cx="429089" cy="0"/>
-                </a:xfrm>
-                <a:prstGeom prst="straightConnector1">
-                  <a:avLst/>
-                </a:prstGeom>
-                <a:noFill/>
-                <a:ln w="19050" cap="flat" cmpd="sng">
-                  <a:solidFill>
-                    <a:schemeClr val="accent5"/>
-                  </a:solidFill>
-                  <a:prstDash val="dot"/>
-                  <a:miter lim="800000"/>
-                  <a:headEnd type="none" w="sm" len="sm"/>
-                  <a:tailEnd type="oval" w="med" len="med"/>
-                </a:ln>
-              </p:spPr>
-            </p:cxnSp>
-          </p:grpSp>
-        </p:grpSp>
-      </p:grpSp>
-      <p:sp>
-        <p:nvSpPr>
-          <p:cNvPr id="403" name="Google Shape;403;p6"/>
-          <p:cNvSpPr txBox="1"/>
-          <p:nvPr/>
-        </p:nvSpPr>
-        <p:spPr>
-          <a:xfrm>
-            <a:off x="19580087" y="2027583"/>
-            <a:ext cx="2261736" cy="646331"/>
-          </a:xfrm>
-          <a:prstGeom prst="rect">
-            <a:avLst/>
-          </a:prstGeom>
-          <a:noFill/>
-          <a:ln>
-            <a:noFill/>
-          </a:ln>
-        </p:spPr>
-        <p:txBody>
-          <a:bodyPr spcFirstLastPara="1" wrap="square" lIns="91425" tIns="45700" rIns="91425" bIns="45700" anchor="t" anchorCtr="0">
-            <a:spAutoFit/>
-          </a:bodyPr>
-          <a:lstStyle/>
-          <a:p>
-            <a:pPr marL="0" marR="0" lvl="0" indent="0" algn="ctr" rtl="0">
-              <a:lnSpc>
-                <a:spcPct val="100000"/>
-              </a:lnSpc>
-              <a:spcBef>
-                <a:spcPts val="0"/>
-              </a:spcBef>
-              <a:spcAft>
-                <a:spcPts val="0"/>
-              </a:spcAft>
-              <a:buClr>
-                <a:srgbClr val="000000"/>
-              </a:buClr>
-              <a:buSzPts val="3600"/>
-              <a:buFont typeface="Arial"/>
-              <a:buNone/>
-            </a:pPr>
-            <a:r>
-              <a:rPr lang="en-US" sz="3600" b="0" i="0" u="none" strike="noStrike" cap="none">
-                <a:solidFill>
-                  <a:schemeClr val="lt1"/>
-                </a:solidFill>
-                <a:latin typeface="Aharoni"/>
-                <a:ea typeface="Aharoni"/>
-                <a:cs typeface="Aharoni"/>
-                <a:sym typeface="Aharoni"/>
-              </a:rPr>
-              <a:t>Back</a:t>
-            </a:r>
-            <a:endParaRPr sz="1400" b="0" i="0" u="none" strike="noStrike" cap="none">
-              <a:solidFill>
-                <a:srgbClr val="000000"/>
-              </a:solidFill>
-              <a:latin typeface="Arial"/>
-              <a:ea typeface="Arial"/>
-              <a:cs typeface="Arial"/>
-              <a:sym typeface="Arial"/>
-            </a:endParaRPr>
-          </a:p>
-        </p:txBody>
-      </p:sp>
-      <p:sp>
-        <p:nvSpPr>
-          <p:cNvPr id="404" name="Google Shape;404;p6"/>
-          <p:cNvSpPr txBox="1"/>
-          <p:nvPr/>
-        </p:nvSpPr>
-        <p:spPr>
-          <a:xfrm>
-            <a:off x="19514405" y="4358255"/>
-            <a:ext cx="2261736" cy="646331"/>
-          </a:xfrm>
-          <a:prstGeom prst="rect">
-            <a:avLst/>
-          </a:prstGeom>
-          <a:noFill/>
-          <a:ln>
-            <a:noFill/>
-          </a:ln>
-        </p:spPr>
-        <p:txBody>
-          <a:bodyPr spcFirstLastPara="1" wrap="square" lIns="91425" tIns="45700" rIns="91425" bIns="45700" anchor="t" anchorCtr="0">
-            <a:spAutoFit/>
-          </a:bodyPr>
-          <a:lstStyle/>
-          <a:p>
-            <a:pPr marL="0" marR="0" lvl="0" indent="0" algn="ctr" rtl="0">
-              <a:lnSpc>
-                <a:spcPct val="100000"/>
-              </a:lnSpc>
-              <a:spcBef>
-                <a:spcPts val="0"/>
-              </a:spcBef>
-              <a:spcAft>
-                <a:spcPts val="0"/>
-              </a:spcAft>
-              <a:buClr>
-                <a:srgbClr val="000000"/>
-              </a:buClr>
-              <a:buSzPts val="3600"/>
-              <a:buFont typeface="Arial"/>
-              <a:buNone/>
-            </a:pPr>
-            <a:r>
-              <a:rPr lang="en-US" sz="3600" b="0" i="0" u="none" strike="noStrike" cap="none">
-                <a:solidFill>
-                  <a:schemeClr val="lt1"/>
-                </a:solidFill>
-                <a:latin typeface="Aharoni"/>
-                <a:ea typeface="Aharoni"/>
-                <a:cs typeface="Aharoni"/>
-                <a:sym typeface="Aharoni"/>
-              </a:rPr>
-              <a:t>Trunk</a:t>
-            </a:r>
-            <a:endParaRPr sz="1400" b="0" i="0" u="none" strike="noStrike" cap="none">
-              <a:solidFill>
-                <a:srgbClr val="000000"/>
-              </a:solidFill>
-              <a:latin typeface="Arial"/>
-              <a:ea typeface="Arial"/>
-              <a:cs typeface="Arial"/>
-              <a:sym typeface="Arial"/>
-            </a:endParaRPr>
-          </a:p>
-        </p:txBody>
-      </p:sp>
-      <p:sp>
-        <p:nvSpPr>
-          <p:cNvPr id="405" name="Google Shape;405;p6"/>
-          <p:cNvSpPr txBox="1"/>
-          <p:nvPr/>
-        </p:nvSpPr>
-        <p:spPr>
-          <a:xfrm>
-            <a:off x="19585336" y="6196313"/>
-            <a:ext cx="2261736" cy="1015663"/>
-          </a:xfrm>
-          <a:prstGeom prst="rect">
-            <a:avLst/>
-          </a:prstGeom>
-          <a:noFill/>
-          <a:ln>
-            <a:noFill/>
-          </a:ln>
-        </p:spPr>
-        <p:txBody>
-          <a:bodyPr spcFirstLastPara="1" wrap="square" lIns="91425" tIns="45700" rIns="91425" bIns="45700" anchor="t" anchorCtr="0">
-            <a:spAutoFit/>
-          </a:bodyPr>
-          <a:lstStyle/>
-          <a:p>
-            <a:pPr marL="0" marR="0" lvl="0" indent="0" algn="ctr" rtl="0">
-              <a:lnSpc>
-                <a:spcPct val="100000"/>
-              </a:lnSpc>
-              <a:spcBef>
-                <a:spcPts val="0"/>
-              </a:spcBef>
-              <a:spcAft>
-                <a:spcPts val="0"/>
-              </a:spcAft>
-              <a:buClr>
-                <a:srgbClr val="000000"/>
-              </a:buClr>
-              <a:buSzPts val="3000"/>
-              <a:buFont typeface="Arial"/>
-              <a:buNone/>
-            </a:pPr>
-            <a:r>
-              <a:rPr lang="en-US" sz="3000" b="0" i="0" u="none" strike="noStrike" cap="none">
-                <a:solidFill>
-                  <a:schemeClr val="lt1"/>
-                </a:solidFill>
-                <a:latin typeface="Aharoni"/>
-                <a:ea typeface="Aharoni"/>
-                <a:cs typeface="Aharoni"/>
-                <a:sym typeface="Aharoni"/>
-              </a:rPr>
-              <a:t>Upper Extremities</a:t>
-            </a:r>
-            <a:endParaRPr sz="1400" b="0" i="0" u="none" strike="noStrike" cap="none">
-              <a:solidFill>
-                <a:srgbClr val="000000"/>
-              </a:solidFill>
-              <a:latin typeface="Arial"/>
-              <a:ea typeface="Arial"/>
-              <a:cs typeface="Arial"/>
-              <a:sym typeface="Arial"/>
-            </a:endParaRPr>
-          </a:p>
-        </p:txBody>
-      </p:sp>
-      <p:sp>
-        <p:nvSpPr>
-          <p:cNvPr id="406" name="Google Shape;406;p6"/>
-          <p:cNvSpPr txBox="1"/>
-          <p:nvPr/>
-        </p:nvSpPr>
-        <p:spPr>
-          <a:xfrm>
-            <a:off x="19464196" y="8476077"/>
-            <a:ext cx="2261736" cy="584775"/>
-          </a:xfrm>
-          <a:prstGeom prst="rect">
-            <a:avLst/>
-          </a:prstGeom>
-          <a:noFill/>
-          <a:ln>
-            <a:noFill/>
-          </a:ln>
-        </p:spPr>
-        <p:txBody>
-          <a:bodyPr spcFirstLastPara="1" wrap="square" lIns="91425" tIns="45700" rIns="91425" bIns="45700" anchor="t" anchorCtr="0">
-            <a:spAutoFit/>
-          </a:bodyPr>
-          <a:lstStyle/>
-          <a:p>
-            <a:pPr marL="0" marR="0" lvl="0" indent="0" algn="ctr" rtl="0">
-              <a:lnSpc>
-                <a:spcPct val="100000"/>
-              </a:lnSpc>
-              <a:spcBef>
-                <a:spcPts val="0"/>
-              </a:spcBef>
-              <a:spcAft>
-                <a:spcPts val="0"/>
-              </a:spcAft>
-              <a:buClr>
-                <a:srgbClr val="000000"/>
-              </a:buClr>
-              <a:buSzPts val="3200"/>
-              <a:buFont typeface="Arial"/>
-              <a:buNone/>
-            </a:pPr>
-            <a:r>
-              <a:rPr lang="en-US" sz="3200" b="0" i="0" u="none" strike="noStrike" cap="none">
-                <a:solidFill>
-                  <a:schemeClr val="lt1"/>
-                </a:solidFill>
-                <a:latin typeface="Aharoni"/>
-                <a:ea typeface="Aharoni"/>
-                <a:cs typeface="Aharoni"/>
-                <a:sym typeface="Aharoni"/>
-              </a:rPr>
-              <a:t>Abdomen</a:t>
-            </a:r>
-            <a:endParaRPr sz="1400" b="0" i="0" u="none" strike="noStrike" cap="none">
-              <a:solidFill>
-                <a:srgbClr val="000000"/>
-              </a:solidFill>
-              <a:latin typeface="Arial"/>
-              <a:ea typeface="Arial"/>
-              <a:cs typeface="Arial"/>
-              <a:sym typeface="Arial"/>
-            </a:endParaRPr>
-          </a:p>
-        </p:txBody>
-      </p:sp>
-      <p:sp>
-        <p:nvSpPr>
-          <p:cNvPr id="407" name="Google Shape;407;p6"/>
-          <p:cNvSpPr txBox="1"/>
-          <p:nvPr/>
-        </p:nvSpPr>
-        <p:spPr>
-          <a:xfrm>
-            <a:off x="19599962" y="10527355"/>
-            <a:ext cx="2261736" cy="954107"/>
-          </a:xfrm>
-          <a:prstGeom prst="rect">
-            <a:avLst/>
-          </a:prstGeom>
-          <a:noFill/>
-          <a:ln>
-            <a:noFill/>
-          </a:ln>
-        </p:spPr>
-        <p:txBody>
-          <a:bodyPr spcFirstLastPara="1" wrap="square" lIns="91425" tIns="45700" rIns="91425" bIns="45700" anchor="t" anchorCtr="0">
-            <a:spAutoFit/>
-          </a:bodyPr>
-          <a:lstStyle/>
-          <a:p>
-            <a:pPr marL="0" marR="0" lvl="0" indent="0" algn="ctr" rtl="0">
-              <a:lnSpc>
-                <a:spcPct val="100000"/>
-              </a:lnSpc>
-              <a:spcBef>
-                <a:spcPts val="0"/>
-              </a:spcBef>
-              <a:spcAft>
-                <a:spcPts val="0"/>
-              </a:spcAft>
-              <a:buClr>
-                <a:srgbClr val="000000"/>
-              </a:buClr>
-              <a:buSzPts val="2800"/>
-              <a:buFont typeface="Arial"/>
-              <a:buNone/>
-            </a:pPr>
-            <a:r>
-              <a:rPr lang="en-US" sz="2800" b="0" i="0" u="none" strike="noStrike" cap="none">
-                <a:solidFill>
-                  <a:schemeClr val="lt1"/>
-                </a:solidFill>
-                <a:latin typeface="Aharoni"/>
-                <a:ea typeface="Aharoni"/>
-                <a:cs typeface="Aharoni"/>
-                <a:sym typeface="Aharoni"/>
-              </a:rPr>
-              <a:t>Lower Extremities</a:t>
-            </a:r>
-            <a:endParaRPr sz="1400" b="0" i="0" u="none" strike="noStrike" cap="none">
-              <a:solidFill>
-                <a:srgbClr val="000000"/>
-              </a:solidFill>
-              <a:latin typeface="Arial"/>
-              <a:ea typeface="Arial"/>
-              <a:cs typeface="Arial"/>
-              <a:sym typeface="Arial"/>
-            </a:endParaRPr>
-          </a:p>
-        </p:txBody>
-      </p:sp>
-      <p:pic>
-        <p:nvPicPr>
-          <p:cNvPr id="408" name="Google Shape;408;p6"/>
-          <p:cNvPicPr preferRelativeResize="0"/>
-          <p:nvPr/>
-        </p:nvPicPr>
-        <p:blipFill rotWithShape="1">
-          <a:blip r:embed="rId3">
-            <a:alphaModFix/>
-          </a:blip>
-          <a:srcRect/>
-          <a:stretch/>
-        </p:blipFill>
-        <p:spPr>
-          <a:xfrm>
-            <a:off x="551124" y="852339"/>
-            <a:ext cx="12719606" cy="11238335"/>
-          </a:xfrm>
-          <a:prstGeom prst="rect">
-            <a:avLst/>
-          </a:prstGeom>
-          <a:noFill/>
-          <a:ln>
-            <a:noFill/>
-          </a:ln>
-        </p:spPr>
-      </p:pic>
-    </p:spTree>
-  </p:cSld>
-  <p:clrMapOvr>
-    <a:masterClrMapping/>
-  </p:clrMapOvr>
-</p:sld>
-</file>
-
-<file path=ppt/slides/slide12.xml><?xml version="1.0" encoding="utf-8"?>
-<p:sld xmlns:a="http://schemas.openxmlformats.org/drawingml/2006/main" xmlns:r="http://schemas.openxmlformats.org/officeDocument/2006/relationships" xmlns:p="http://schemas.openxmlformats.org/presentationml/2006/main">
-  <p:cSld>
     <p:bg>
       <p:bgPr>
         <a:solidFill>
@@ -18517,7 +16629,7 @@
 </p:sld>
 </file>
 
-<file path=ppt/slides/slide13.xml><?xml version="1.0" encoding="utf-8"?>
+<file path=ppt/slides/slide11.xml><?xml version="1.0" encoding="utf-8"?>
 <p:sld xmlns:a="http://schemas.openxmlformats.org/drawingml/2006/main" xmlns:r="http://schemas.openxmlformats.org/officeDocument/2006/relationships" xmlns:p="http://schemas.openxmlformats.org/presentationml/2006/main">
   <p:cSld>
     <p:bg>
@@ -18577,7 +16689,7 @@
 </p:sld>
 </file>
 
-<file path=ppt/slides/slide14.xml><?xml version="1.0" encoding="utf-8"?>
+<file path=ppt/slides/slide12.xml><?xml version="1.0" encoding="utf-8"?>
 <p:sld xmlns:a="http://schemas.openxmlformats.org/drawingml/2006/main" xmlns:r="http://schemas.openxmlformats.org/officeDocument/2006/relationships" xmlns:p="http://schemas.openxmlformats.org/presentationml/2006/main">
   <p:cSld>
     <p:bg>
@@ -18811,7 +16923,529 @@
 </p:sld>
 </file>
 
-<file path=ppt/slides/slide15.xml><?xml version="1.0" encoding="utf-8"?>
+<file path=ppt/slides/slide13.xml><?xml version="1.0" encoding="utf-8"?>
+<p:sld xmlns:a="http://schemas.openxmlformats.org/drawingml/2006/main" xmlns:r="http://schemas.openxmlformats.org/officeDocument/2006/relationships" xmlns:p="http://schemas.openxmlformats.org/presentationml/2006/main">
+  <p:cSld>
+    <p:spTree>
+      <p:nvGrpSpPr>
+        <p:cNvPr id="1" name=""/>
+        <p:cNvGrpSpPr/>
+        <p:nvPr/>
+      </p:nvGrpSpPr>
+      <p:grpSpPr>
+        <a:xfrm>
+          <a:off x="0" y="0"/>
+          <a:ext cx="0" cy="0"/>
+          <a:chOff x="0" y="0"/>
+          <a:chExt cx="0" cy="0"/>
+        </a:xfrm>
+      </p:grpSpPr>
+      <p:sp>
+        <p:nvSpPr>
+          <p:cNvPr id="2" name="Google Shape;436;p16">
+            <a:extLst>
+              <a:ext uri="{FF2B5EF4-FFF2-40B4-BE49-F238E27FC236}">
+                <a16:creationId xmlns:a16="http://schemas.microsoft.com/office/drawing/2014/main" id="{A1AC349B-4B05-6EF6-E26F-C6C219CF2035}"/>
+              </a:ext>
+            </a:extLst>
+          </p:cNvPr>
+          <p:cNvSpPr txBox="1"/>
+          <p:nvPr/>
+        </p:nvSpPr>
+        <p:spPr>
+          <a:xfrm>
+            <a:off x="1947028" y="1837923"/>
+            <a:ext cx="10242600" cy="1108200"/>
+          </a:xfrm>
+          <a:prstGeom prst="rect">
+            <a:avLst/>
+          </a:prstGeom>
+          <a:noFill/>
+          <a:ln>
+            <a:noFill/>
+          </a:ln>
+        </p:spPr>
+        <p:txBody>
+          <a:bodyPr spcFirstLastPara="1" wrap="square" lIns="91425" tIns="45700" rIns="91425" bIns="45700" anchor="t" anchorCtr="0">
+            <a:spAutoFit/>
+          </a:bodyPr>
+          <a:lstStyle/>
+          <a:p>
+            <a:pPr marL="0" marR="0" lvl="0" indent="0" algn="l" rtl="0">
+              <a:lnSpc>
+                <a:spcPct val="100000"/>
+              </a:lnSpc>
+              <a:spcBef>
+                <a:spcPts val="0"/>
+              </a:spcBef>
+              <a:spcAft>
+                <a:spcPts val="0"/>
+              </a:spcAft>
+              <a:buClr>
+                <a:srgbClr val="000000"/>
+              </a:buClr>
+              <a:buSzPts val="6600"/>
+              <a:buFont typeface="Arial"/>
+              <a:buNone/>
+            </a:pPr>
+            <a:r>
+              <a:rPr lang="en-US" sz="6600" b="1" dirty="0">
+                <a:solidFill>
+                  <a:srgbClr val="262626"/>
+                </a:solidFill>
+                <a:latin typeface="Poppins"/>
+                <a:ea typeface="Poppins"/>
+                <a:cs typeface="Poppins"/>
+                <a:sym typeface="Poppins"/>
+              </a:rPr>
+              <a:t>Analysis </a:t>
+            </a:r>
+            <a:endParaRPr sz="6600" b="1" i="0" u="none" strike="noStrike" cap="none" dirty="0">
+              <a:solidFill>
+                <a:srgbClr val="262626"/>
+              </a:solidFill>
+              <a:latin typeface="Poppins"/>
+              <a:ea typeface="Poppins"/>
+              <a:cs typeface="Poppins"/>
+              <a:sym typeface="Poppins"/>
+            </a:endParaRPr>
+          </a:p>
+        </p:txBody>
+      </p:sp>
+      <p:sp>
+        <p:nvSpPr>
+          <p:cNvPr id="3" name="Google Shape;435;p16">
+            <a:extLst>
+              <a:ext uri="{FF2B5EF4-FFF2-40B4-BE49-F238E27FC236}">
+                <a16:creationId xmlns:a16="http://schemas.microsoft.com/office/drawing/2014/main" id="{A8987320-5F39-D099-A09E-858E7DC38B2B}"/>
+              </a:ext>
+            </a:extLst>
+          </p:cNvPr>
+          <p:cNvSpPr txBox="1"/>
+          <p:nvPr/>
+        </p:nvSpPr>
+        <p:spPr>
+          <a:xfrm>
+            <a:off x="1947028" y="1290820"/>
+            <a:ext cx="1191300" cy="400200"/>
+          </a:xfrm>
+          <a:prstGeom prst="rect">
+            <a:avLst/>
+          </a:prstGeom>
+          <a:noFill/>
+          <a:ln>
+            <a:noFill/>
+          </a:ln>
+        </p:spPr>
+        <p:txBody>
+          <a:bodyPr spcFirstLastPara="1" wrap="square" lIns="91425" tIns="45700" rIns="91425" bIns="45700" anchor="t" anchorCtr="0">
+            <a:spAutoFit/>
+          </a:bodyPr>
+          <a:lstStyle/>
+          <a:p>
+            <a:pPr marL="0" marR="0" lvl="0" indent="0" algn="l" rtl="0">
+              <a:lnSpc>
+                <a:spcPct val="100000"/>
+              </a:lnSpc>
+              <a:spcBef>
+                <a:spcPts val="0"/>
+              </a:spcBef>
+              <a:spcAft>
+                <a:spcPts val="0"/>
+              </a:spcAft>
+              <a:buClr>
+                <a:srgbClr val="000000"/>
+              </a:buClr>
+              <a:buSzPts val="2000"/>
+              <a:buFont typeface="Arial"/>
+              <a:buNone/>
+            </a:pPr>
+            <a:r>
+              <a:rPr lang="en-US" sz="2000" b="1" i="0" u="none" strike="noStrike" cap="none" dirty="0">
+                <a:solidFill>
+                  <a:srgbClr val="00A848"/>
+                </a:solidFill>
+                <a:latin typeface="Open Sans"/>
+                <a:ea typeface="Open Sans"/>
+                <a:cs typeface="Open Sans"/>
+                <a:sym typeface="Open Sans"/>
+              </a:rPr>
+              <a:t>DATA</a:t>
+            </a:r>
+            <a:endParaRPr sz="1400" b="0" i="0" u="none" strike="noStrike" cap="none" dirty="0">
+              <a:solidFill>
+                <a:srgbClr val="000000"/>
+              </a:solidFill>
+              <a:latin typeface="Arial"/>
+              <a:ea typeface="Arial"/>
+              <a:cs typeface="Arial"/>
+              <a:sym typeface="Arial"/>
+            </a:endParaRPr>
+          </a:p>
+        </p:txBody>
+      </p:sp>
+      <p:sp>
+        <p:nvSpPr>
+          <p:cNvPr id="4" name="Rectangle 1">
+            <a:extLst>
+              <a:ext uri="{FF2B5EF4-FFF2-40B4-BE49-F238E27FC236}">
+                <a16:creationId xmlns:a16="http://schemas.microsoft.com/office/drawing/2014/main" id="{C974195A-53E1-BBE7-B98C-6D6072295606}"/>
+              </a:ext>
+            </a:extLst>
+          </p:cNvPr>
+          <p:cNvSpPr>
+            <a:spLocks noChangeArrowheads="1"/>
+          </p:cNvSpPr>
+          <p:nvPr/>
+        </p:nvSpPr>
+        <p:spPr bwMode="auto">
+          <a:xfrm>
+            <a:off x="1251288" y="3356695"/>
+            <a:ext cx="20900195" cy="5273206"/>
+          </a:xfrm>
+          <a:prstGeom prst="rect">
+            <a:avLst/>
+          </a:prstGeom>
+          <a:solidFill>
+            <a:srgbClr val="F8F8F8"/>
+          </a:solidFill>
+          <a:ln>
+            <a:noFill/>
+          </a:ln>
+          <a:effectLst/>
+          <a:extLst>
+            <a:ext uri="{91240B29-F687-4F45-9708-019B960494DF}">
+              <a14:hiddenLine xmlns:a14="http://schemas.microsoft.com/office/drawing/2010/main" w="9525">
+                <a:solidFill>
+                  <a:schemeClr val="tx1"/>
+                </a:solidFill>
+                <a:miter lim="800000"/>
+                <a:headEnd/>
+                <a:tailEnd/>
+              </a14:hiddenLine>
+            </a:ext>
+            <a:ext uri="{AF507438-7753-43E0-B8FC-AC1667EBCBE1}">
+              <a14:hiddenEffects xmlns:a14="http://schemas.microsoft.com/office/drawing/2010/main">
+                <a:effectLst>
+                  <a:outerShdw dist="35921" dir="2700000" algn="ctr" rotWithShape="0">
+                    <a:schemeClr val="bg2"/>
+                  </a:outerShdw>
+                </a:effectLst>
+              </a14:hiddenEffects>
+            </a:ext>
+          </a:extLst>
+        </p:spPr>
+        <p:txBody>
+          <a:bodyPr vert="horz" wrap="square" lIns="0" tIns="50784" rIns="0" bIns="50784" numCol="1" anchor="ctr" anchorCtr="0" compatLnSpc="1">
+            <a:prstTxWarp prst="textNoShape">
+              <a:avLst/>
+            </a:prstTxWarp>
+            <a:spAutoFit/>
+          </a:bodyPr>
+          <a:lstStyle/>
+          <a:p>
+            <a:pPr marR="0" lvl="0" algn="l" defTabSz="914400" rtl="0" eaLnBrk="0" fontAlgn="base" latinLnBrk="0" hangingPunct="0">
+              <a:lnSpc>
+                <a:spcPct val="100000"/>
+              </a:lnSpc>
+              <a:spcBef>
+                <a:spcPct val="0"/>
+              </a:spcBef>
+              <a:spcAft>
+                <a:spcPct val="0"/>
+              </a:spcAft>
+              <a:buClrTx/>
+              <a:buSzTx/>
+              <a:tabLst/>
+            </a:pPr>
+            <a:r>
+              <a:rPr kumimoji="0" lang="en-US" altLang="en-US" sz="4800" b="0" i="0" u="none" strike="noStrike" cap="none" normalizeH="0" baseline="0" dirty="0">
+                <a:ln>
+                  <a:noFill/>
+                </a:ln>
+                <a:solidFill>
+                  <a:srgbClr val="1D1C1D"/>
+                </a:solidFill>
+                <a:effectLst/>
+                <a:latin typeface="Slack-Lato"/>
+              </a:rPr>
+              <a:t>Two sample </a:t>
+            </a:r>
+            <a:r>
+              <a:rPr kumimoji="0" lang="en-US" altLang="en-US" sz="4800" b="0" i="0" u="none" strike="noStrike" cap="none" normalizeH="0" baseline="0" dirty="0" err="1">
+                <a:ln>
+                  <a:noFill/>
+                </a:ln>
+                <a:solidFill>
+                  <a:srgbClr val="1D1C1D"/>
+                </a:solidFill>
+                <a:effectLst/>
+                <a:latin typeface="Slack-Lato"/>
+              </a:rPr>
+              <a:t>Ttest</a:t>
+            </a:r>
+            <a:r>
+              <a:rPr kumimoji="0" lang="en-US" altLang="en-US" sz="4800" b="0" i="0" u="none" strike="noStrike" cap="none" normalizeH="0" baseline="0" dirty="0">
+                <a:ln>
+                  <a:noFill/>
+                </a:ln>
+                <a:solidFill>
+                  <a:srgbClr val="1D1C1D"/>
+                </a:solidFill>
+                <a:effectLst/>
+                <a:latin typeface="Monaco"/>
+              </a:rPr>
+              <a:t>	</a:t>
+            </a:r>
+          </a:p>
+          <a:p>
+            <a:pPr marR="0" lvl="0" algn="l" defTabSz="914400" rtl="0" eaLnBrk="0" fontAlgn="base" latinLnBrk="0" hangingPunct="0">
+              <a:lnSpc>
+                <a:spcPct val="100000"/>
+              </a:lnSpc>
+              <a:spcBef>
+                <a:spcPct val="0"/>
+              </a:spcBef>
+              <a:spcAft>
+                <a:spcPct val="0"/>
+              </a:spcAft>
+              <a:buClrTx/>
+              <a:buSzTx/>
+              <a:tabLst/>
+            </a:pPr>
+            <a:endParaRPr kumimoji="0" lang="en-US" altLang="en-US" sz="4800" b="0" i="0" u="none" strike="noStrike" cap="none" normalizeH="0" baseline="0" dirty="0">
+              <a:ln>
+                <a:noFill/>
+              </a:ln>
+              <a:solidFill>
+                <a:srgbClr val="1D1C1D"/>
+              </a:solidFill>
+              <a:effectLst/>
+              <a:latin typeface="Monaco"/>
+            </a:endParaRPr>
+          </a:p>
+          <a:p>
+            <a:pPr marL="685800" lvl="8" indent="-685800" eaLnBrk="0" fontAlgn="base" hangingPunct="0">
+              <a:spcBef>
+                <a:spcPct val="0"/>
+              </a:spcBef>
+              <a:spcAft>
+                <a:spcPct val="0"/>
+              </a:spcAft>
+              <a:buClrTx/>
+              <a:buFont typeface="Arial" panose="020B0604020202020204" pitchFamily="34" charset="0"/>
+              <a:buChar char="•"/>
+            </a:pPr>
+            <a:r>
+              <a:rPr kumimoji="0" lang="en-US" altLang="en-US" sz="4800" b="0" i="0" u="none" strike="noStrike" cap="none" normalizeH="0" baseline="0" dirty="0" err="1">
+                <a:ln>
+                  <a:noFill/>
+                </a:ln>
+                <a:solidFill>
+                  <a:srgbClr val="1D1C1D"/>
+                </a:solidFill>
+                <a:effectLst/>
+                <a:latin typeface="Monaco"/>
+              </a:rPr>
+              <a:t>Ttest_indResult</a:t>
+            </a:r>
+            <a:r>
+              <a:rPr kumimoji="0" lang="en-US" altLang="en-US" sz="4800" b="0" i="0" u="none" strike="noStrike" cap="none" normalizeH="0" baseline="0" dirty="0">
+                <a:ln>
+                  <a:noFill/>
+                </a:ln>
+                <a:solidFill>
+                  <a:srgbClr val="1D1C1D"/>
+                </a:solidFill>
+                <a:effectLst/>
+                <a:latin typeface="Monaco"/>
+              </a:rPr>
+              <a:t>(statistic=-17.193764700361324, </a:t>
+            </a:r>
+            <a:r>
+              <a:rPr kumimoji="0" lang="en-US" altLang="en-US" sz="4800" b="0" i="0" u="none" strike="noStrike" cap="none" normalizeH="0" baseline="0" dirty="0" err="1">
+                <a:ln>
+                  <a:noFill/>
+                </a:ln>
+                <a:solidFill>
+                  <a:srgbClr val="1D1C1D"/>
+                </a:solidFill>
+                <a:effectLst/>
+                <a:latin typeface="Monaco"/>
+              </a:rPr>
+              <a:t>pvalue</a:t>
+            </a:r>
+            <a:r>
+              <a:rPr kumimoji="0" lang="en-US" altLang="en-US" sz="4800" b="0" i="0" u="none" strike="noStrike" cap="none" normalizeH="0" baseline="0" dirty="0">
+                <a:ln>
+                  <a:noFill/>
+                </a:ln>
+                <a:solidFill>
+                  <a:srgbClr val="1D1C1D"/>
+                </a:solidFill>
+                <a:effectLst/>
+                <a:latin typeface="Monaco"/>
+              </a:rPr>
+              <a:t>=2.7815122909914204e-65) </a:t>
+            </a:r>
+          </a:p>
+          <a:p>
+            <a:pPr marL="685800" lvl="8" indent="-685800" eaLnBrk="0" fontAlgn="base" hangingPunct="0">
+              <a:spcBef>
+                <a:spcPct val="0"/>
+              </a:spcBef>
+              <a:spcAft>
+                <a:spcPct val="0"/>
+              </a:spcAft>
+              <a:buClrTx/>
+              <a:buFont typeface="Arial" panose="020B0604020202020204" pitchFamily="34" charset="0"/>
+              <a:buChar char="•"/>
+            </a:pPr>
+            <a:endParaRPr lang="en-US" altLang="en-US" sz="4800" dirty="0">
+              <a:solidFill>
+                <a:srgbClr val="1D1C1D"/>
+              </a:solidFill>
+              <a:latin typeface="Monaco"/>
+            </a:endParaRPr>
+          </a:p>
+          <a:p>
+            <a:pPr lvl="8" eaLnBrk="0" fontAlgn="base" hangingPunct="0">
+              <a:spcBef>
+                <a:spcPct val="0"/>
+              </a:spcBef>
+              <a:spcAft>
+                <a:spcPct val="0"/>
+              </a:spcAft>
+              <a:buClrTx/>
+            </a:pPr>
+            <a:r>
+              <a:rPr lang="en-US" altLang="en-US" sz="4800" dirty="0">
+                <a:solidFill>
+                  <a:srgbClr val="1D1C1D"/>
+                </a:solidFill>
+                <a:latin typeface="Monaco"/>
+              </a:rPr>
+              <a:t>ANOVA</a:t>
+            </a:r>
+            <a:endParaRPr kumimoji="0" lang="en-US" altLang="en-US" sz="4800" b="0" i="0" u="none" strike="noStrike" cap="none" normalizeH="0" baseline="0" dirty="0">
+              <a:ln>
+                <a:noFill/>
+              </a:ln>
+              <a:solidFill>
+                <a:srgbClr val="1D1C1D"/>
+              </a:solidFill>
+              <a:effectLst/>
+              <a:latin typeface="Monaco"/>
+            </a:endParaRPr>
+          </a:p>
+          <a:p>
+            <a:pPr marL="685800" marR="0" lvl="0" indent="-685800" algn="l" defTabSz="914400" rtl="0" eaLnBrk="0" fontAlgn="base" latinLnBrk="0" hangingPunct="0">
+              <a:lnSpc>
+                <a:spcPct val="100000"/>
+              </a:lnSpc>
+              <a:spcBef>
+                <a:spcPct val="0"/>
+              </a:spcBef>
+              <a:spcAft>
+                <a:spcPct val="0"/>
+              </a:spcAft>
+              <a:buClrTx/>
+              <a:buSzTx/>
+              <a:buFont typeface="Arial" panose="020B0604020202020204" pitchFamily="34" charset="0"/>
+              <a:buChar char="•"/>
+              <a:tabLst/>
+            </a:pPr>
+            <a:r>
+              <a:rPr kumimoji="0" lang="en-US" altLang="en-US" sz="4800" b="0" i="0" u="none" strike="noStrike" cap="none" normalizeH="0" baseline="0" dirty="0" err="1">
+                <a:ln>
+                  <a:noFill/>
+                </a:ln>
+                <a:solidFill>
+                  <a:srgbClr val="1D1C1D"/>
+                </a:solidFill>
+                <a:effectLst/>
+                <a:latin typeface="Monaco"/>
+              </a:rPr>
+              <a:t>F_onewayResult</a:t>
+            </a:r>
+            <a:r>
+              <a:rPr kumimoji="0" lang="en-US" altLang="en-US" sz="4800" b="0" i="0" u="none" strike="noStrike" cap="none" normalizeH="0" baseline="0" dirty="0">
+                <a:ln>
+                  <a:noFill/>
+                </a:ln>
+                <a:solidFill>
+                  <a:srgbClr val="1D1C1D"/>
+                </a:solidFill>
+                <a:effectLst/>
+                <a:latin typeface="Monaco"/>
+              </a:rPr>
+              <a:t>(statistic=4.147250583600046, </a:t>
+            </a:r>
+            <a:r>
+              <a:rPr kumimoji="0" lang="en-US" altLang="en-US" sz="4800" b="0" i="0" u="none" strike="noStrike" cap="none" normalizeH="0" baseline="0" dirty="0" err="1">
+                <a:ln>
+                  <a:noFill/>
+                </a:ln>
+                <a:solidFill>
+                  <a:srgbClr val="1D1C1D"/>
+                </a:solidFill>
+                <a:effectLst/>
+                <a:latin typeface="Monaco"/>
+              </a:rPr>
+              <a:t>pvalue</a:t>
+            </a:r>
+            <a:r>
+              <a:rPr kumimoji="0" lang="en-US" altLang="en-US" sz="4800" b="0" i="0" u="none" strike="noStrike" cap="none" normalizeH="0" baseline="0" dirty="0">
+                <a:ln>
+                  <a:noFill/>
+                </a:ln>
+                <a:solidFill>
+                  <a:srgbClr val="1D1C1D"/>
+                </a:solidFill>
+                <a:effectLst/>
+                <a:latin typeface="Monaco"/>
+              </a:rPr>
+              <a:t>=0.056312442620665655)</a:t>
+            </a:r>
+            <a:r>
+              <a:rPr kumimoji="0" lang="en-US" altLang="en-US" sz="4800" b="0" i="0" u="none" strike="noStrike" cap="none" normalizeH="0" baseline="0" dirty="0">
+                <a:ln>
+                  <a:noFill/>
+                </a:ln>
+                <a:solidFill>
+                  <a:schemeClr val="tx1"/>
+                </a:solidFill>
+                <a:effectLst/>
+              </a:rPr>
+              <a:t> </a:t>
+            </a:r>
+            <a:endParaRPr kumimoji="0" lang="en-US" altLang="en-US" sz="4800" b="0" i="0" u="none" strike="noStrike" cap="none" normalizeH="0" baseline="0" dirty="0">
+              <a:ln>
+                <a:noFill/>
+              </a:ln>
+              <a:solidFill>
+                <a:schemeClr val="tx1"/>
+              </a:solidFill>
+              <a:effectLst/>
+              <a:latin typeface="Arial" panose="020B0604020202020204" pitchFamily="34" charset="0"/>
+            </a:endParaRPr>
+          </a:p>
+        </p:txBody>
+      </p:sp>
+    </p:spTree>
+    <p:extLst>
+      <p:ext uri="{BB962C8B-B14F-4D97-AF65-F5344CB8AC3E}">
+        <p14:creationId xmlns:p14="http://schemas.microsoft.com/office/powerpoint/2010/main" val="1780379651"/>
+      </p:ext>
+    </p:extLst>
+  </p:cSld>
+  <p:clrMapOvr>
+    <a:masterClrMapping/>
+  </p:clrMapOvr>
+</p:sld>
+</file>
+
+<file path=ppt/slides/slide14.xml><?xml version="1.0" encoding="utf-8"?>
 <p:sld xmlns:a="http://schemas.openxmlformats.org/drawingml/2006/main" xmlns:r="http://schemas.openxmlformats.org/officeDocument/2006/relationships" xmlns:p="http://schemas.openxmlformats.org/presentationml/2006/main">
   <p:cSld>
     <p:spTree>
@@ -19004,14 +17638,14 @@
               <a:buChar char="●"/>
             </a:pPr>
             <a:r>
-              <a:rPr lang="en-US" sz="4800">
+              <a:rPr lang="en-US" sz="4800" dirty="0">
                 <a:solidFill>
                   <a:schemeClr val="dk1"/>
                 </a:solidFill>
               </a:rPr>
               <a:t>We found that age is not a true determinant in skin cancer. </a:t>
             </a:r>
-            <a:endParaRPr sz="4800">
+            <a:endParaRPr sz="4800" dirty="0">
               <a:solidFill>
                 <a:schemeClr val="dk1"/>
               </a:solidFill>
@@ -19030,7 +17664,7 @@
               </a:spcAft>
               <a:buNone/>
             </a:pPr>
-            <a:endParaRPr sz="4800">
+            <a:endParaRPr sz="4800" dirty="0">
               <a:solidFill>
                 <a:schemeClr val="dk1"/>
               </a:solidFill>
@@ -19054,14 +17688,14 @@
               <a:buChar char="●"/>
             </a:pPr>
             <a:r>
-              <a:rPr lang="en-US" sz="4800">
+              <a:rPr lang="en-US" sz="4800" dirty="0">
                 <a:solidFill>
                   <a:schemeClr val="dk1"/>
                 </a:solidFill>
               </a:rPr>
               <a:t>The most common type of skin cancer among any age group was Melanocytic nevi in both male and female. </a:t>
             </a:r>
-            <a:endParaRPr sz="4800">
+            <a:endParaRPr sz="4800" dirty="0">
               <a:solidFill>
                 <a:schemeClr val="dk1"/>
               </a:solidFill>
@@ -19080,7 +17714,7 @@
               </a:spcAft>
               <a:buNone/>
             </a:pPr>
-            <a:endParaRPr sz="4800">
+            <a:endParaRPr sz="4800" dirty="0">
               <a:solidFill>
                 <a:schemeClr val="dk1"/>
               </a:solidFill>
@@ -19104,21 +17738,21 @@
               <a:buChar char="●"/>
             </a:pPr>
             <a:r>
-              <a:rPr lang="en-US" sz="4800">
+              <a:rPr lang="en-US" sz="4800" dirty="0">
                 <a:solidFill>
                   <a:schemeClr val="dk1"/>
                 </a:solidFill>
               </a:rPr>
               <a:t>The more dominant location for skin cancer in the Back of the body followed very closely by the lower extremities.  </a:t>
             </a:r>
-            <a:endParaRPr sz="4800">
+            <a:endParaRPr sz="4800" dirty="0">
               <a:solidFill>
                 <a:schemeClr val="dk1"/>
               </a:solidFill>
             </a:endParaRPr>
           </a:p>
           <a:p>
-            <a:pPr marL="457200" lvl="0" indent="-533400" algn="l" rtl="0">
+            <a:pPr lvl="0" algn="l" rtl="0">
               <a:lnSpc>
                 <a:spcPct val="115000"/>
               </a:lnSpc>
@@ -19132,17 +17766,8 @@
                 <a:schemeClr val="dk1"/>
               </a:buClr>
               <a:buSzPts val="4800"/>
-              <a:buChar char="●"/>
             </a:pPr>
-            <a:r>
-              <a:rPr lang="en-US" sz="4800">
-                <a:solidFill>
-                  <a:schemeClr val="dk1"/>
-                </a:solidFill>
-              </a:rPr>
-              <a:t>women ……</a:t>
-            </a:r>
-            <a:endParaRPr sz="4800">
+            <a:endParaRPr sz="4800" dirty="0">
               <a:solidFill>
                 <a:schemeClr val="dk1"/>
               </a:solidFill>
@@ -19166,7 +17791,7 @@
               <a:buFont typeface="Arial"/>
               <a:buNone/>
             </a:pPr>
-            <a:endParaRPr sz="6000" b="1">
+            <a:endParaRPr sz="6000" b="1" dirty="0">
               <a:solidFill>
                 <a:srgbClr val="262626"/>
               </a:solidFill>
@@ -19221,7 +17846,7 @@
               <a:buNone/>
             </a:pPr>
             <a:r>
-              <a:rPr lang="en-US" sz="2000" b="1" i="0" u="none" strike="noStrike" cap="none">
+              <a:rPr lang="en-US" sz="2000" b="1" i="0" u="none" strike="noStrike" cap="none" dirty="0">
                 <a:solidFill>
                   <a:srgbClr val="00A848"/>
                 </a:solidFill>
@@ -19232,7 +17857,7 @@
               </a:rPr>
               <a:t>Final</a:t>
             </a:r>
-            <a:endParaRPr sz="1400" b="0" i="0" u="none" strike="noStrike" cap="none">
+            <a:endParaRPr sz="1400" b="0" i="0" u="none" strike="noStrike" cap="none" dirty="0">
               <a:solidFill>
                 <a:srgbClr val="000000"/>
               </a:solidFill>
@@ -19287,7 +17912,7 @@
               <a:buNone/>
             </a:pPr>
             <a:r>
-              <a:rPr lang="en-US" sz="6600" b="1">
+              <a:rPr lang="en-US" sz="6600" b="1" dirty="0">
                 <a:solidFill>
                   <a:srgbClr val="262626"/>
                 </a:solidFill>
@@ -19298,7 +17923,7 @@
               </a:rPr>
               <a:t>Summary</a:t>
             </a:r>
-            <a:endParaRPr sz="6600" b="1" i="0" u="none" strike="noStrike" cap="none">
+            <a:endParaRPr sz="6600" b="1" i="0" u="none" strike="noStrike" cap="none" dirty="0">
               <a:solidFill>
                 <a:srgbClr val="262626"/>
               </a:solidFill>
@@ -19318,7 +17943,7 @@
 </p:sld>
 </file>
 
-<file path=ppt/slides/slide16.xml><?xml version="1.0" encoding="utf-8"?>
+<file path=ppt/slides/slide15.xml><?xml version="1.0" encoding="utf-8"?>
 <p:sld xmlns:a="http://schemas.openxmlformats.org/drawingml/2006/main" xmlns:r="http://schemas.openxmlformats.org/officeDocument/2006/relationships" xmlns:p="http://schemas.openxmlformats.org/presentationml/2006/main">
   <p:cSld>
     <p:spTree>
@@ -28588,7 +27213,7 @@
               <a:buNone/>
             </a:pPr>
             <a:r>
-              <a:rPr lang="en-US" sz="5599" b="0" i="0" u="none" strike="noStrike" cap="none">
+              <a:rPr lang="en-US" sz="5599" b="0" i="0" u="none" strike="noStrike" cap="none" dirty="0">
                 <a:solidFill>
                   <a:schemeClr val="dk1"/>
                 </a:solidFill>
@@ -28597,9 +27222,9 @@
                 <a:cs typeface="Calibri"/>
                 <a:sym typeface="Calibri"/>
               </a:rPr>
-              <a:t>There is a direct  relationship between the sex of a patient and the age at which they are diagnosed with skin cancer.</a:t>
+              <a:t>There is a relationship between the sex of a patient and the age at which they are diagnosed with skin cancer.</a:t>
             </a:r>
-            <a:endParaRPr sz="1400" b="0" i="0" u="none" strike="noStrike" cap="none">
+            <a:endParaRPr sz="1400" b="0" i="0" u="none" strike="noStrike" cap="none" dirty="0">
               <a:solidFill>
                 <a:srgbClr val="000000"/>
               </a:solidFill>
@@ -29251,7 +27876,7 @@
   <p:cSld>
     <p:spTree>
       <p:nvGrpSpPr>
-        <p:cNvPr id="1" name="Shape 340"/>
+        <p:cNvPr id="1" name="Shape 368"/>
         <p:cNvGrpSpPr/>
         <p:nvPr/>
       </p:nvGrpSpPr>
@@ -29263,68 +27888,53 @@
           <a:chExt cx="0" cy="0"/>
         </a:xfrm>
       </p:grpSpPr>
-      <p:sp>
-        <p:nvSpPr>
-          <p:cNvPr id="341" name="Google Shape;341;g11b9ec167ea_0_10"/>
-          <p:cNvSpPr>
-            <a:spLocks noGrp="1"/>
-          </p:cNvSpPr>
-          <p:nvPr>
-            <p:ph type="pic" idx="2"/>
-          </p:nvPr>
-        </p:nvSpPr>
-        <p:spPr>
+      <p:pic>
+        <p:nvPicPr>
+          <p:cNvPr id="1026" name="Picture 2">
+            <a:extLst>
+              <a:ext uri="{FF2B5EF4-FFF2-40B4-BE49-F238E27FC236}">
+                <a16:creationId xmlns:a16="http://schemas.microsoft.com/office/drawing/2014/main" id="{A6761620-6C80-44D4-A2AF-B6B4A621B0A4}"/>
+              </a:ext>
+            </a:extLst>
+          </p:cNvPr>
+          <p:cNvPicPr>
+            <a:picLocks noChangeAspect="1" noChangeArrowheads="1"/>
+          </p:cNvPicPr>
+          <p:nvPr/>
+        </p:nvPicPr>
+        <p:blipFill>
+          <a:blip r:embed="rId3">
+            <a:extLst>
+              <a:ext uri="{28A0092B-C50C-407E-A947-70E740481C1C}">
+                <a14:useLocalDpi xmlns:a14="http://schemas.microsoft.com/office/drawing/2010/main" val="0"/>
+              </a:ext>
+            </a:extLst>
+          </a:blip>
+          <a:srcRect/>
+          <a:stretch>
+            <a:fillRect/>
+          </a:stretch>
+        </p:blipFill>
+        <p:spPr bwMode="auto">
           <a:xfrm>
-            <a:off x="498362" y="444137"/>
-            <a:ext cx="23382600" cy="12827700"/>
-          </a:xfrm>
-          <a:prstGeom prst="rect">
-            <a:avLst/>
-          </a:prstGeom>
-        </p:spPr>
-      </p:sp>
-      <p:sp>
-        <p:nvSpPr>
-          <p:cNvPr id="342" name="Google Shape;342;g11b9ec167ea_0_10"/>
-          <p:cNvSpPr txBox="1"/>
-          <p:nvPr/>
-        </p:nvSpPr>
-        <p:spPr>
-          <a:xfrm>
-            <a:off x="1572200" y="1951675"/>
-            <a:ext cx="14420700" cy="646500"/>
+            <a:off x="2645230" y="444971"/>
+            <a:ext cx="19554126" cy="13271029"/>
           </a:xfrm>
           <a:prstGeom prst="rect">
             <a:avLst/>
           </a:prstGeom>
           <a:noFill/>
-          <a:ln>
-            <a:noFill/>
-          </a:ln>
+          <a:extLst>
+            <a:ext uri="{909E8E84-426E-40DD-AFC4-6F175D3DCCD1}">
+              <a14:hiddenFill xmlns:a14="http://schemas.microsoft.com/office/drawing/2010/main">
+                <a:solidFill>
+                  <a:srgbClr val="FFFFFF"/>
+                </a:solidFill>
+              </a14:hiddenFill>
+            </a:ext>
+          </a:extLst>
         </p:spPr>
-        <p:txBody>
-          <a:bodyPr spcFirstLastPara="1" wrap="square" lIns="91425" tIns="91425" rIns="91425" bIns="91425" anchor="t" anchorCtr="0">
-            <a:spAutoFit/>
-          </a:bodyPr>
-          <a:lstStyle/>
-          <a:p>
-            <a:pPr marL="0" lvl="0" indent="0" algn="l" rtl="0">
-              <a:spcBef>
-                <a:spcPts val="0"/>
-              </a:spcBef>
-              <a:spcAft>
-                <a:spcPts val="0"/>
-              </a:spcAft>
-              <a:buNone/>
-            </a:pPr>
-            <a:r>
-              <a:rPr lang="en-US" sz="3000"/>
-              <a:t>Null and Alternative chart </a:t>
-            </a:r>
-            <a:endParaRPr sz="3000"/>
-          </a:p>
-        </p:txBody>
-      </p:sp>
+      </p:pic>
     </p:spTree>
   </p:cSld>
   <p:clrMapOvr>
@@ -29639,17 +28249,9 @@
 <file path=ppt/slides/slide9.xml><?xml version="1.0" encoding="utf-8"?>
 <p:sld xmlns:a="http://schemas.openxmlformats.org/drawingml/2006/main" xmlns:r="http://schemas.openxmlformats.org/officeDocument/2006/relationships" xmlns:p="http://schemas.openxmlformats.org/presentationml/2006/main">
   <p:cSld>
-    <p:bg>
-      <p:bgPr>
-        <a:solidFill>
-          <a:schemeClr val="lt1"/>
-        </a:solidFill>
-        <a:effectLst/>
-      </p:bgPr>
-    </p:bg>
     <p:spTree>
       <p:nvGrpSpPr>
-        <p:cNvPr id="1" name="Shape 361"/>
+        <p:cNvPr id="1" name="Shape 374"/>
         <p:cNvGrpSpPr/>
         <p:nvPr/>
       </p:nvGrpSpPr>
@@ -29661,45 +28263,1583 @@
           <a:chExt cx="0" cy="0"/>
         </a:xfrm>
       </p:grpSpPr>
+      <p:grpSp>
+        <p:nvGrpSpPr>
+          <p:cNvPr id="375" name="Google Shape;375;p6"/>
+          <p:cNvGrpSpPr/>
+          <p:nvPr/>
+        </p:nvGrpSpPr>
+        <p:grpSpPr>
+          <a:xfrm>
+            <a:off x="14204190" y="1688356"/>
+            <a:ext cx="7846639" cy="10339287"/>
+            <a:chOff x="5441332" y="989296"/>
+            <a:chExt cx="4055686" cy="5344059"/>
+          </a:xfrm>
+        </p:grpSpPr>
+        <p:sp>
+          <p:nvSpPr>
+            <p:cNvPr id="376" name="Google Shape;376;p6"/>
+            <p:cNvSpPr/>
+            <p:nvPr/>
+          </p:nvSpPr>
+          <p:spPr>
+            <a:xfrm>
+              <a:off x="5441332" y="989296"/>
+              <a:ext cx="1784911" cy="5344059"/>
+            </a:xfrm>
+            <a:custGeom>
+              <a:avLst/>
+              <a:gdLst/>
+              <a:ahLst/>
+              <a:cxnLst/>
+              <a:rect l="l" t="t" r="r" b="b"/>
+              <a:pathLst>
+                <a:path w="282" h="845" extrusionOk="0">
+                  <a:moveTo>
+                    <a:pt x="282" y="441"/>
+                  </a:moveTo>
+                  <a:cubicBezTo>
+                    <a:pt x="282" y="445"/>
+                    <a:pt x="278" y="455"/>
+                    <a:pt x="277" y="461"/>
+                  </a:cubicBezTo>
+                  <a:cubicBezTo>
+                    <a:pt x="276" y="467"/>
+                    <a:pt x="274" y="472"/>
+                    <a:pt x="273" y="473"/>
+                  </a:cubicBezTo>
+                  <a:cubicBezTo>
+                    <a:pt x="272" y="475"/>
+                    <a:pt x="259" y="488"/>
+                    <a:pt x="256" y="493"/>
+                  </a:cubicBezTo>
+                  <a:cubicBezTo>
+                    <a:pt x="252" y="497"/>
+                    <a:pt x="252" y="492"/>
+                    <a:pt x="252" y="489"/>
+                  </a:cubicBezTo>
+                  <a:cubicBezTo>
+                    <a:pt x="252" y="486"/>
+                    <a:pt x="260" y="473"/>
+                    <a:pt x="260" y="472"/>
+                  </a:cubicBezTo>
+                  <a:cubicBezTo>
+                    <a:pt x="261" y="470"/>
+                    <a:pt x="262" y="463"/>
+                    <a:pt x="261" y="460"/>
+                  </a:cubicBezTo>
+                  <a:cubicBezTo>
+                    <a:pt x="261" y="458"/>
+                    <a:pt x="259" y="452"/>
+                    <a:pt x="259" y="452"/>
+                  </a:cubicBezTo>
+                  <a:cubicBezTo>
+                    <a:pt x="259" y="452"/>
+                    <a:pt x="254" y="462"/>
+                    <a:pt x="254" y="464"/>
+                  </a:cubicBezTo>
+                  <a:cubicBezTo>
+                    <a:pt x="254" y="465"/>
+                    <a:pt x="253" y="477"/>
+                    <a:pt x="250" y="479"/>
+                  </a:cubicBezTo>
+                  <a:cubicBezTo>
+                    <a:pt x="246" y="482"/>
+                    <a:pt x="246" y="479"/>
+                    <a:pt x="246" y="475"/>
+                  </a:cubicBezTo>
+                  <a:cubicBezTo>
+                    <a:pt x="246" y="470"/>
+                    <a:pt x="245" y="463"/>
+                    <a:pt x="246" y="460"/>
+                  </a:cubicBezTo>
+                  <a:cubicBezTo>
+                    <a:pt x="247" y="458"/>
+                    <a:pt x="248" y="445"/>
+                    <a:pt x="248" y="442"/>
+                  </a:cubicBezTo>
+                  <a:cubicBezTo>
+                    <a:pt x="248" y="438"/>
+                    <a:pt x="257" y="416"/>
+                    <a:pt x="257" y="414"/>
+                  </a:cubicBezTo>
+                  <a:cubicBezTo>
+                    <a:pt x="257" y="412"/>
+                    <a:pt x="249" y="375"/>
+                    <a:pt x="241" y="358"/>
+                  </a:cubicBezTo>
+                  <a:cubicBezTo>
+                    <a:pt x="234" y="342"/>
+                    <a:pt x="231" y="327"/>
+                    <a:pt x="231" y="314"/>
+                  </a:cubicBezTo>
+                  <a:cubicBezTo>
+                    <a:pt x="231" y="300"/>
+                    <a:pt x="231" y="295"/>
+                    <a:pt x="230" y="294"/>
+                  </a:cubicBezTo>
+                  <a:cubicBezTo>
+                    <a:pt x="230" y="292"/>
+                    <a:pt x="224" y="273"/>
+                    <a:pt x="221" y="264"/>
+                  </a:cubicBezTo>
+                  <a:cubicBezTo>
+                    <a:pt x="219" y="255"/>
+                    <a:pt x="215" y="239"/>
+                    <a:pt x="215" y="239"/>
+                  </a:cubicBezTo>
+                  <a:cubicBezTo>
+                    <a:pt x="215" y="239"/>
+                    <a:pt x="206" y="273"/>
+                    <a:pt x="204" y="282"/>
+                  </a:cubicBezTo>
+                  <a:cubicBezTo>
+                    <a:pt x="201" y="290"/>
+                    <a:pt x="200" y="305"/>
+                    <a:pt x="200" y="313"/>
+                  </a:cubicBezTo>
+                  <a:cubicBezTo>
+                    <a:pt x="200" y="321"/>
+                    <a:pt x="200" y="345"/>
+                    <a:pt x="201" y="350"/>
+                  </a:cubicBezTo>
+                  <a:cubicBezTo>
+                    <a:pt x="201" y="355"/>
+                    <a:pt x="206" y="373"/>
+                    <a:pt x="207" y="378"/>
+                  </a:cubicBezTo>
+                  <a:cubicBezTo>
+                    <a:pt x="209" y="383"/>
+                    <a:pt x="216" y="421"/>
+                    <a:pt x="217" y="435"/>
+                  </a:cubicBezTo>
+                  <a:cubicBezTo>
+                    <a:pt x="218" y="449"/>
+                    <a:pt x="222" y="484"/>
+                    <a:pt x="216" y="523"/>
+                  </a:cubicBezTo>
+                  <a:cubicBezTo>
+                    <a:pt x="209" y="563"/>
+                    <a:pt x="208" y="578"/>
+                    <a:pt x="207" y="585"/>
+                  </a:cubicBezTo>
+                  <a:cubicBezTo>
+                    <a:pt x="205" y="593"/>
+                    <a:pt x="207" y="612"/>
+                    <a:pt x="206" y="618"/>
+                  </a:cubicBezTo>
+                  <a:cubicBezTo>
+                    <a:pt x="206" y="625"/>
+                    <a:pt x="207" y="642"/>
+                    <a:pt x="211" y="661"/>
+                  </a:cubicBezTo>
+                  <a:cubicBezTo>
+                    <a:pt x="214" y="680"/>
+                    <a:pt x="210" y="707"/>
+                    <a:pt x="206" y="728"/>
+                  </a:cubicBezTo>
+                  <a:cubicBezTo>
+                    <a:pt x="202" y="750"/>
+                    <a:pt x="196" y="776"/>
+                    <a:pt x="196" y="782"/>
+                  </a:cubicBezTo>
+                  <a:cubicBezTo>
+                    <a:pt x="196" y="788"/>
+                    <a:pt x="198" y="797"/>
+                    <a:pt x="197" y="801"/>
+                  </a:cubicBezTo>
+                  <a:cubicBezTo>
+                    <a:pt x="197" y="804"/>
+                    <a:pt x="197" y="810"/>
+                    <a:pt x="199" y="817"/>
+                  </a:cubicBezTo>
+                  <a:cubicBezTo>
+                    <a:pt x="201" y="823"/>
+                    <a:pt x="208" y="832"/>
+                    <a:pt x="208" y="833"/>
+                  </a:cubicBezTo>
+                  <a:cubicBezTo>
+                    <a:pt x="208" y="835"/>
+                    <a:pt x="206" y="838"/>
+                    <a:pt x="206" y="838"/>
+                  </a:cubicBezTo>
+                  <a:cubicBezTo>
+                    <a:pt x="206" y="838"/>
+                    <a:pt x="205" y="840"/>
+                    <a:pt x="199" y="842"/>
+                  </a:cubicBezTo>
+                  <a:cubicBezTo>
+                    <a:pt x="193" y="844"/>
+                    <a:pt x="177" y="845"/>
+                    <a:pt x="174" y="845"/>
+                  </a:cubicBezTo>
+                  <a:cubicBezTo>
+                    <a:pt x="171" y="845"/>
+                    <a:pt x="167" y="843"/>
+                    <a:pt x="167" y="843"/>
+                  </a:cubicBezTo>
+                  <a:cubicBezTo>
+                    <a:pt x="167" y="843"/>
+                    <a:pt x="161" y="843"/>
+                    <a:pt x="159" y="841"/>
+                  </a:cubicBezTo>
+                  <a:cubicBezTo>
+                    <a:pt x="157" y="839"/>
+                    <a:pt x="157" y="832"/>
+                    <a:pt x="159" y="828"/>
+                  </a:cubicBezTo>
+                  <a:cubicBezTo>
+                    <a:pt x="161" y="825"/>
+                    <a:pt x="159" y="822"/>
+                    <a:pt x="160" y="817"/>
+                  </a:cubicBezTo>
+                  <a:cubicBezTo>
+                    <a:pt x="161" y="812"/>
+                    <a:pt x="164" y="797"/>
+                    <a:pt x="164" y="794"/>
+                  </a:cubicBezTo>
+                  <a:cubicBezTo>
+                    <a:pt x="164" y="791"/>
+                    <a:pt x="163" y="784"/>
+                    <a:pt x="165" y="780"/>
+                  </a:cubicBezTo>
+                  <a:cubicBezTo>
+                    <a:pt x="166" y="777"/>
+                    <a:pt x="167" y="744"/>
+                    <a:pt x="162" y="717"/>
+                  </a:cubicBezTo>
+                  <a:cubicBezTo>
+                    <a:pt x="157" y="689"/>
+                    <a:pt x="154" y="673"/>
+                    <a:pt x="157" y="660"/>
+                  </a:cubicBezTo>
+                  <a:cubicBezTo>
+                    <a:pt x="159" y="646"/>
+                    <a:pt x="161" y="627"/>
+                    <a:pt x="161" y="623"/>
+                  </a:cubicBezTo>
+                  <a:cubicBezTo>
+                    <a:pt x="161" y="619"/>
+                    <a:pt x="158" y="603"/>
+                    <a:pt x="159" y="595"/>
+                  </a:cubicBezTo>
+                  <a:cubicBezTo>
+                    <a:pt x="159" y="586"/>
+                    <a:pt x="159" y="585"/>
+                    <a:pt x="159" y="581"/>
+                  </a:cubicBezTo>
+                  <a:cubicBezTo>
+                    <a:pt x="159" y="577"/>
+                    <a:pt x="151" y="539"/>
+                    <a:pt x="149" y="523"/>
+                  </a:cubicBezTo>
+                  <a:cubicBezTo>
+                    <a:pt x="146" y="507"/>
+                    <a:pt x="141" y="457"/>
+                    <a:pt x="141" y="457"/>
+                  </a:cubicBezTo>
+                  <a:cubicBezTo>
+                    <a:pt x="141" y="457"/>
+                    <a:pt x="137" y="507"/>
+                    <a:pt x="134" y="523"/>
+                  </a:cubicBezTo>
+                  <a:cubicBezTo>
+                    <a:pt x="131" y="539"/>
+                    <a:pt x="124" y="577"/>
+                    <a:pt x="124" y="581"/>
+                  </a:cubicBezTo>
+                  <a:cubicBezTo>
+                    <a:pt x="124" y="585"/>
+                    <a:pt x="124" y="586"/>
+                    <a:pt x="124" y="595"/>
+                  </a:cubicBezTo>
+                  <a:cubicBezTo>
+                    <a:pt x="124" y="603"/>
+                    <a:pt x="122" y="619"/>
+                    <a:pt x="121" y="623"/>
+                  </a:cubicBezTo>
+                  <a:cubicBezTo>
+                    <a:pt x="121" y="627"/>
+                    <a:pt x="124" y="646"/>
+                    <a:pt x="126" y="660"/>
+                  </a:cubicBezTo>
+                  <a:cubicBezTo>
+                    <a:pt x="128" y="673"/>
+                    <a:pt x="126" y="689"/>
+                    <a:pt x="120" y="717"/>
+                  </a:cubicBezTo>
+                  <a:cubicBezTo>
+                    <a:pt x="115" y="744"/>
+                    <a:pt x="116" y="777"/>
+                    <a:pt x="118" y="780"/>
+                  </a:cubicBezTo>
+                  <a:cubicBezTo>
+                    <a:pt x="119" y="784"/>
+                    <a:pt x="119" y="791"/>
+                    <a:pt x="119" y="794"/>
+                  </a:cubicBezTo>
+                  <a:cubicBezTo>
+                    <a:pt x="119" y="797"/>
+                    <a:pt x="121" y="812"/>
+                    <a:pt x="122" y="817"/>
+                  </a:cubicBezTo>
+                  <a:cubicBezTo>
+                    <a:pt x="123" y="822"/>
+                    <a:pt x="122" y="825"/>
+                    <a:pt x="124" y="828"/>
+                  </a:cubicBezTo>
+                  <a:cubicBezTo>
+                    <a:pt x="125" y="832"/>
+                    <a:pt x="125" y="839"/>
+                    <a:pt x="123" y="841"/>
+                  </a:cubicBezTo>
+                  <a:cubicBezTo>
+                    <a:pt x="122" y="843"/>
+                    <a:pt x="115" y="843"/>
+                    <a:pt x="115" y="843"/>
+                  </a:cubicBezTo>
+                  <a:cubicBezTo>
+                    <a:pt x="115" y="843"/>
+                    <a:pt x="111" y="845"/>
+                    <a:pt x="108" y="845"/>
+                  </a:cubicBezTo>
+                  <a:cubicBezTo>
+                    <a:pt x="105" y="845"/>
+                    <a:pt x="90" y="844"/>
+                    <a:pt x="84" y="842"/>
+                  </a:cubicBezTo>
+                  <a:cubicBezTo>
+                    <a:pt x="77" y="840"/>
+                    <a:pt x="77" y="838"/>
+                    <a:pt x="77" y="838"/>
+                  </a:cubicBezTo>
+                  <a:cubicBezTo>
+                    <a:pt x="77" y="838"/>
+                    <a:pt x="74" y="835"/>
+                    <a:pt x="74" y="833"/>
+                  </a:cubicBezTo>
+                  <a:cubicBezTo>
+                    <a:pt x="74" y="832"/>
+                    <a:pt x="82" y="823"/>
+                    <a:pt x="84" y="817"/>
+                  </a:cubicBezTo>
+                  <a:cubicBezTo>
+                    <a:pt x="86" y="810"/>
+                    <a:pt x="86" y="804"/>
+                    <a:pt x="85" y="801"/>
+                  </a:cubicBezTo>
+                  <a:cubicBezTo>
+                    <a:pt x="85" y="797"/>
+                    <a:pt x="87" y="788"/>
+                    <a:pt x="87" y="782"/>
+                  </a:cubicBezTo>
+                  <a:cubicBezTo>
+                    <a:pt x="87" y="776"/>
+                    <a:pt x="81" y="750"/>
+                    <a:pt x="77" y="728"/>
+                  </a:cubicBezTo>
+                  <a:cubicBezTo>
+                    <a:pt x="72" y="707"/>
+                    <a:pt x="69" y="680"/>
+                    <a:pt x="72" y="661"/>
+                  </a:cubicBezTo>
+                  <a:cubicBezTo>
+                    <a:pt x="75" y="642"/>
+                    <a:pt x="77" y="625"/>
+                    <a:pt x="76" y="618"/>
+                  </a:cubicBezTo>
+                  <a:cubicBezTo>
+                    <a:pt x="76" y="612"/>
+                    <a:pt x="77" y="593"/>
+                    <a:pt x="76" y="585"/>
+                  </a:cubicBezTo>
+                  <a:cubicBezTo>
+                    <a:pt x="75" y="578"/>
+                    <a:pt x="73" y="563"/>
+                    <a:pt x="67" y="523"/>
+                  </a:cubicBezTo>
+                  <a:cubicBezTo>
+                    <a:pt x="60" y="484"/>
+                    <a:pt x="65" y="449"/>
+                    <a:pt x="66" y="435"/>
+                  </a:cubicBezTo>
+                  <a:cubicBezTo>
+                    <a:pt x="67" y="421"/>
+                    <a:pt x="74" y="383"/>
+                    <a:pt x="75" y="378"/>
+                  </a:cubicBezTo>
+                  <a:cubicBezTo>
+                    <a:pt x="77" y="373"/>
+                    <a:pt x="82" y="355"/>
+                    <a:pt x="82" y="350"/>
+                  </a:cubicBezTo>
+                  <a:cubicBezTo>
+                    <a:pt x="82" y="345"/>
+                    <a:pt x="82" y="321"/>
+                    <a:pt x="82" y="313"/>
+                  </a:cubicBezTo>
+                  <a:cubicBezTo>
+                    <a:pt x="82" y="305"/>
+                    <a:pt x="81" y="290"/>
+                    <a:pt x="79" y="282"/>
+                  </a:cubicBezTo>
+                  <a:cubicBezTo>
+                    <a:pt x="76" y="273"/>
+                    <a:pt x="68" y="239"/>
+                    <a:pt x="68" y="239"/>
+                  </a:cubicBezTo>
+                  <a:cubicBezTo>
+                    <a:pt x="68" y="239"/>
+                    <a:pt x="64" y="255"/>
+                    <a:pt x="61" y="264"/>
+                  </a:cubicBezTo>
+                  <a:cubicBezTo>
+                    <a:pt x="59" y="273"/>
+                    <a:pt x="53" y="292"/>
+                    <a:pt x="52" y="294"/>
+                  </a:cubicBezTo>
+                  <a:cubicBezTo>
+                    <a:pt x="52" y="295"/>
+                    <a:pt x="51" y="300"/>
+                    <a:pt x="51" y="314"/>
+                  </a:cubicBezTo>
+                  <a:cubicBezTo>
+                    <a:pt x="51" y="327"/>
+                    <a:pt x="49" y="342"/>
+                    <a:pt x="41" y="358"/>
+                  </a:cubicBezTo>
+                  <a:cubicBezTo>
+                    <a:pt x="34" y="375"/>
+                    <a:pt x="25" y="412"/>
+                    <a:pt x="25" y="414"/>
+                  </a:cubicBezTo>
+                  <a:cubicBezTo>
+                    <a:pt x="25" y="416"/>
+                    <a:pt x="34" y="438"/>
+                    <a:pt x="34" y="442"/>
+                  </a:cubicBezTo>
+                  <a:cubicBezTo>
+                    <a:pt x="35" y="445"/>
+                    <a:pt x="35" y="458"/>
+                    <a:pt x="36" y="460"/>
+                  </a:cubicBezTo>
+                  <a:cubicBezTo>
+                    <a:pt x="37" y="463"/>
+                    <a:pt x="37" y="470"/>
+                    <a:pt x="37" y="475"/>
+                  </a:cubicBezTo>
+                  <a:cubicBezTo>
+                    <a:pt x="36" y="479"/>
+                    <a:pt x="36" y="482"/>
+                    <a:pt x="33" y="479"/>
+                  </a:cubicBezTo>
+                  <a:cubicBezTo>
+                    <a:pt x="30" y="477"/>
+                    <a:pt x="29" y="465"/>
+                    <a:pt x="29" y="464"/>
+                  </a:cubicBezTo>
+                  <a:cubicBezTo>
+                    <a:pt x="29" y="462"/>
+                    <a:pt x="24" y="452"/>
+                    <a:pt x="24" y="452"/>
+                  </a:cubicBezTo>
+                  <a:cubicBezTo>
+                    <a:pt x="24" y="452"/>
+                    <a:pt x="22" y="458"/>
+                    <a:pt x="21" y="460"/>
+                  </a:cubicBezTo>
+                  <a:cubicBezTo>
+                    <a:pt x="21" y="463"/>
+                    <a:pt x="22" y="470"/>
+                    <a:pt x="22" y="472"/>
+                  </a:cubicBezTo>
+                  <a:cubicBezTo>
+                    <a:pt x="23" y="473"/>
+                    <a:pt x="31" y="486"/>
+                    <a:pt x="31" y="489"/>
+                  </a:cubicBezTo>
+                  <a:cubicBezTo>
+                    <a:pt x="31" y="492"/>
+                    <a:pt x="30" y="497"/>
+                    <a:pt x="27" y="493"/>
+                  </a:cubicBezTo>
+                  <a:cubicBezTo>
+                    <a:pt x="23" y="488"/>
+                    <a:pt x="11" y="475"/>
+                    <a:pt x="10" y="473"/>
+                  </a:cubicBezTo>
+                  <a:cubicBezTo>
+                    <a:pt x="9" y="472"/>
+                    <a:pt x="6" y="467"/>
+                    <a:pt x="5" y="461"/>
+                  </a:cubicBezTo>
+                  <a:cubicBezTo>
+                    <a:pt x="4" y="455"/>
+                    <a:pt x="0" y="445"/>
+                    <a:pt x="0" y="441"/>
+                  </a:cubicBezTo>
+                  <a:cubicBezTo>
+                    <a:pt x="1" y="437"/>
+                    <a:pt x="2" y="416"/>
+                    <a:pt x="2" y="414"/>
+                  </a:cubicBezTo>
+                  <a:cubicBezTo>
+                    <a:pt x="2" y="411"/>
+                    <a:pt x="2" y="406"/>
+                    <a:pt x="4" y="398"/>
+                  </a:cubicBezTo>
+                  <a:cubicBezTo>
+                    <a:pt x="5" y="390"/>
+                    <a:pt x="8" y="333"/>
+                    <a:pt x="9" y="319"/>
+                  </a:cubicBezTo>
+                  <a:cubicBezTo>
+                    <a:pt x="10" y="306"/>
+                    <a:pt x="15" y="298"/>
+                    <a:pt x="18" y="290"/>
+                  </a:cubicBezTo>
+                  <a:cubicBezTo>
+                    <a:pt x="21" y="282"/>
+                    <a:pt x="24" y="277"/>
+                    <a:pt x="24" y="264"/>
+                  </a:cubicBezTo>
+                  <a:cubicBezTo>
+                    <a:pt x="25" y="250"/>
+                    <a:pt x="28" y="224"/>
+                    <a:pt x="29" y="220"/>
+                  </a:cubicBezTo>
+                  <a:cubicBezTo>
+                    <a:pt x="30" y="215"/>
+                    <a:pt x="30" y="210"/>
+                    <a:pt x="31" y="193"/>
+                  </a:cubicBezTo>
+                  <a:cubicBezTo>
+                    <a:pt x="32" y="175"/>
+                    <a:pt x="42" y="160"/>
+                    <a:pt x="49" y="154"/>
+                  </a:cubicBezTo>
+                  <a:cubicBezTo>
+                    <a:pt x="56" y="147"/>
+                    <a:pt x="69" y="146"/>
+                    <a:pt x="69" y="146"/>
+                  </a:cubicBezTo>
+                  <a:cubicBezTo>
+                    <a:pt x="69" y="146"/>
+                    <a:pt x="108" y="126"/>
+                    <a:pt x="109" y="125"/>
+                  </a:cubicBezTo>
+                  <a:cubicBezTo>
+                    <a:pt x="110" y="124"/>
+                    <a:pt x="113" y="117"/>
+                    <a:pt x="114" y="112"/>
+                  </a:cubicBezTo>
+                  <a:cubicBezTo>
+                    <a:pt x="115" y="107"/>
+                    <a:pt x="115" y="93"/>
+                    <a:pt x="115" y="93"/>
+                  </a:cubicBezTo>
+                  <a:cubicBezTo>
+                    <a:pt x="115" y="93"/>
+                    <a:pt x="112" y="89"/>
+                    <a:pt x="112" y="85"/>
+                  </a:cubicBezTo>
+                  <a:cubicBezTo>
+                    <a:pt x="111" y="81"/>
+                    <a:pt x="110" y="74"/>
+                    <a:pt x="110" y="74"/>
+                  </a:cubicBezTo>
+                  <a:cubicBezTo>
+                    <a:pt x="110" y="74"/>
+                    <a:pt x="108" y="74"/>
+                    <a:pt x="106" y="72"/>
+                  </a:cubicBezTo>
+                  <a:cubicBezTo>
+                    <a:pt x="105" y="71"/>
+                    <a:pt x="104" y="67"/>
+                    <a:pt x="104" y="64"/>
+                  </a:cubicBezTo>
+                  <a:cubicBezTo>
+                    <a:pt x="104" y="61"/>
+                    <a:pt x="103" y="56"/>
+                    <a:pt x="102" y="52"/>
+                  </a:cubicBezTo>
+                  <a:cubicBezTo>
+                    <a:pt x="102" y="48"/>
+                    <a:pt x="106" y="49"/>
+                    <a:pt x="106" y="49"/>
+                  </a:cubicBezTo>
+                  <a:cubicBezTo>
+                    <a:pt x="106" y="49"/>
+                    <a:pt x="103" y="33"/>
+                    <a:pt x="103" y="27"/>
+                  </a:cubicBezTo>
+                  <a:cubicBezTo>
+                    <a:pt x="104" y="21"/>
+                    <a:pt x="112" y="8"/>
+                    <a:pt x="124" y="4"/>
+                  </a:cubicBezTo>
+                  <a:cubicBezTo>
+                    <a:pt x="136" y="0"/>
+                    <a:pt x="141" y="4"/>
+                    <a:pt x="141" y="4"/>
+                  </a:cubicBezTo>
+                  <a:cubicBezTo>
+                    <a:pt x="141" y="4"/>
+                    <a:pt x="146" y="0"/>
+                    <a:pt x="158" y="4"/>
+                  </a:cubicBezTo>
+                  <a:cubicBezTo>
+                    <a:pt x="170" y="8"/>
+                    <a:pt x="179" y="21"/>
+                    <a:pt x="179" y="27"/>
+                  </a:cubicBezTo>
+                  <a:cubicBezTo>
+                    <a:pt x="180" y="33"/>
+                    <a:pt x="177" y="49"/>
+                    <a:pt x="177" y="49"/>
+                  </a:cubicBezTo>
+                  <a:cubicBezTo>
+                    <a:pt x="177" y="49"/>
+                    <a:pt x="181" y="48"/>
+                    <a:pt x="180" y="52"/>
+                  </a:cubicBezTo>
+                  <a:cubicBezTo>
+                    <a:pt x="180" y="56"/>
+                    <a:pt x="178" y="61"/>
+                    <a:pt x="178" y="64"/>
+                  </a:cubicBezTo>
+                  <a:cubicBezTo>
+                    <a:pt x="178" y="67"/>
+                    <a:pt x="177" y="71"/>
+                    <a:pt x="176" y="72"/>
+                  </a:cubicBezTo>
+                  <a:cubicBezTo>
+                    <a:pt x="175" y="74"/>
+                    <a:pt x="172" y="74"/>
+                    <a:pt x="172" y="74"/>
+                  </a:cubicBezTo>
+                  <a:cubicBezTo>
+                    <a:pt x="172" y="74"/>
+                    <a:pt x="171" y="81"/>
+                    <a:pt x="171" y="85"/>
+                  </a:cubicBezTo>
+                  <a:cubicBezTo>
+                    <a:pt x="170" y="89"/>
+                    <a:pt x="168" y="93"/>
+                    <a:pt x="168" y="93"/>
+                  </a:cubicBezTo>
+                  <a:cubicBezTo>
+                    <a:pt x="168" y="93"/>
+                    <a:pt x="168" y="107"/>
+                    <a:pt x="169" y="112"/>
+                  </a:cubicBezTo>
+                  <a:cubicBezTo>
+                    <a:pt x="170" y="117"/>
+                    <a:pt x="172" y="124"/>
+                    <a:pt x="173" y="125"/>
+                  </a:cubicBezTo>
+                  <a:cubicBezTo>
+                    <a:pt x="174" y="126"/>
+                    <a:pt x="213" y="146"/>
+                    <a:pt x="213" y="146"/>
+                  </a:cubicBezTo>
+                  <a:cubicBezTo>
+                    <a:pt x="213" y="146"/>
+                    <a:pt x="226" y="147"/>
+                    <a:pt x="234" y="154"/>
+                  </a:cubicBezTo>
+                  <a:cubicBezTo>
+                    <a:pt x="241" y="160"/>
+                    <a:pt x="251" y="175"/>
+                    <a:pt x="251" y="193"/>
+                  </a:cubicBezTo>
+                  <a:cubicBezTo>
+                    <a:pt x="252" y="210"/>
+                    <a:pt x="252" y="215"/>
+                    <a:pt x="254" y="220"/>
+                  </a:cubicBezTo>
+                  <a:cubicBezTo>
+                    <a:pt x="255" y="224"/>
+                    <a:pt x="258" y="250"/>
+                    <a:pt x="258" y="264"/>
+                  </a:cubicBezTo>
+                  <a:cubicBezTo>
+                    <a:pt x="259" y="277"/>
+                    <a:pt x="262" y="282"/>
+                    <a:pt x="265" y="290"/>
+                  </a:cubicBezTo>
+                  <a:cubicBezTo>
+                    <a:pt x="268" y="298"/>
+                    <a:pt x="273" y="306"/>
+                    <a:pt x="274" y="319"/>
+                  </a:cubicBezTo>
+                  <a:cubicBezTo>
+                    <a:pt x="274" y="333"/>
+                    <a:pt x="277" y="390"/>
+                    <a:pt x="279" y="398"/>
+                  </a:cubicBezTo>
+                  <a:cubicBezTo>
+                    <a:pt x="281" y="406"/>
+                    <a:pt x="281" y="411"/>
+                    <a:pt x="281" y="414"/>
+                  </a:cubicBezTo>
+                  <a:cubicBezTo>
+                    <a:pt x="281" y="416"/>
+                    <a:pt x="282" y="437"/>
+                    <a:pt x="282" y="441"/>
+                  </a:cubicBezTo>
+                  <a:close/>
+                </a:path>
+              </a:pathLst>
+            </a:custGeom>
+            <a:solidFill>
+              <a:schemeClr val="dk2"/>
+            </a:solidFill>
+            <a:ln>
+              <a:noFill/>
+            </a:ln>
+          </p:spPr>
+          <p:txBody>
+            <a:bodyPr spcFirstLastPara="1" wrap="square" lIns="91425" tIns="45700" rIns="91425" bIns="45700" anchor="t" anchorCtr="0">
+              <a:noAutofit/>
+            </a:bodyPr>
+            <a:lstStyle/>
+            <a:p>
+              <a:pPr marL="0" marR="0" lvl="0" indent="0" algn="l" rtl="0">
+                <a:lnSpc>
+                  <a:spcPct val="100000"/>
+                </a:lnSpc>
+                <a:spcBef>
+                  <a:spcPts val="0"/>
+                </a:spcBef>
+                <a:spcAft>
+                  <a:spcPts val="0"/>
+                </a:spcAft>
+                <a:buClr>
+                  <a:srgbClr val="000000"/>
+                </a:buClr>
+                <a:buSzPts val="1801"/>
+                <a:buFont typeface="Arial"/>
+                <a:buNone/>
+              </a:pPr>
+              <a:endParaRPr sz="1801" b="0" i="0" u="none" strike="noStrike" cap="none">
+                <a:solidFill>
+                  <a:schemeClr val="dk1"/>
+                </a:solidFill>
+                <a:latin typeface="Calibri"/>
+                <a:ea typeface="Calibri"/>
+                <a:cs typeface="Calibri"/>
+                <a:sym typeface="Calibri"/>
+              </a:endParaRPr>
+            </a:p>
+          </p:txBody>
+        </p:sp>
+        <p:sp>
+          <p:nvSpPr>
+            <p:cNvPr id="377" name="Google Shape;377;p6"/>
+            <p:cNvSpPr/>
+            <p:nvPr/>
+          </p:nvSpPr>
+          <p:spPr>
+            <a:xfrm>
+              <a:off x="8068267" y="1006454"/>
+              <a:ext cx="1428751" cy="837114"/>
+            </a:xfrm>
+            <a:prstGeom prst="roundRect">
+              <a:avLst>
+                <a:gd name="adj" fmla="val 16667"/>
+              </a:avLst>
+            </a:prstGeom>
+            <a:solidFill>
+              <a:schemeClr val="accent6"/>
+            </a:solidFill>
+            <a:ln>
+              <a:noFill/>
+            </a:ln>
+          </p:spPr>
+          <p:txBody>
+            <a:bodyPr spcFirstLastPara="1" wrap="square" lIns="91425" tIns="45700" rIns="91425" bIns="45700" anchor="ctr" anchorCtr="0">
+              <a:noAutofit/>
+            </a:bodyPr>
+            <a:lstStyle/>
+            <a:p>
+              <a:pPr marL="0" marR="0" lvl="0" indent="0" algn="ctr" rtl="0">
+                <a:lnSpc>
+                  <a:spcPct val="100000"/>
+                </a:lnSpc>
+                <a:spcBef>
+                  <a:spcPts val="0"/>
+                </a:spcBef>
+                <a:spcAft>
+                  <a:spcPts val="0"/>
+                </a:spcAft>
+                <a:buClr>
+                  <a:srgbClr val="000000"/>
+                </a:buClr>
+                <a:buSzPts val="1801"/>
+                <a:buFont typeface="Arial"/>
+                <a:buNone/>
+              </a:pPr>
+              <a:endParaRPr sz="1801" b="0" i="0" u="none" strike="noStrike" cap="none">
+                <a:solidFill>
+                  <a:schemeClr val="lt1"/>
+                </a:solidFill>
+                <a:latin typeface="Calibri"/>
+                <a:ea typeface="Calibri"/>
+                <a:cs typeface="Calibri"/>
+                <a:sym typeface="Calibri"/>
+              </a:endParaRPr>
+            </a:p>
+          </p:txBody>
+        </p:sp>
+        <p:sp>
+          <p:nvSpPr>
+            <p:cNvPr id="378" name="Google Shape;378;p6"/>
+            <p:cNvSpPr/>
+            <p:nvPr/>
+          </p:nvSpPr>
+          <p:spPr>
+            <a:xfrm>
+              <a:off x="8068267" y="2115150"/>
+              <a:ext cx="1428751" cy="837114"/>
+            </a:xfrm>
+            <a:prstGeom prst="roundRect">
+              <a:avLst>
+                <a:gd name="adj" fmla="val 16667"/>
+              </a:avLst>
+            </a:prstGeom>
+            <a:solidFill>
+              <a:schemeClr val="accent2"/>
+            </a:solidFill>
+            <a:ln>
+              <a:noFill/>
+            </a:ln>
+          </p:spPr>
+          <p:txBody>
+            <a:bodyPr spcFirstLastPara="1" wrap="square" lIns="91425" tIns="45700" rIns="91425" bIns="45700" anchor="ctr" anchorCtr="0">
+              <a:noAutofit/>
+            </a:bodyPr>
+            <a:lstStyle/>
+            <a:p>
+              <a:pPr marL="0" marR="0" lvl="0" indent="0" algn="ctr" rtl="0">
+                <a:lnSpc>
+                  <a:spcPct val="100000"/>
+                </a:lnSpc>
+                <a:spcBef>
+                  <a:spcPts val="0"/>
+                </a:spcBef>
+                <a:spcAft>
+                  <a:spcPts val="0"/>
+                </a:spcAft>
+                <a:buClr>
+                  <a:srgbClr val="000000"/>
+                </a:buClr>
+                <a:buSzPts val="1801"/>
+                <a:buFont typeface="Arial"/>
+                <a:buNone/>
+              </a:pPr>
+              <a:endParaRPr sz="1801" b="0" i="0" u="none" strike="noStrike" cap="none">
+                <a:solidFill>
+                  <a:schemeClr val="lt1"/>
+                </a:solidFill>
+                <a:latin typeface="Calibri"/>
+                <a:ea typeface="Calibri"/>
+                <a:cs typeface="Calibri"/>
+                <a:sym typeface="Calibri"/>
+              </a:endParaRPr>
+            </a:p>
+          </p:txBody>
+        </p:sp>
+        <p:sp>
+          <p:nvSpPr>
+            <p:cNvPr id="379" name="Google Shape;379;p6"/>
+            <p:cNvSpPr/>
+            <p:nvPr/>
+          </p:nvSpPr>
+          <p:spPr>
+            <a:xfrm>
+              <a:off x="8068267" y="3223849"/>
+              <a:ext cx="1428751" cy="837114"/>
+            </a:xfrm>
+            <a:prstGeom prst="roundRect">
+              <a:avLst>
+                <a:gd name="adj" fmla="val 16667"/>
+              </a:avLst>
+            </a:prstGeom>
+            <a:solidFill>
+              <a:schemeClr val="accent3"/>
+            </a:solidFill>
+            <a:ln>
+              <a:noFill/>
+            </a:ln>
+          </p:spPr>
+          <p:txBody>
+            <a:bodyPr spcFirstLastPara="1" wrap="square" lIns="91425" tIns="45700" rIns="91425" bIns="45700" anchor="ctr" anchorCtr="0">
+              <a:noAutofit/>
+            </a:bodyPr>
+            <a:lstStyle/>
+            <a:p>
+              <a:pPr marL="0" marR="0" lvl="0" indent="0" algn="ctr" rtl="0">
+                <a:lnSpc>
+                  <a:spcPct val="100000"/>
+                </a:lnSpc>
+                <a:spcBef>
+                  <a:spcPts val="0"/>
+                </a:spcBef>
+                <a:spcAft>
+                  <a:spcPts val="0"/>
+                </a:spcAft>
+                <a:buClr>
+                  <a:srgbClr val="000000"/>
+                </a:buClr>
+                <a:buSzPts val="1801"/>
+                <a:buFont typeface="Arial"/>
+                <a:buNone/>
+              </a:pPr>
+              <a:endParaRPr sz="1801" b="0" i="0" u="none" strike="noStrike" cap="none">
+                <a:solidFill>
+                  <a:schemeClr val="lt1"/>
+                </a:solidFill>
+                <a:latin typeface="Calibri"/>
+                <a:ea typeface="Calibri"/>
+                <a:cs typeface="Calibri"/>
+                <a:sym typeface="Calibri"/>
+              </a:endParaRPr>
+            </a:p>
+          </p:txBody>
+        </p:sp>
+        <p:sp>
+          <p:nvSpPr>
+            <p:cNvPr id="380" name="Google Shape;380;p6"/>
+            <p:cNvSpPr/>
+            <p:nvPr/>
+          </p:nvSpPr>
+          <p:spPr>
+            <a:xfrm>
+              <a:off x="8068267" y="4332546"/>
+              <a:ext cx="1428751" cy="837114"/>
+            </a:xfrm>
+            <a:prstGeom prst="roundRect">
+              <a:avLst>
+                <a:gd name="adj" fmla="val 16667"/>
+              </a:avLst>
+            </a:prstGeom>
+            <a:solidFill>
+              <a:schemeClr val="accent4"/>
+            </a:solidFill>
+            <a:ln>
+              <a:noFill/>
+            </a:ln>
+          </p:spPr>
+          <p:txBody>
+            <a:bodyPr spcFirstLastPara="1" wrap="square" lIns="91425" tIns="45700" rIns="91425" bIns="45700" anchor="ctr" anchorCtr="0">
+              <a:noAutofit/>
+            </a:bodyPr>
+            <a:lstStyle/>
+            <a:p>
+              <a:pPr marL="0" marR="0" lvl="0" indent="0" algn="ctr" rtl="0">
+                <a:lnSpc>
+                  <a:spcPct val="100000"/>
+                </a:lnSpc>
+                <a:spcBef>
+                  <a:spcPts val="0"/>
+                </a:spcBef>
+                <a:spcAft>
+                  <a:spcPts val="0"/>
+                </a:spcAft>
+                <a:buClr>
+                  <a:srgbClr val="000000"/>
+                </a:buClr>
+                <a:buSzPts val="1801"/>
+                <a:buFont typeface="Arial"/>
+                <a:buNone/>
+              </a:pPr>
+              <a:endParaRPr sz="1801" b="0" i="0" u="none" strike="noStrike" cap="none">
+                <a:solidFill>
+                  <a:schemeClr val="lt1"/>
+                </a:solidFill>
+                <a:latin typeface="Calibri"/>
+                <a:ea typeface="Calibri"/>
+                <a:cs typeface="Calibri"/>
+                <a:sym typeface="Calibri"/>
+              </a:endParaRPr>
+            </a:p>
+          </p:txBody>
+        </p:sp>
+        <p:sp>
+          <p:nvSpPr>
+            <p:cNvPr id="381" name="Google Shape;381;p6"/>
+            <p:cNvSpPr/>
+            <p:nvPr/>
+          </p:nvSpPr>
+          <p:spPr>
+            <a:xfrm>
+              <a:off x="8068267" y="5441245"/>
+              <a:ext cx="1428751" cy="837114"/>
+            </a:xfrm>
+            <a:prstGeom prst="roundRect">
+              <a:avLst>
+                <a:gd name="adj" fmla="val 16667"/>
+              </a:avLst>
+            </a:prstGeom>
+            <a:solidFill>
+              <a:schemeClr val="accent5"/>
+            </a:solidFill>
+            <a:ln>
+              <a:noFill/>
+            </a:ln>
+          </p:spPr>
+          <p:txBody>
+            <a:bodyPr spcFirstLastPara="1" wrap="square" lIns="91425" tIns="45700" rIns="91425" bIns="45700" anchor="ctr" anchorCtr="0">
+              <a:noAutofit/>
+            </a:bodyPr>
+            <a:lstStyle/>
+            <a:p>
+              <a:pPr marL="0" marR="0" lvl="0" indent="0" algn="ctr" rtl="0">
+                <a:lnSpc>
+                  <a:spcPct val="100000"/>
+                </a:lnSpc>
+                <a:spcBef>
+                  <a:spcPts val="0"/>
+                </a:spcBef>
+                <a:spcAft>
+                  <a:spcPts val="0"/>
+                </a:spcAft>
+                <a:buClr>
+                  <a:srgbClr val="000000"/>
+                </a:buClr>
+                <a:buSzPts val="1801"/>
+                <a:buFont typeface="Arial"/>
+                <a:buNone/>
+              </a:pPr>
+              <a:endParaRPr sz="1801" b="0" i="0" u="none" strike="noStrike" cap="none">
+                <a:solidFill>
+                  <a:schemeClr val="lt1"/>
+                </a:solidFill>
+                <a:latin typeface="Calibri"/>
+                <a:ea typeface="Calibri"/>
+                <a:cs typeface="Calibri"/>
+                <a:sym typeface="Calibri"/>
+              </a:endParaRPr>
+            </a:p>
+          </p:txBody>
+        </p:sp>
+        <p:grpSp>
+          <p:nvGrpSpPr>
+            <p:cNvPr id="382" name="Google Shape;382;p6"/>
+            <p:cNvGrpSpPr/>
+            <p:nvPr/>
+          </p:nvGrpSpPr>
+          <p:grpSpPr>
+            <a:xfrm>
+              <a:off x="7225306" y="1363440"/>
+              <a:ext cx="856907" cy="1170003"/>
+              <a:chOff x="6973632" y="1363437"/>
+              <a:chExt cx="856906" cy="2608396"/>
+            </a:xfrm>
+          </p:grpSpPr>
+          <p:cxnSp>
+            <p:nvCxnSpPr>
+              <p:cNvPr id="383" name="Google Shape;383;p6"/>
+              <p:cNvCxnSpPr/>
+              <p:nvPr/>
+            </p:nvCxnSpPr>
+            <p:spPr>
+              <a:xfrm rot="10800000">
+                <a:off x="7402721" y="1363437"/>
+                <a:ext cx="427817" cy="0"/>
+              </a:xfrm>
+              <a:prstGeom prst="straightConnector1">
+                <a:avLst/>
+              </a:prstGeom>
+              <a:noFill/>
+              <a:ln w="19050" cap="flat" cmpd="sng">
+                <a:solidFill>
+                  <a:schemeClr val="accent6"/>
+                </a:solidFill>
+                <a:prstDash val="dot"/>
+                <a:miter lim="800000"/>
+                <a:headEnd type="none" w="sm" len="sm"/>
+                <a:tailEnd type="none" w="sm" len="sm"/>
+              </a:ln>
+            </p:spPr>
+          </p:cxnSp>
+          <p:cxnSp>
+            <p:nvCxnSpPr>
+              <p:cNvPr id="384" name="Google Shape;384;p6"/>
+              <p:cNvCxnSpPr/>
+              <p:nvPr/>
+            </p:nvCxnSpPr>
+            <p:spPr>
+              <a:xfrm>
+                <a:off x="7402721" y="1373486"/>
+                <a:ext cx="0" cy="2598347"/>
+              </a:xfrm>
+              <a:prstGeom prst="straightConnector1">
+                <a:avLst/>
+              </a:prstGeom>
+              <a:noFill/>
+              <a:ln w="19050" cap="flat" cmpd="sng">
+                <a:solidFill>
+                  <a:schemeClr val="accent6"/>
+                </a:solidFill>
+                <a:prstDash val="dot"/>
+                <a:miter lim="800000"/>
+                <a:headEnd type="none" w="sm" len="sm"/>
+                <a:tailEnd type="none" w="sm" len="sm"/>
+              </a:ln>
+            </p:spPr>
+          </p:cxnSp>
+          <p:cxnSp>
+            <p:nvCxnSpPr>
+              <p:cNvPr id="385" name="Google Shape;385;p6"/>
+              <p:cNvCxnSpPr/>
+              <p:nvPr/>
+            </p:nvCxnSpPr>
+            <p:spPr>
+              <a:xfrm rot="10800000">
+                <a:off x="6973632" y="3971833"/>
+                <a:ext cx="429089" cy="0"/>
+              </a:xfrm>
+              <a:prstGeom prst="straightConnector1">
+                <a:avLst/>
+              </a:prstGeom>
+              <a:noFill/>
+              <a:ln w="19050" cap="flat" cmpd="sng">
+                <a:solidFill>
+                  <a:schemeClr val="accent6"/>
+                </a:solidFill>
+                <a:prstDash val="dot"/>
+                <a:miter lim="800000"/>
+                <a:headEnd type="none" w="sm" len="sm"/>
+                <a:tailEnd type="oval" w="med" len="med"/>
+              </a:ln>
+            </p:spPr>
+          </p:cxnSp>
+        </p:grpSp>
+        <p:grpSp>
+          <p:nvGrpSpPr>
+            <p:cNvPr id="386" name="Google Shape;386;p6"/>
+            <p:cNvGrpSpPr/>
+            <p:nvPr/>
+          </p:nvGrpSpPr>
+          <p:grpSpPr>
+            <a:xfrm>
+              <a:off x="7139158" y="2241092"/>
+              <a:ext cx="943054" cy="1420619"/>
+              <a:chOff x="6887485" y="62427"/>
+              <a:chExt cx="943053" cy="3599284"/>
+            </a:xfrm>
+          </p:grpSpPr>
+          <p:cxnSp>
+            <p:nvCxnSpPr>
+              <p:cNvPr id="387" name="Google Shape;387;p6"/>
+              <p:cNvCxnSpPr/>
+              <p:nvPr/>
+            </p:nvCxnSpPr>
+            <p:spPr>
+              <a:xfrm rot="10800000">
+                <a:off x="7267219" y="3661710"/>
+                <a:ext cx="563319" cy="0"/>
+              </a:xfrm>
+              <a:prstGeom prst="straightConnector1">
+                <a:avLst/>
+              </a:prstGeom>
+              <a:noFill/>
+              <a:ln w="19050" cap="flat" cmpd="sng">
+                <a:solidFill>
+                  <a:schemeClr val="accent3"/>
+                </a:solidFill>
+                <a:prstDash val="dot"/>
+                <a:miter lim="800000"/>
+                <a:headEnd type="none" w="sm" len="sm"/>
+                <a:tailEnd type="none" w="sm" len="sm"/>
+              </a:ln>
+            </p:spPr>
+          </p:cxnSp>
+          <p:cxnSp>
+            <p:nvCxnSpPr>
+              <p:cNvPr id="388" name="Google Shape;388;p6"/>
+              <p:cNvCxnSpPr>
+                <a:cxnSpLocks/>
+              </p:cNvCxnSpPr>
+              <p:nvPr/>
+            </p:nvCxnSpPr>
+            <p:spPr>
+              <a:xfrm flipV="1">
+                <a:off x="7267219" y="62427"/>
+                <a:ext cx="0" cy="3599284"/>
+              </a:xfrm>
+              <a:prstGeom prst="straightConnector1">
+                <a:avLst/>
+              </a:prstGeom>
+              <a:noFill/>
+              <a:ln w="19050" cap="flat" cmpd="sng">
+                <a:solidFill>
+                  <a:schemeClr val="accent3"/>
+                </a:solidFill>
+                <a:prstDash val="dot"/>
+                <a:miter lim="800000"/>
+                <a:headEnd type="none" w="sm" len="sm"/>
+                <a:tailEnd type="none" w="sm" len="sm"/>
+              </a:ln>
+            </p:spPr>
+          </p:cxnSp>
+          <p:cxnSp>
+            <p:nvCxnSpPr>
+              <p:cNvPr id="389" name="Google Shape;389;p6"/>
+              <p:cNvCxnSpPr>
+                <a:cxnSpLocks/>
+              </p:cNvCxnSpPr>
+              <p:nvPr/>
+            </p:nvCxnSpPr>
+            <p:spPr>
+              <a:xfrm flipH="1">
+                <a:off x="6887485" y="62427"/>
+                <a:ext cx="379735" cy="0"/>
+              </a:xfrm>
+              <a:prstGeom prst="straightConnector1">
+                <a:avLst/>
+              </a:prstGeom>
+              <a:noFill/>
+              <a:ln w="19050" cap="flat" cmpd="sng">
+                <a:solidFill>
+                  <a:schemeClr val="accent3"/>
+                </a:solidFill>
+                <a:prstDash val="dot"/>
+                <a:miter lim="800000"/>
+                <a:headEnd type="none" w="sm" len="sm"/>
+                <a:tailEnd type="oval" w="med" len="med"/>
+              </a:ln>
+            </p:spPr>
+          </p:cxnSp>
+        </p:grpSp>
+        <p:grpSp>
+          <p:nvGrpSpPr>
+            <p:cNvPr id="390" name="Google Shape;390;p6"/>
+            <p:cNvGrpSpPr/>
+            <p:nvPr/>
+          </p:nvGrpSpPr>
+          <p:grpSpPr>
+            <a:xfrm>
+              <a:off x="6764419" y="2531314"/>
+              <a:ext cx="1317785" cy="420944"/>
+              <a:chOff x="6512753" y="2531318"/>
+              <a:chExt cx="1317785" cy="197704"/>
+            </a:xfrm>
+          </p:grpSpPr>
+          <p:cxnSp>
+            <p:nvCxnSpPr>
+              <p:cNvPr id="391" name="Google Shape;391;p6"/>
+              <p:cNvCxnSpPr/>
+              <p:nvPr/>
+            </p:nvCxnSpPr>
+            <p:spPr>
+              <a:xfrm rot="10800000">
+                <a:off x="7600781" y="2533666"/>
+                <a:ext cx="229757" cy="0"/>
+              </a:xfrm>
+              <a:prstGeom prst="straightConnector1">
+                <a:avLst/>
+              </a:prstGeom>
+              <a:noFill/>
+              <a:ln w="19050" cap="flat" cmpd="sng">
+                <a:solidFill>
+                  <a:schemeClr val="accent2"/>
+                </a:solidFill>
+                <a:prstDash val="dot"/>
+                <a:miter lim="800000"/>
+                <a:headEnd type="none" w="sm" len="sm"/>
+                <a:tailEnd type="none" w="sm" len="sm"/>
+              </a:ln>
+            </p:spPr>
+          </p:cxnSp>
+          <p:cxnSp>
+            <p:nvCxnSpPr>
+              <p:cNvPr id="392" name="Google Shape;392;p6"/>
+              <p:cNvCxnSpPr>
+                <a:cxnSpLocks/>
+              </p:cNvCxnSpPr>
+              <p:nvPr/>
+            </p:nvCxnSpPr>
+            <p:spPr>
+              <a:xfrm>
+                <a:off x="7600781" y="2531318"/>
+                <a:ext cx="0" cy="197704"/>
+              </a:xfrm>
+              <a:prstGeom prst="straightConnector1">
+                <a:avLst/>
+              </a:prstGeom>
+              <a:noFill/>
+              <a:ln w="19050" cap="flat" cmpd="sng">
+                <a:solidFill>
+                  <a:schemeClr val="accent2"/>
+                </a:solidFill>
+                <a:prstDash val="dot"/>
+                <a:miter lim="800000"/>
+                <a:headEnd type="none" w="sm" len="sm"/>
+                <a:tailEnd type="none" w="sm" len="sm"/>
+              </a:ln>
+            </p:spPr>
+          </p:cxnSp>
+          <p:cxnSp>
+            <p:nvCxnSpPr>
+              <p:cNvPr id="393" name="Google Shape;393;p6"/>
+              <p:cNvCxnSpPr>
+                <a:cxnSpLocks/>
+              </p:cNvCxnSpPr>
+              <p:nvPr/>
+            </p:nvCxnSpPr>
+            <p:spPr>
+              <a:xfrm flipH="1">
+                <a:off x="6512753" y="2729022"/>
+                <a:ext cx="1088039" cy="0"/>
+              </a:xfrm>
+              <a:prstGeom prst="straightConnector1">
+                <a:avLst/>
+              </a:prstGeom>
+              <a:noFill/>
+              <a:ln w="19050" cap="flat" cmpd="sng">
+                <a:solidFill>
+                  <a:schemeClr val="accent2"/>
+                </a:solidFill>
+                <a:prstDash val="dot"/>
+                <a:miter lim="800000"/>
+                <a:headEnd type="none" w="sm" len="sm"/>
+                <a:tailEnd type="oval" w="med" len="med"/>
+              </a:ln>
+            </p:spPr>
+          </p:cxnSp>
+        </p:grpSp>
+        <p:grpSp>
+          <p:nvGrpSpPr>
+            <p:cNvPr id="394" name="Google Shape;394;p6"/>
+            <p:cNvGrpSpPr/>
+            <p:nvPr/>
+          </p:nvGrpSpPr>
+          <p:grpSpPr>
+            <a:xfrm rot="10800000">
+              <a:off x="6858946" y="3438631"/>
+              <a:ext cx="1223270" cy="1322764"/>
+              <a:chOff x="9304518" y="5846284"/>
+              <a:chExt cx="1223269" cy="6759686"/>
+            </a:xfrm>
+          </p:grpSpPr>
+          <p:cxnSp>
+            <p:nvCxnSpPr>
+              <p:cNvPr id="395" name="Google Shape;395;p6"/>
+              <p:cNvCxnSpPr/>
+              <p:nvPr/>
+            </p:nvCxnSpPr>
+            <p:spPr>
+              <a:xfrm>
+                <a:off x="9304518" y="5846284"/>
+                <a:ext cx="229757" cy="0"/>
+              </a:xfrm>
+              <a:prstGeom prst="straightConnector1">
+                <a:avLst/>
+              </a:prstGeom>
+              <a:noFill/>
+              <a:ln w="19050" cap="flat" cmpd="sng">
+                <a:solidFill>
+                  <a:schemeClr val="accent4"/>
+                </a:solidFill>
+                <a:prstDash val="dot"/>
+                <a:miter lim="800000"/>
+                <a:headEnd type="none" w="sm" len="sm"/>
+                <a:tailEnd type="none" w="sm" len="sm"/>
+              </a:ln>
+            </p:spPr>
+          </p:cxnSp>
+          <p:cxnSp>
+            <p:nvCxnSpPr>
+              <p:cNvPr id="396" name="Google Shape;396;p6"/>
+              <p:cNvCxnSpPr>
+                <a:cxnSpLocks/>
+              </p:cNvCxnSpPr>
+              <p:nvPr/>
+            </p:nvCxnSpPr>
+            <p:spPr>
+              <a:xfrm rot="10800000">
+                <a:off x="9546054" y="5846285"/>
+                <a:ext cx="40127" cy="6759685"/>
+              </a:xfrm>
+              <a:prstGeom prst="straightConnector1">
+                <a:avLst/>
+              </a:prstGeom>
+              <a:noFill/>
+              <a:ln w="19050" cap="flat" cmpd="sng">
+                <a:solidFill>
+                  <a:schemeClr val="accent4"/>
+                </a:solidFill>
+                <a:prstDash val="dot"/>
+                <a:miter lim="800000"/>
+                <a:headEnd type="none" w="sm" len="sm"/>
+                <a:tailEnd type="none" w="sm" len="sm"/>
+              </a:ln>
+            </p:spPr>
+          </p:cxnSp>
+          <p:cxnSp>
+            <p:nvCxnSpPr>
+              <p:cNvPr id="397" name="Google Shape;397;p6"/>
+              <p:cNvCxnSpPr>
+                <a:cxnSpLocks/>
+              </p:cNvCxnSpPr>
+              <p:nvPr/>
+            </p:nvCxnSpPr>
+            <p:spPr>
+              <a:xfrm rot="10800000" flipH="1">
+                <a:off x="9546054" y="12488800"/>
+                <a:ext cx="981733" cy="49879"/>
+              </a:xfrm>
+              <a:prstGeom prst="straightConnector1">
+                <a:avLst/>
+              </a:prstGeom>
+              <a:noFill/>
+              <a:ln w="19050" cap="flat" cmpd="sng">
+                <a:solidFill>
+                  <a:schemeClr val="accent4"/>
+                </a:solidFill>
+                <a:prstDash val="dot"/>
+                <a:miter lim="800000"/>
+                <a:headEnd type="none" w="sm" len="sm"/>
+                <a:tailEnd type="oval" w="med" len="med"/>
+              </a:ln>
+            </p:spPr>
+          </p:cxnSp>
+        </p:grpSp>
+        <p:grpSp>
+          <p:nvGrpSpPr>
+            <p:cNvPr id="398" name="Google Shape;398;p6"/>
+            <p:cNvGrpSpPr/>
+            <p:nvPr/>
+          </p:nvGrpSpPr>
+          <p:grpSpPr>
+            <a:xfrm rot="10800000">
+              <a:off x="7225306" y="4408843"/>
+              <a:ext cx="856907" cy="1394168"/>
+              <a:chOff x="9304518" y="1660617"/>
+              <a:chExt cx="856906" cy="2608396"/>
+            </a:xfrm>
+          </p:grpSpPr>
+          <p:cxnSp>
+            <p:nvCxnSpPr>
+              <p:cNvPr id="399" name="Google Shape;399;p6"/>
+              <p:cNvCxnSpPr/>
+              <p:nvPr/>
+            </p:nvCxnSpPr>
+            <p:spPr>
+              <a:xfrm>
+                <a:off x="9304518" y="1660617"/>
+                <a:ext cx="427817" cy="0"/>
+              </a:xfrm>
+              <a:prstGeom prst="straightConnector1">
+                <a:avLst/>
+              </a:prstGeom>
+              <a:noFill/>
+              <a:ln w="19050" cap="flat" cmpd="sng">
+                <a:solidFill>
+                  <a:schemeClr val="accent5"/>
+                </a:solidFill>
+                <a:prstDash val="dot"/>
+                <a:miter lim="800000"/>
+                <a:headEnd type="none" w="sm" len="sm"/>
+                <a:tailEnd type="none" w="sm" len="sm"/>
+              </a:ln>
+            </p:spPr>
+          </p:cxnSp>
+          <p:grpSp>
+            <p:nvGrpSpPr>
+              <p:cNvPr id="400" name="Google Shape;400;p6"/>
+              <p:cNvGrpSpPr/>
+              <p:nvPr/>
+            </p:nvGrpSpPr>
+            <p:grpSpPr>
+              <a:xfrm>
+                <a:off x="9732335" y="1670666"/>
+                <a:ext cx="429089" cy="2598347"/>
+                <a:chOff x="9732335" y="1373486"/>
+                <a:chExt cx="429089" cy="2975487"/>
+              </a:xfrm>
+            </p:grpSpPr>
+            <p:cxnSp>
+              <p:nvCxnSpPr>
+                <p:cNvPr id="401" name="Google Shape;401;p6"/>
+                <p:cNvCxnSpPr/>
+                <p:nvPr/>
+              </p:nvCxnSpPr>
+              <p:spPr>
+                <a:xfrm>
+                  <a:off x="9732335" y="1373486"/>
+                  <a:ext cx="0" cy="2975487"/>
+                </a:xfrm>
+                <a:prstGeom prst="straightConnector1">
+                  <a:avLst/>
+                </a:prstGeom>
+                <a:noFill/>
+                <a:ln w="19050" cap="flat" cmpd="sng">
+                  <a:solidFill>
+                    <a:schemeClr val="accent5"/>
+                  </a:solidFill>
+                  <a:prstDash val="dot"/>
+                  <a:miter lim="800000"/>
+                  <a:headEnd type="none" w="sm" len="sm"/>
+                  <a:tailEnd type="none" w="sm" len="sm"/>
+                </a:ln>
+              </p:spPr>
+            </p:cxnSp>
+            <p:cxnSp>
+              <p:nvCxnSpPr>
+                <p:cNvPr id="402" name="Google Shape;402;p6"/>
+                <p:cNvCxnSpPr/>
+                <p:nvPr/>
+              </p:nvCxnSpPr>
+              <p:spPr>
+                <a:xfrm>
+                  <a:off x="9732335" y="4348973"/>
+                  <a:ext cx="429089" cy="0"/>
+                </a:xfrm>
+                <a:prstGeom prst="straightConnector1">
+                  <a:avLst/>
+                </a:prstGeom>
+                <a:noFill/>
+                <a:ln w="19050" cap="flat" cmpd="sng">
+                  <a:solidFill>
+                    <a:schemeClr val="accent5"/>
+                  </a:solidFill>
+                  <a:prstDash val="dot"/>
+                  <a:miter lim="800000"/>
+                  <a:headEnd type="none" w="sm" len="sm"/>
+                  <a:tailEnd type="oval" w="med" len="med"/>
+                </a:ln>
+              </p:spPr>
+            </p:cxnSp>
+          </p:grpSp>
+        </p:grpSp>
+      </p:grpSp>
       <p:sp>
         <p:nvSpPr>
-          <p:cNvPr id="362" name="Google Shape;362;p9"/>
-          <p:cNvSpPr/>
+          <p:cNvPr id="403" name="Google Shape;403;p6"/>
+          <p:cNvSpPr txBox="1"/>
           <p:nvPr/>
         </p:nvSpPr>
         <p:spPr>
           <a:xfrm>
-            <a:off x="0" y="0"/>
-            <a:ext cx="24379200" cy="13716000"/>
+            <a:off x="19580087" y="2027583"/>
+            <a:ext cx="2261736" cy="646331"/>
           </a:xfrm>
-          <a:prstGeom prst="roundRect">
-            <a:avLst>
-              <a:gd name="adj" fmla="val 0"/>
-            </a:avLst>
+          <a:prstGeom prst="rect">
+            <a:avLst/>
           </a:prstGeom>
-          <a:solidFill>
-            <a:srgbClr val="FFFFFF"/>
-          </a:solidFill>
-          <a:ln w="9525" cap="flat" cmpd="sng">
-            <a:solidFill>
-              <a:srgbClr val="C8CACA"/>
-            </a:solidFill>
-            <a:prstDash val="solid"/>
-            <a:miter lim="800000"/>
-            <a:headEnd type="none" w="sm" len="sm"/>
-            <a:tailEnd type="none" w="sm" len="sm"/>
+          <a:noFill/>
+          <a:ln>
+            <a:noFill/>
           </a:ln>
-          <a:effectLst>
-            <a:outerShdw blurRad="57150" dist="19050" dir="5400000" algn="t" rotWithShape="0">
-              <a:srgbClr val="000000">
-                <a:alpha val="62352"/>
-              </a:srgbClr>
-            </a:outerShdw>
-          </a:effectLst>
         </p:spPr>
         <p:txBody>
-          <a:bodyPr spcFirstLastPara="1" wrap="square" lIns="91425" tIns="45700" rIns="91425" bIns="45700" anchor="ctr" anchorCtr="0">
-            <a:noAutofit/>
+          <a:bodyPr spcFirstLastPara="1" wrap="square" lIns="91425" tIns="45700" rIns="91425" bIns="45700" anchor="t" anchorCtr="0">
+            <a:spAutoFit/>
           </a:bodyPr>
           <a:lstStyle/>
           <a:p>
@@ -29714,27 +29854,303 @@
                 <a:spcPts val="0"/>
               </a:spcAft>
               <a:buClr>
-                <a:schemeClr val="lt1"/>
+                <a:srgbClr val="000000"/>
               </a:buClr>
-              <a:buSzPts val="1800"/>
-              <a:buFont typeface="Calibri"/>
+              <a:buSzPts val="3600"/>
+              <a:buFont typeface="Arial"/>
               <a:buNone/>
             </a:pPr>
-            <a:endParaRPr sz="1800" b="0" i="0" u="none" strike="noStrike" cap="none">
+            <a:r>
+              <a:rPr lang="en-US" sz="3600" b="0" i="0" u="none" strike="noStrike" cap="none">
+                <a:solidFill>
+                  <a:schemeClr val="lt1"/>
+                </a:solidFill>
+                <a:latin typeface="Aharoni"/>
+                <a:ea typeface="Aharoni"/>
+                <a:cs typeface="Aharoni"/>
+                <a:sym typeface="Aharoni"/>
+              </a:rPr>
+              <a:t>Back</a:t>
+            </a:r>
+            <a:endParaRPr sz="1400" b="0" i="0" u="none" strike="noStrike" cap="none">
               <a:solidFill>
-                <a:srgbClr val="FFFFFF"/>
+                <a:srgbClr val="000000"/>
               </a:solidFill>
-              <a:latin typeface="Calibri"/>
-              <a:ea typeface="Calibri"/>
-              <a:cs typeface="Calibri"/>
-              <a:sym typeface="Calibri"/>
+              <a:latin typeface="Arial"/>
+              <a:ea typeface="Arial"/>
+              <a:cs typeface="Arial"/>
+              <a:sym typeface="Arial"/>
+            </a:endParaRPr>
+          </a:p>
+        </p:txBody>
+      </p:sp>
+      <p:sp>
+        <p:nvSpPr>
+          <p:cNvPr id="404" name="Google Shape;404;p6"/>
+          <p:cNvSpPr txBox="1"/>
+          <p:nvPr/>
+        </p:nvSpPr>
+        <p:spPr>
+          <a:xfrm>
+            <a:off x="19514405" y="4358255"/>
+            <a:ext cx="2261736" cy="646331"/>
+          </a:xfrm>
+          <a:prstGeom prst="rect">
+            <a:avLst/>
+          </a:prstGeom>
+          <a:noFill/>
+          <a:ln>
+            <a:noFill/>
+          </a:ln>
+        </p:spPr>
+        <p:txBody>
+          <a:bodyPr spcFirstLastPara="1" wrap="square" lIns="91425" tIns="45700" rIns="91425" bIns="45700" anchor="t" anchorCtr="0">
+            <a:spAutoFit/>
+          </a:bodyPr>
+          <a:lstStyle/>
+          <a:p>
+            <a:pPr marL="0" marR="0" lvl="0" indent="0" algn="ctr" rtl="0">
+              <a:lnSpc>
+                <a:spcPct val="100000"/>
+              </a:lnSpc>
+              <a:spcBef>
+                <a:spcPts val="0"/>
+              </a:spcBef>
+              <a:spcAft>
+                <a:spcPts val="0"/>
+              </a:spcAft>
+              <a:buClr>
+                <a:srgbClr val="000000"/>
+              </a:buClr>
+              <a:buSzPts val="3600"/>
+              <a:buFont typeface="Arial"/>
+              <a:buNone/>
+            </a:pPr>
+            <a:r>
+              <a:rPr lang="en-US" sz="3600" b="0" i="0" u="none" strike="noStrike" cap="none">
+                <a:solidFill>
+                  <a:schemeClr val="lt1"/>
+                </a:solidFill>
+                <a:latin typeface="Aharoni"/>
+                <a:ea typeface="Aharoni"/>
+                <a:cs typeface="Aharoni"/>
+                <a:sym typeface="Aharoni"/>
+              </a:rPr>
+              <a:t>Trunk</a:t>
+            </a:r>
+            <a:endParaRPr sz="1400" b="0" i="0" u="none" strike="noStrike" cap="none">
+              <a:solidFill>
+                <a:srgbClr val="000000"/>
+              </a:solidFill>
+              <a:latin typeface="Arial"/>
+              <a:ea typeface="Arial"/>
+              <a:cs typeface="Arial"/>
+              <a:sym typeface="Arial"/>
+            </a:endParaRPr>
+          </a:p>
+        </p:txBody>
+      </p:sp>
+      <p:sp>
+        <p:nvSpPr>
+          <p:cNvPr id="405" name="Google Shape;405;p6"/>
+          <p:cNvSpPr txBox="1"/>
+          <p:nvPr/>
+        </p:nvSpPr>
+        <p:spPr>
+          <a:xfrm>
+            <a:off x="19585336" y="6196313"/>
+            <a:ext cx="2261736" cy="1015663"/>
+          </a:xfrm>
+          <a:prstGeom prst="rect">
+            <a:avLst/>
+          </a:prstGeom>
+          <a:noFill/>
+          <a:ln>
+            <a:noFill/>
+          </a:ln>
+        </p:spPr>
+        <p:txBody>
+          <a:bodyPr spcFirstLastPara="1" wrap="square" lIns="91425" tIns="45700" rIns="91425" bIns="45700" anchor="t" anchorCtr="0">
+            <a:spAutoFit/>
+          </a:bodyPr>
+          <a:lstStyle/>
+          <a:p>
+            <a:pPr marL="0" marR="0" lvl="0" indent="0" algn="ctr" rtl="0">
+              <a:lnSpc>
+                <a:spcPct val="100000"/>
+              </a:lnSpc>
+              <a:spcBef>
+                <a:spcPts val="0"/>
+              </a:spcBef>
+              <a:spcAft>
+                <a:spcPts val="0"/>
+              </a:spcAft>
+              <a:buClr>
+                <a:srgbClr val="000000"/>
+              </a:buClr>
+              <a:buSzPts val="3000"/>
+              <a:buFont typeface="Arial"/>
+              <a:buNone/>
+            </a:pPr>
+            <a:r>
+              <a:rPr lang="en-US" sz="3000" b="0" i="0" u="none" strike="noStrike" cap="none">
+                <a:solidFill>
+                  <a:schemeClr val="lt1"/>
+                </a:solidFill>
+                <a:latin typeface="Aharoni"/>
+                <a:ea typeface="Aharoni"/>
+                <a:cs typeface="Aharoni"/>
+                <a:sym typeface="Aharoni"/>
+              </a:rPr>
+              <a:t>Upper Extremities</a:t>
+            </a:r>
+            <a:endParaRPr sz="1400" b="0" i="0" u="none" strike="noStrike" cap="none">
+              <a:solidFill>
+                <a:srgbClr val="000000"/>
+              </a:solidFill>
+              <a:latin typeface="Arial"/>
+              <a:ea typeface="Arial"/>
+              <a:cs typeface="Arial"/>
+              <a:sym typeface="Arial"/>
+            </a:endParaRPr>
+          </a:p>
+        </p:txBody>
+      </p:sp>
+      <p:sp>
+        <p:nvSpPr>
+          <p:cNvPr id="406" name="Google Shape;406;p6"/>
+          <p:cNvSpPr txBox="1"/>
+          <p:nvPr/>
+        </p:nvSpPr>
+        <p:spPr>
+          <a:xfrm>
+            <a:off x="19464196" y="8476077"/>
+            <a:ext cx="2261736" cy="584775"/>
+          </a:xfrm>
+          <a:prstGeom prst="rect">
+            <a:avLst/>
+          </a:prstGeom>
+          <a:noFill/>
+          <a:ln>
+            <a:noFill/>
+          </a:ln>
+        </p:spPr>
+        <p:txBody>
+          <a:bodyPr spcFirstLastPara="1" wrap="square" lIns="91425" tIns="45700" rIns="91425" bIns="45700" anchor="t" anchorCtr="0">
+            <a:spAutoFit/>
+          </a:bodyPr>
+          <a:lstStyle/>
+          <a:p>
+            <a:pPr marL="0" marR="0" lvl="0" indent="0" algn="ctr" rtl="0">
+              <a:lnSpc>
+                <a:spcPct val="100000"/>
+              </a:lnSpc>
+              <a:spcBef>
+                <a:spcPts val="0"/>
+              </a:spcBef>
+              <a:spcAft>
+                <a:spcPts val="0"/>
+              </a:spcAft>
+              <a:buClr>
+                <a:srgbClr val="000000"/>
+              </a:buClr>
+              <a:buSzPts val="3200"/>
+              <a:buFont typeface="Arial"/>
+              <a:buNone/>
+            </a:pPr>
+            <a:r>
+              <a:rPr lang="en-US" sz="3200" b="0" i="0" u="none" strike="noStrike" cap="none">
+                <a:solidFill>
+                  <a:schemeClr val="lt1"/>
+                </a:solidFill>
+                <a:latin typeface="Aharoni"/>
+                <a:ea typeface="Aharoni"/>
+                <a:cs typeface="Aharoni"/>
+                <a:sym typeface="Aharoni"/>
+              </a:rPr>
+              <a:t>Abdomen</a:t>
+            </a:r>
+            <a:endParaRPr sz="1400" b="0" i="0" u="none" strike="noStrike" cap="none">
+              <a:solidFill>
+                <a:srgbClr val="000000"/>
+              </a:solidFill>
+              <a:latin typeface="Arial"/>
+              <a:ea typeface="Arial"/>
+              <a:cs typeface="Arial"/>
+              <a:sym typeface="Arial"/>
+            </a:endParaRPr>
+          </a:p>
+        </p:txBody>
+      </p:sp>
+      <p:sp>
+        <p:nvSpPr>
+          <p:cNvPr id="407" name="Google Shape;407;p6"/>
+          <p:cNvSpPr txBox="1"/>
+          <p:nvPr/>
+        </p:nvSpPr>
+        <p:spPr>
+          <a:xfrm>
+            <a:off x="19599962" y="10527355"/>
+            <a:ext cx="2261736" cy="954107"/>
+          </a:xfrm>
+          <a:prstGeom prst="rect">
+            <a:avLst/>
+          </a:prstGeom>
+          <a:noFill/>
+          <a:ln>
+            <a:noFill/>
+          </a:ln>
+        </p:spPr>
+        <p:txBody>
+          <a:bodyPr spcFirstLastPara="1" wrap="square" lIns="91425" tIns="45700" rIns="91425" bIns="45700" anchor="t" anchorCtr="0">
+            <a:spAutoFit/>
+          </a:bodyPr>
+          <a:lstStyle/>
+          <a:p>
+            <a:pPr marL="0" marR="0" lvl="0" indent="0" algn="ctr" rtl="0">
+              <a:lnSpc>
+                <a:spcPct val="100000"/>
+              </a:lnSpc>
+              <a:spcBef>
+                <a:spcPts val="0"/>
+              </a:spcBef>
+              <a:spcAft>
+                <a:spcPts val="0"/>
+              </a:spcAft>
+              <a:buClr>
+                <a:srgbClr val="000000"/>
+              </a:buClr>
+              <a:buSzPts val="2800"/>
+              <a:buFont typeface="Arial"/>
+              <a:buNone/>
+            </a:pPr>
+            <a:r>
+              <a:rPr lang="en-US" sz="2800" b="0" i="0" u="none" strike="noStrike" cap="none">
+                <a:solidFill>
+                  <a:schemeClr val="lt1"/>
+                </a:solidFill>
+                <a:latin typeface="Aharoni"/>
+                <a:ea typeface="Aharoni"/>
+                <a:cs typeface="Aharoni"/>
+                <a:sym typeface="Aharoni"/>
+              </a:rPr>
+              <a:t>Lower Extremities</a:t>
+            </a:r>
+            <a:endParaRPr sz="1400" b="0" i="0" u="none" strike="noStrike" cap="none">
+              <a:solidFill>
+                <a:srgbClr val="000000"/>
+              </a:solidFill>
+              <a:latin typeface="Arial"/>
+              <a:ea typeface="Arial"/>
+              <a:cs typeface="Arial"/>
+              <a:sym typeface="Arial"/>
             </a:endParaRPr>
           </a:p>
         </p:txBody>
       </p:sp>
       <p:pic>
         <p:nvPicPr>
-          <p:cNvPr id="363" name="Google Shape;363;p9"/>
+          <p:cNvPr id="408" name="Google Shape;408;p6"/>
           <p:cNvPicPr preferRelativeResize="0"/>
           <p:nvPr/>
         </p:nvPicPr>
@@ -29747,8 +30163,8 @@
         </p:blipFill>
         <p:spPr>
           <a:xfrm>
-            <a:off x="799925" y="263275"/>
-            <a:ext cx="21911526" cy="13452725"/>
+            <a:off x="551124" y="852339"/>
+            <a:ext cx="12719606" cy="11238335"/>
           </a:xfrm>
           <a:prstGeom prst="rect">
             <a:avLst/>

--- a/Skin Cancer Final .pptx
+++ b/Skin Cancer Final .pptx
@@ -288,7 +288,7 @@
       <p15:sldGuideLst xmlns:p15="http://schemas.microsoft.com/office/powerpoint/2012/main"/>
     </p:ext>
     <p:ext uri="http://customooxmlschemas.google.com/">
-      <go:slidesCustomData xmlns="" xmlns:mc="http://schemas.openxmlformats.org/markup-compatibility/2006" xmlns:mv="urn:schemas-microsoft-com:mac:vml" xmlns:c="http://schemas.openxmlformats.org/drawingml/2006/chart" xmlns:dgm="http://schemas.openxmlformats.org/drawingml/2006/diagram" xmlns:o="urn:schemas-microsoft-com:office:office" xmlns:v="urn:schemas-microsoft-com:vml" xmlns:pvml="urn:schemas-microsoft-com:office:powerpoint" xmlns:com="http://schemas.openxmlformats.org/drawingml/2006/compatibility" xmlns:p14="http://schemas.microsoft.com/office/powerpoint/2010/main" xmlns:p15="http://schemas.microsoft.com/office/powerpoint/2012/main" xmlns:ahyp="http://schemas.microsoft.com/office/drawing/2018/hyperlinkcolor" xmlns:go="http://customooxmlschemas.google.com/" r:id="rId33" roundtripDataSignature="AMtx7mhDS6oW/+/drJV/QZXr6ZvkXz76Vg=="/>
+      <go:slidesCustomData xmlns:go="http://customooxmlschemas.google.com/" xmlns:ahyp="http://schemas.microsoft.com/office/drawing/2018/hyperlinkcolor" xmlns:p15="http://schemas.microsoft.com/office/powerpoint/2012/main" xmlns:p14="http://schemas.microsoft.com/office/powerpoint/2010/main" xmlns:com="http://schemas.openxmlformats.org/drawingml/2006/compatibility" xmlns:pvml="urn:schemas-microsoft-com:office:powerpoint" xmlns:v="urn:schemas-microsoft-com:vml" xmlns:o="urn:schemas-microsoft-com:office:office" xmlns:dgm="http://schemas.openxmlformats.org/drawingml/2006/diagram" xmlns:c="http://schemas.openxmlformats.org/drawingml/2006/chart" xmlns:mv="urn:schemas-microsoft-com:mac:vml" xmlns:mc="http://schemas.openxmlformats.org/markup-compatibility/2006" xmlns="" r:id="rId33" roundtripDataSignature="AMtx7mhDS6oW/+/drJV/QZXr6ZvkXz76Vg=="/>
     </p:ext>
   </p:extLst>
 </p:presentation>
@@ -17605,7 +17605,7 @@
         <p:spPr>
           <a:xfrm>
             <a:off x="1689170" y="3756150"/>
-            <a:ext cx="20415900" cy="8262000"/>
+            <a:ext cx="20415900" cy="9109633"/>
           </a:xfrm>
           <a:prstGeom prst="rect">
             <a:avLst/>
@@ -17643,7 +17643,7 @@
                   <a:schemeClr val="dk1"/>
                 </a:solidFill>
               </a:rPr>
-              <a:t>We found that age is not a true determinant in skin cancer. </a:t>
+              <a:t>Sex has a statistically significant effect on the mean age at which they were diagnosed with skin cancer.</a:t>
             </a:r>
             <a:endParaRPr sz="4800" dirty="0">
               <a:solidFill>
@@ -18135,7 +18135,7 @@
               <a:buNone/>
             </a:pPr>
             <a:r>
-              <a:rPr lang="en-US" sz="3200" b="0" i="0" u="none" strike="noStrike" cap="none">
+              <a:rPr lang="en-US" sz="3200" b="0" i="0" u="none" strike="noStrike" cap="none" dirty="0">
                 <a:solidFill>
                   <a:srgbClr val="7F7F7F"/>
                 </a:solidFill>
@@ -18146,7 +18146,7 @@
               </a:rPr>
               <a:t>Kaggle</a:t>
             </a:r>
-            <a:endParaRPr sz="1400" b="0" i="0" u="none" strike="noStrike" cap="none">
+            <a:endParaRPr sz="1400" b="0" i="0" u="none" strike="noStrike" cap="none" dirty="0">
               <a:solidFill>
                 <a:srgbClr val="000000"/>
               </a:solidFill>
@@ -18175,7 +18175,7 @@
               <a:buNone/>
             </a:pPr>
             <a:r>
-              <a:rPr lang="en-US" sz="3200" b="0" i="0" u="sng" strike="noStrike" cap="none">
+              <a:rPr lang="en-US" sz="3200" b="0" i="0" u="sng" strike="noStrike" cap="none" dirty="0">
                 <a:solidFill>
                   <a:schemeClr val="dk1"/>
                 </a:solidFill>
@@ -18193,7 +18193,7 @@
               </a:rPr>
               <a:t>Skin Cancer MNIST: HAM10000 | Kaggle</a:t>
             </a:r>
-            <a:endParaRPr sz="3200" b="0" i="0" u="none" strike="noStrike" cap="none">
+            <a:endParaRPr sz="3200" b="0" i="0" u="none" strike="noStrike" cap="none" dirty="0">
               <a:solidFill>
                 <a:srgbClr val="7F7F7F"/>
               </a:solidFill>
@@ -18222,7 +18222,7 @@
               <a:buNone/>
             </a:pPr>
             <a:r>
-              <a:rPr lang="en-US" sz="3200" b="0" i="0" u="none" strike="noStrike" cap="none">
+              <a:rPr lang="en-US" sz="3200" b="0" i="0" u="none" strike="noStrike" cap="none" dirty="0">
                 <a:solidFill>
                   <a:srgbClr val="7F7F7F"/>
                 </a:solidFill>
@@ -18233,7 +18233,7 @@
               </a:rPr>
               <a:t>CDC</a:t>
             </a:r>
-            <a:endParaRPr sz="1400" b="0" i="0" u="none" strike="noStrike" cap="none">
+            <a:endParaRPr sz="1400" b="0" i="0" u="none" strike="noStrike" cap="none" dirty="0">
               <a:solidFill>
                 <a:srgbClr val="000000"/>
               </a:solidFill>
@@ -18262,7 +18262,7 @@
               <a:buNone/>
             </a:pPr>
             <a:r>
-              <a:rPr lang="en-US" sz="2000" b="0" i="0" u="none" strike="noStrike" cap="none">
+              <a:rPr lang="en-US" sz="2000" b="0" i="0" u="none" strike="noStrike" cap="none" dirty="0">
                 <a:solidFill>
                   <a:schemeClr val="dk1"/>
                 </a:solidFill>
@@ -18274,7 +18274,7 @@
               <a:t>:</a:t>
             </a:r>
             <a:r>
-              <a:rPr lang="en-US" sz="2000" b="0" i="0" u="sng" strike="noStrike" cap="none">
+              <a:rPr lang="en-US" sz="2000" b="0" i="0" u="sng" strike="noStrike" cap="none" dirty="0">
                 <a:solidFill>
                   <a:schemeClr val="hlink"/>
                 </a:solidFill>
@@ -18286,7 +18286,7 @@
               </a:rPr>
               <a:t>Skin Cancer Facts &amp; Statistics - The Skin Cancer Foundation</a:t>
             </a:r>
-            <a:endParaRPr sz="2000" b="0" i="0" u="none" strike="noStrike" cap="none">
+            <a:endParaRPr sz="2000" b="0" i="0" u="none" strike="noStrike" cap="none" dirty="0">
               <a:solidFill>
                 <a:schemeClr val="dk1"/>
               </a:solidFill>
@@ -18314,7 +18314,7 @@
               <a:buFont typeface="Arial"/>
               <a:buNone/>
             </a:pPr>
-            <a:endParaRPr sz="3200" b="0" i="0" u="none" strike="noStrike" cap="none">
+            <a:endParaRPr sz="3200" b="0" i="0" u="none" strike="noStrike" cap="none" dirty="0">
               <a:solidFill>
                 <a:srgbClr val="7F7F7F"/>
               </a:solidFill>
